--- a/humans_demo/Humans.pptx
+++ b/humans_demo/Humans.pptx
@@ -4,13 +4,19 @@
   <p:sldMasterIdLst>
     <p:sldMasterId id="2147483648" r:id="rId1"/>
   </p:sldMasterIdLst>
+  <p:notesMasterIdLst>
+    <p:notesMasterId r:id="rId11"/>
+  </p:notesMasterIdLst>
   <p:sldIdLst>
     <p:sldId id="256" r:id="rId2"/>
     <p:sldId id="258" r:id="rId3"/>
     <p:sldId id="257" r:id="rId4"/>
     <p:sldId id="259" r:id="rId5"/>
-    <p:sldId id="260" r:id="rId6"/>
-    <p:sldId id="261" r:id="rId7"/>
+    <p:sldId id="262" r:id="rId6"/>
+    <p:sldId id="263" r:id="rId7"/>
+    <p:sldId id="265" r:id="rId8"/>
+    <p:sldId id="260" r:id="rId9"/>
+    <p:sldId id="261" r:id="rId10"/>
   </p:sldIdLst>
   <p:sldSz cx="12192000" cy="6858000"/>
   <p:notesSz cx="6858000" cy="9144000"/>
@@ -109,7 +115,449 @@
       </a:defRPr>
     </a:lvl9pPr>
   </p:defaultTextStyle>
+  <p:extLst>
+    <p:ext uri="{EFAFB233-063F-42B5-8137-9DF3F51BA10A}">
+      <p15:sldGuideLst xmlns:p15="http://schemas.microsoft.com/office/powerpoint/2012/main"/>
+    </p:ext>
+  </p:extLst>
 </p:presentation>
+</file>
+
+<file path=ppt/notesMasters/notesMaster1.xml><?xml version="1.0" encoding="utf-8"?>
+<p:notesMaster xmlns:a="http://schemas.openxmlformats.org/drawingml/2006/main" xmlns:r="http://schemas.openxmlformats.org/officeDocument/2006/relationships" xmlns:p="http://schemas.openxmlformats.org/presentationml/2006/main">
+  <p:cSld>
+    <p:bg>
+      <p:bgRef idx="1001">
+        <a:schemeClr val="bg1"/>
+      </p:bgRef>
+    </p:bg>
+    <p:spTree>
+      <p:nvGrpSpPr>
+        <p:cNvPr id="1" name=""/>
+        <p:cNvGrpSpPr/>
+        <p:nvPr/>
+      </p:nvGrpSpPr>
+      <p:grpSpPr>
+        <a:xfrm>
+          <a:off x="0" y="0"/>
+          <a:ext cx="0" cy="0"/>
+          <a:chOff x="0" y="0"/>
+          <a:chExt cx="0" cy="0"/>
+        </a:xfrm>
+      </p:grpSpPr>
+      <p:sp>
+        <p:nvSpPr>
+          <p:cNvPr id="2" name="Header Placeholder 1"/>
+          <p:cNvSpPr>
+            <a:spLocks noGrp="1"/>
+          </p:cNvSpPr>
+          <p:nvPr>
+            <p:ph type="hdr" sz="quarter"/>
+          </p:nvPr>
+        </p:nvSpPr>
+        <p:spPr>
+          <a:xfrm>
+            <a:off x="0" y="0"/>
+            <a:ext cx="2971800" cy="458788"/>
+          </a:xfrm>
+          <a:prstGeom prst="rect">
+            <a:avLst/>
+          </a:prstGeom>
+        </p:spPr>
+        <p:txBody>
+          <a:bodyPr vert="horz" lIns="91440" tIns="45720" rIns="91440" bIns="45720" rtlCol="0"/>
+          <a:lstStyle>
+            <a:lvl1pPr algn="l">
+              <a:defRPr sz="1200"/>
+            </a:lvl1pPr>
+          </a:lstStyle>
+          <a:p>
+            <a:endParaRPr lang="en-GB"/>
+          </a:p>
+        </p:txBody>
+      </p:sp>
+      <p:sp>
+        <p:nvSpPr>
+          <p:cNvPr id="3" name="Date Placeholder 2"/>
+          <p:cNvSpPr>
+            <a:spLocks noGrp="1"/>
+          </p:cNvSpPr>
+          <p:nvPr>
+            <p:ph type="dt" idx="1"/>
+          </p:nvPr>
+        </p:nvSpPr>
+        <p:spPr>
+          <a:xfrm>
+            <a:off x="3884613" y="0"/>
+            <a:ext cx="2971800" cy="458788"/>
+          </a:xfrm>
+          <a:prstGeom prst="rect">
+            <a:avLst/>
+          </a:prstGeom>
+        </p:spPr>
+        <p:txBody>
+          <a:bodyPr vert="horz" lIns="91440" tIns="45720" rIns="91440" bIns="45720" rtlCol="0"/>
+          <a:lstStyle>
+            <a:lvl1pPr algn="r">
+              <a:defRPr sz="1200"/>
+            </a:lvl1pPr>
+          </a:lstStyle>
+          <a:p>
+            <a:fld id="{4337D9E4-563D-44F1-9A6E-5EC8CC1BB23C}" type="datetimeFigureOut">
+              <a:rPr lang="en-GB" smtClean="0"/>
+              <a:t>27/03/2019</a:t>
+            </a:fld>
+            <a:endParaRPr lang="en-GB"/>
+          </a:p>
+        </p:txBody>
+      </p:sp>
+      <p:sp>
+        <p:nvSpPr>
+          <p:cNvPr id="4" name="Slide Image Placeholder 3"/>
+          <p:cNvSpPr>
+            <a:spLocks noGrp="1" noRot="1" noChangeAspect="1"/>
+          </p:cNvSpPr>
+          <p:nvPr>
+            <p:ph type="sldImg" idx="2"/>
+          </p:nvPr>
+        </p:nvSpPr>
+        <p:spPr>
+          <a:xfrm>
+            <a:off x="685800" y="1143000"/>
+            <a:ext cx="5486400" cy="3086100"/>
+          </a:xfrm>
+          <a:prstGeom prst="rect">
+            <a:avLst/>
+          </a:prstGeom>
+          <a:noFill/>
+          <a:ln w="12700">
+            <a:solidFill>
+              <a:prstClr val="black"/>
+            </a:solidFill>
+          </a:ln>
+        </p:spPr>
+        <p:txBody>
+          <a:bodyPr vert="horz" lIns="91440" tIns="45720" rIns="91440" bIns="45720" rtlCol="0" anchor="ctr"/>
+          <a:lstStyle/>
+          <a:p>
+            <a:endParaRPr lang="en-GB"/>
+          </a:p>
+        </p:txBody>
+      </p:sp>
+      <p:sp>
+        <p:nvSpPr>
+          <p:cNvPr id="5" name="Notes Placeholder 4"/>
+          <p:cNvSpPr>
+            <a:spLocks noGrp="1"/>
+          </p:cNvSpPr>
+          <p:nvPr>
+            <p:ph type="body" sz="quarter" idx="3"/>
+          </p:nvPr>
+        </p:nvSpPr>
+        <p:spPr>
+          <a:xfrm>
+            <a:off x="685800" y="4400550"/>
+            <a:ext cx="5486400" cy="3600450"/>
+          </a:xfrm>
+          <a:prstGeom prst="rect">
+            <a:avLst/>
+          </a:prstGeom>
+        </p:spPr>
+        <p:txBody>
+          <a:bodyPr vert="horz" lIns="91440" tIns="45720" rIns="91440" bIns="45720" rtlCol="0"/>
+          <a:lstStyle/>
+          <a:p>
+            <a:pPr lvl="0"/>
+            <a:r>
+              <a:rPr lang="en-US"/>
+              <a:t>Click to edit Master text styles</a:t>
+            </a:r>
+          </a:p>
+          <a:p>
+            <a:pPr lvl="1"/>
+            <a:r>
+              <a:rPr lang="en-US"/>
+              <a:t>Second level</a:t>
+            </a:r>
+          </a:p>
+          <a:p>
+            <a:pPr lvl="2"/>
+            <a:r>
+              <a:rPr lang="en-US"/>
+              <a:t>Third level</a:t>
+            </a:r>
+          </a:p>
+          <a:p>
+            <a:pPr lvl="3"/>
+            <a:r>
+              <a:rPr lang="en-US"/>
+              <a:t>Fourth level</a:t>
+            </a:r>
+          </a:p>
+          <a:p>
+            <a:pPr lvl="4"/>
+            <a:r>
+              <a:rPr lang="en-US"/>
+              <a:t>Fifth level</a:t>
+            </a:r>
+            <a:endParaRPr lang="en-GB"/>
+          </a:p>
+        </p:txBody>
+      </p:sp>
+      <p:sp>
+        <p:nvSpPr>
+          <p:cNvPr id="6" name="Footer Placeholder 5"/>
+          <p:cNvSpPr>
+            <a:spLocks noGrp="1"/>
+          </p:cNvSpPr>
+          <p:nvPr>
+            <p:ph type="ftr" sz="quarter" idx="4"/>
+          </p:nvPr>
+        </p:nvSpPr>
+        <p:spPr>
+          <a:xfrm>
+            <a:off x="0" y="8685213"/>
+            <a:ext cx="2971800" cy="458787"/>
+          </a:xfrm>
+          <a:prstGeom prst="rect">
+            <a:avLst/>
+          </a:prstGeom>
+        </p:spPr>
+        <p:txBody>
+          <a:bodyPr vert="horz" lIns="91440" tIns="45720" rIns="91440" bIns="45720" rtlCol="0" anchor="b"/>
+          <a:lstStyle>
+            <a:lvl1pPr algn="l">
+              <a:defRPr sz="1200"/>
+            </a:lvl1pPr>
+          </a:lstStyle>
+          <a:p>
+            <a:endParaRPr lang="en-GB"/>
+          </a:p>
+        </p:txBody>
+      </p:sp>
+      <p:sp>
+        <p:nvSpPr>
+          <p:cNvPr id="7" name="Slide Number Placeholder 6"/>
+          <p:cNvSpPr>
+            <a:spLocks noGrp="1"/>
+          </p:cNvSpPr>
+          <p:nvPr>
+            <p:ph type="sldNum" sz="quarter" idx="5"/>
+          </p:nvPr>
+        </p:nvSpPr>
+        <p:spPr>
+          <a:xfrm>
+            <a:off x="3884613" y="8685213"/>
+            <a:ext cx="2971800" cy="458787"/>
+          </a:xfrm>
+          <a:prstGeom prst="rect">
+            <a:avLst/>
+          </a:prstGeom>
+        </p:spPr>
+        <p:txBody>
+          <a:bodyPr vert="horz" lIns="91440" tIns="45720" rIns="91440" bIns="45720" rtlCol="0" anchor="b"/>
+          <a:lstStyle>
+            <a:lvl1pPr algn="r">
+              <a:defRPr sz="1200"/>
+            </a:lvl1pPr>
+          </a:lstStyle>
+          <a:p>
+            <a:fld id="{5EB7C7D4-EFFD-43A8-9F3E-05F70B5E7F62}" type="slidenum">
+              <a:rPr lang="en-GB" smtClean="0"/>
+              <a:t>‹#›</a:t>
+            </a:fld>
+            <a:endParaRPr lang="en-GB"/>
+          </a:p>
+        </p:txBody>
+      </p:sp>
+    </p:spTree>
+    <p:extLst>
+      <p:ext uri="{BB962C8B-B14F-4D97-AF65-F5344CB8AC3E}">
+        <p14:creationId xmlns:p14="http://schemas.microsoft.com/office/powerpoint/2010/main" val="1590355043"/>
+      </p:ext>
+    </p:extLst>
+  </p:cSld>
+  <p:clrMap bg1="lt1" tx1="dk1" bg2="lt2" tx2="dk2" accent1="accent1" accent2="accent2" accent3="accent3" accent4="accent4" accent5="accent5" accent6="accent6" hlink="hlink" folHlink="folHlink"/>
+  <p:notesStyle>
+    <a:lvl1pPr marL="0" algn="l" defTabSz="914400" rtl="0" eaLnBrk="1" latinLnBrk="0" hangingPunct="1">
+      <a:defRPr sz="1200" kern="1200">
+        <a:solidFill>
+          <a:schemeClr val="tx1"/>
+        </a:solidFill>
+        <a:latin typeface="+mn-lt"/>
+        <a:ea typeface="+mn-ea"/>
+        <a:cs typeface="+mn-cs"/>
+      </a:defRPr>
+    </a:lvl1pPr>
+    <a:lvl2pPr marL="457200" algn="l" defTabSz="914400" rtl="0" eaLnBrk="1" latinLnBrk="0" hangingPunct="1">
+      <a:defRPr sz="1200" kern="1200">
+        <a:solidFill>
+          <a:schemeClr val="tx1"/>
+        </a:solidFill>
+        <a:latin typeface="+mn-lt"/>
+        <a:ea typeface="+mn-ea"/>
+        <a:cs typeface="+mn-cs"/>
+      </a:defRPr>
+    </a:lvl2pPr>
+    <a:lvl3pPr marL="914400" algn="l" defTabSz="914400" rtl="0" eaLnBrk="1" latinLnBrk="0" hangingPunct="1">
+      <a:defRPr sz="1200" kern="1200">
+        <a:solidFill>
+          <a:schemeClr val="tx1"/>
+        </a:solidFill>
+        <a:latin typeface="+mn-lt"/>
+        <a:ea typeface="+mn-ea"/>
+        <a:cs typeface="+mn-cs"/>
+      </a:defRPr>
+    </a:lvl3pPr>
+    <a:lvl4pPr marL="1371600" algn="l" defTabSz="914400" rtl="0" eaLnBrk="1" latinLnBrk="0" hangingPunct="1">
+      <a:defRPr sz="1200" kern="1200">
+        <a:solidFill>
+          <a:schemeClr val="tx1"/>
+        </a:solidFill>
+        <a:latin typeface="+mn-lt"/>
+        <a:ea typeface="+mn-ea"/>
+        <a:cs typeface="+mn-cs"/>
+      </a:defRPr>
+    </a:lvl4pPr>
+    <a:lvl5pPr marL="1828800" algn="l" defTabSz="914400" rtl="0" eaLnBrk="1" latinLnBrk="0" hangingPunct="1">
+      <a:defRPr sz="1200" kern="1200">
+        <a:solidFill>
+          <a:schemeClr val="tx1"/>
+        </a:solidFill>
+        <a:latin typeface="+mn-lt"/>
+        <a:ea typeface="+mn-ea"/>
+        <a:cs typeface="+mn-cs"/>
+      </a:defRPr>
+    </a:lvl5pPr>
+    <a:lvl6pPr marL="2286000" algn="l" defTabSz="914400" rtl="0" eaLnBrk="1" latinLnBrk="0" hangingPunct="1">
+      <a:defRPr sz="1200" kern="1200">
+        <a:solidFill>
+          <a:schemeClr val="tx1"/>
+        </a:solidFill>
+        <a:latin typeface="+mn-lt"/>
+        <a:ea typeface="+mn-ea"/>
+        <a:cs typeface="+mn-cs"/>
+      </a:defRPr>
+    </a:lvl6pPr>
+    <a:lvl7pPr marL="2743200" algn="l" defTabSz="914400" rtl="0" eaLnBrk="1" latinLnBrk="0" hangingPunct="1">
+      <a:defRPr sz="1200" kern="1200">
+        <a:solidFill>
+          <a:schemeClr val="tx1"/>
+        </a:solidFill>
+        <a:latin typeface="+mn-lt"/>
+        <a:ea typeface="+mn-ea"/>
+        <a:cs typeface="+mn-cs"/>
+      </a:defRPr>
+    </a:lvl7pPr>
+    <a:lvl8pPr marL="3200400" algn="l" defTabSz="914400" rtl="0" eaLnBrk="1" latinLnBrk="0" hangingPunct="1">
+      <a:defRPr sz="1200" kern="1200">
+        <a:solidFill>
+          <a:schemeClr val="tx1"/>
+        </a:solidFill>
+        <a:latin typeface="+mn-lt"/>
+        <a:ea typeface="+mn-ea"/>
+        <a:cs typeface="+mn-cs"/>
+      </a:defRPr>
+    </a:lvl8pPr>
+    <a:lvl9pPr marL="3657600" algn="l" defTabSz="914400" rtl="0" eaLnBrk="1" latinLnBrk="0" hangingPunct="1">
+      <a:defRPr sz="1200" kern="1200">
+        <a:solidFill>
+          <a:schemeClr val="tx1"/>
+        </a:solidFill>
+        <a:latin typeface="+mn-lt"/>
+        <a:ea typeface="+mn-ea"/>
+        <a:cs typeface="+mn-cs"/>
+      </a:defRPr>
+    </a:lvl9pPr>
+  </p:notesStyle>
+</p:notesMaster>
+</file>
+
+<file path=ppt/notesSlides/notesSlide1.xml><?xml version="1.0" encoding="utf-8"?>
+<p:notes xmlns:a="http://schemas.openxmlformats.org/drawingml/2006/main" xmlns:r="http://schemas.openxmlformats.org/officeDocument/2006/relationships" xmlns:p="http://schemas.openxmlformats.org/presentationml/2006/main">
+  <p:cSld>
+    <p:spTree>
+      <p:nvGrpSpPr>
+        <p:cNvPr id="1" name=""/>
+        <p:cNvGrpSpPr/>
+        <p:nvPr/>
+      </p:nvGrpSpPr>
+      <p:grpSpPr>
+        <a:xfrm>
+          <a:off x="0" y="0"/>
+          <a:ext cx="0" cy="0"/>
+          <a:chOff x="0" y="0"/>
+          <a:chExt cx="0" cy="0"/>
+        </a:xfrm>
+      </p:grpSpPr>
+      <p:sp>
+        <p:nvSpPr>
+          <p:cNvPr id="2" name="Slide Image Placeholder 1"/>
+          <p:cNvSpPr>
+            <a:spLocks noGrp="1" noRot="1" noChangeAspect="1"/>
+          </p:cNvSpPr>
+          <p:nvPr>
+            <p:ph type="sldImg"/>
+          </p:nvPr>
+        </p:nvSpPr>
+        <p:spPr/>
+      </p:sp>
+      <p:sp>
+        <p:nvSpPr>
+          <p:cNvPr id="3" name="Notes Placeholder 2"/>
+          <p:cNvSpPr>
+            <a:spLocks noGrp="1"/>
+          </p:cNvSpPr>
+          <p:nvPr>
+            <p:ph type="body" idx="1"/>
+          </p:nvPr>
+        </p:nvSpPr>
+        <p:spPr/>
+        <p:txBody>
+          <a:bodyPr/>
+          <a:lstStyle/>
+          <a:p>
+            <a:r>
+              <a:rPr lang="en-GB" dirty="0"/>
+              <a:t>HV -&gt; Hypervariable Regions, high mutation-rate -&gt; good for finding differences in related species</a:t>
+            </a:r>
+          </a:p>
+        </p:txBody>
+      </p:sp>
+      <p:sp>
+        <p:nvSpPr>
+          <p:cNvPr id="4" name="Slide Number Placeholder 3"/>
+          <p:cNvSpPr>
+            <a:spLocks noGrp="1"/>
+          </p:cNvSpPr>
+          <p:nvPr>
+            <p:ph type="sldNum" sz="quarter" idx="5"/>
+          </p:nvPr>
+        </p:nvSpPr>
+        <p:spPr/>
+        <p:txBody>
+          <a:bodyPr/>
+          <a:lstStyle/>
+          <a:p>
+            <a:fld id="{5EB7C7D4-EFFD-43A8-9F3E-05F70B5E7F62}" type="slidenum">
+              <a:rPr lang="en-GB" smtClean="0"/>
+              <a:t>5</a:t>
+            </a:fld>
+            <a:endParaRPr lang="en-GB"/>
+          </a:p>
+        </p:txBody>
+      </p:sp>
+    </p:spTree>
+    <p:extLst>
+      <p:ext uri="{BB962C8B-B14F-4D97-AF65-F5344CB8AC3E}">
+        <p14:creationId xmlns:p14="http://schemas.microsoft.com/office/powerpoint/2010/main" val="1482298611"/>
+      </p:ext>
+    </p:extLst>
+  </p:cSld>
+  <p:clrMapOvr>
+    <a:masterClrMapping/>
+  </p:clrMapOvr>
+</p:notes>
 </file>
 
 <file path=ppt/slideLayouts/slideLayout1.xml><?xml version="1.0" encoding="utf-8"?>
@@ -261,7 +709,7 @@
           <a:p>
             <a:fld id="{902EFA1F-0188-423F-90C2-2B4BB1ADFD41}" type="datetimeFigureOut">
               <a:rPr lang="en-GB" smtClean="0"/>
-              <a:t>26/03/2019</a:t>
+              <a:t>27/03/2019</a:t>
             </a:fld>
             <a:endParaRPr lang="en-GB"/>
           </a:p>
@@ -461,7 +909,7 @@
           <a:p>
             <a:fld id="{902EFA1F-0188-423F-90C2-2B4BB1ADFD41}" type="datetimeFigureOut">
               <a:rPr lang="en-GB" smtClean="0"/>
-              <a:t>26/03/2019</a:t>
+              <a:t>27/03/2019</a:t>
             </a:fld>
             <a:endParaRPr lang="en-GB"/>
           </a:p>
@@ -671,7 +1119,7 @@
           <a:p>
             <a:fld id="{902EFA1F-0188-423F-90C2-2B4BB1ADFD41}" type="datetimeFigureOut">
               <a:rPr lang="en-GB" smtClean="0"/>
-              <a:t>26/03/2019</a:t>
+              <a:t>27/03/2019</a:t>
             </a:fld>
             <a:endParaRPr lang="en-GB"/>
           </a:p>
@@ -871,7 +1319,7 @@
           <a:p>
             <a:fld id="{902EFA1F-0188-423F-90C2-2B4BB1ADFD41}" type="datetimeFigureOut">
               <a:rPr lang="en-GB" smtClean="0"/>
-              <a:t>26/03/2019</a:t>
+              <a:t>27/03/2019</a:t>
             </a:fld>
             <a:endParaRPr lang="en-GB"/>
           </a:p>
@@ -1147,7 +1595,7 @@
           <a:p>
             <a:fld id="{902EFA1F-0188-423F-90C2-2B4BB1ADFD41}" type="datetimeFigureOut">
               <a:rPr lang="en-GB" smtClean="0"/>
-              <a:t>26/03/2019</a:t>
+              <a:t>27/03/2019</a:t>
             </a:fld>
             <a:endParaRPr lang="en-GB"/>
           </a:p>
@@ -1415,7 +1863,7 @@
           <a:p>
             <a:fld id="{902EFA1F-0188-423F-90C2-2B4BB1ADFD41}" type="datetimeFigureOut">
               <a:rPr lang="en-GB" smtClean="0"/>
-              <a:t>26/03/2019</a:t>
+              <a:t>27/03/2019</a:t>
             </a:fld>
             <a:endParaRPr lang="en-GB"/>
           </a:p>
@@ -1830,7 +2278,7 @@
           <a:p>
             <a:fld id="{902EFA1F-0188-423F-90C2-2B4BB1ADFD41}" type="datetimeFigureOut">
               <a:rPr lang="en-GB" smtClean="0"/>
-              <a:t>26/03/2019</a:t>
+              <a:t>27/03/2019</a:t>
             </a:fld>
             <a:endParaRPr lang="en-GB"/>
           </a:p>
@@ -1972,7 +2420,7 @@
           <a:p>
             <a:fld id="{902EFA1F-0188-423F-90C2-2B4BB1ADFD41}" type="datetimeFigureOut">
               <a:rPr lang="en-GB" smtClean="0"/>
-              <a:t>26/03/2019</a:t>
+              <a:t>27/03/2019</a:t>
             </a:fld>
             <a:endParaRPr lang="en-GB"/>
           </a:p>
@@ -2085,7 +2533,7 @@
           <a:p>
             <a:fld id="{902EFA1F-0188-423F-90C2-2B4BB1ADFD41}" type="datetimeFigureOut">
               <a:rPr lang="en-GB" smtClean="0"/>
-              <a:t>26/03/2019</a:t>
+              <a:t>27/03/2019</a:t>
             </a:fld>
             <a:endParaRPr lang="en-GB"/>
           </a:p>
@@ -2398,7 +2846,7 @@
           <a:p>
             <a:fld id="{902EFA1F-0188-423F-90C2-2B4BB1ADFD41}" type="datetimeFigureOut">
               <a:rPr lang="en-GB" smtClean="0"/>
-              <a:t>26/03/2019</a:t>
+              <a:t>27/03/2019</a:t>
             </a:fld>
             <a:endParaRPr lang="en-GB"/>
           </a:p>
@@ -2687,7 +3135,7 @@
           <a:p>
             <a:fld id="{902EFA1F-0188-423F-90C2-2B4BB1ADFD41}" type="datetimeFigureOut">
               <a:rPr lang="en-GB" smtClean="0"/>
-              <a:t>26/03/2019</a:t>
+              <a:t>27/03/2019</a:t>
             </a:fld>
             <a:endParaRPr lang="en-GB"/>
           </a:p>
@@ -2764,9 +3212,12 @@
 <p:sldMaster xmlns:a="http://schemas.openxmlformats.org/drawingml/2006/main" xmlns:r="http://schemas.openxmlformats.org/officeDocument/2006/relationships" xmlns:p="http://schemas.openxmlformats.org/presentationml/2006/main">
   <p:cSld>
     <p:bg>
-      <p:bgRef idx="1001">
-        <a:schemeClr val="bg1"/>
-      </p:bgRef>
+      <p:bgPr>
+        <a:solidFill>
+          <a:schemeClr val="bg1"/>
+        </a:solidFill>
+        <a:effectLst/>
+      </p:bgPr>
     </p:bg>
     <p:spTree>
       <p:nvGrpSpPr>
@@ -2930,7 +3381,7 @@
           <a:p>
             <a:fld id="{902EFA1F-0188-423F-90C2-2B4BB1ADFD41}" type="datetimeFigureOut">
               <a:rPr lang="en-GB" smtClean="0"/>
-              <a:t>26/03/2019</a:t>
+              <a:t>27/03/2019</a:t>
             </a:fld>
             <a:endParaRPr lang="en-GB"/>
           </a:p>
@@ -3333,17 +3784,6 @@
 <file path=ppt/slides/slide1.xml><?xml version="1.0" encoding="utf-8"?>
 <p:sld xmlns:a="http://schemas.openxmlformats.org/drawingml/2006/main" xmlns:r="http://schemas.openxmlformats.org/officeDocument/2006/relationships" xmlns:p="http://schemas.openxmlformats.org/presentationml/2006/main">
   <p:cSld>
-    <p:bg>
-      <p:bgPr>
-        <a:solidFill>
-          <a:schemeClr val="bg1">
-            <a:tint val="95000"/>
-            <a:satMod val="170000"/>
-          </a:schemeClr>
-        </a:solidFill>
-        <a:effectLst/>
-      </p:bgPr>
-    </p:bg>
     <p:spTree>
       <p:nvGrpSpPr>
         <p:cNvPr id="1" name=""/>
@@ -3382,14 +3822,14 @@
         </p:spPr>
         <p:txBody>
           <a:bodyPr anchor="b">
-            <a:normAutofit/>
+            <a:normAutofit fontScale="90000"/>
           </a:bodyPr>
           <a:lstStyle/>
           <a:p>
             <a:pPr algn="l"/>
             <a:r>
               <a:rPr lang="en-GB" dirty="0"/>
-              <a:t>Humans	</a:t>
+              <a:t>Genetic comparison of Human and Neanderthal mtDNA	</a:t>
             </a:r>
           </a:p>
         </p:txBody>
@@ -3805,7 +4245,7 @@
             </a:pPr>
             <a:r>
               <a:rPr lang="en-GB" dirty="0"/>
-              <a:t>Genealogical DNA-testing</a:t>
+              <a:t>Genetic Analysis</a:t>
             </a:r>
           </a:p>
           <a:p>
@@ -3889,7 +4329,7 @@
         </p:nvSpPr>
         <p:spPr>
           <a:xfrm>
-            <a:off x="838200" y="3429000"/>
+            <a:off x="838200" y="3521676"/>
             <a:ext cx="10515600" cy="2116180"/>
           </a:xfrm>
           <a:prstGeom prst="rect">
@@ -3898,7 +4338,7 @@
         </p:spPr>
         <p:txBody>
           <a:bodyPr vert="horz" lIns="91440" tIns="45720" rIns="91440" bIns="45720" rtlCol="0">
-            <a:normAutofit lnSpcReduction="10000"/>
+            <a:normAutofit/>
           </a:bodyPr>
           <a:lstStyle>
             <a:lvl1pPr marL="228600" indent="-228600" algn="l" defTabSz="914400" rtl="0" eaLnBrk="1" latinLnBrk="0" hangingPunct="1">
@@ -4071,25 +4511,7 @@
             </a:pPr>
             <a:r>
               <a:rPr lang="en-GB" dirty="0"/>
-              <a:t>Our Work</a:t>
-            </a:r>
-          </a:p>
-          <a:p>
-            <a:pPr marL="914400" lvl="2" indent="0">
-              <a:buNone/>
-            </a:pPr>
-            <a:r>
-              <a:rPr lang="en-GB" dirty="0"/>
-              <a:t>3.1 BioPython and Matlab</a:t>
-            </a:r>
-          </a:p>
-          <a:p>
-            <a:pPr marL="914400" lvl="2" indent="0">
-              <a:buNone/>
-            </a:pPr>
-            <a:r>
-              <a:rPr lang="en-GB" dirty="0"/>
-              <a:t>3.2 Our Pipeline</a:t>
+              <a:t>Our Project</a:t>
             </a:r>
           </a:p>
           <a:p>
@@ -4189,14 +4611,6 @@
 <file path=ppt/slides/slide3.xml><?xml version="1.0" encoding="utf-8"?>
 <p:sld xmlns:a="http://schemas.openxmlformats.org/drawingml/2006/main" xmlns:r="http://schemas.openxmlformats.org/officeDocument/2006/relationships" xmlns:p="http://schemas.openxmlformats.org/presentationml/2006/main">
   <p:cSld>
-    <p:bg>
-      <p:bgPr>
-        <a:solidFill>
-          <a:schemeClr val="bg1"/>
-        </a:solidFill>
-        <a:effectLst/>
-      </p:bgPr>
-    </p:bg>
     <p:spTree>
       <p:nvGrpSpPr>
         <p:cNvPr id="1" name=""/>
@@ -4241,7 +4655,7 @@
           <a:p>
             <a:r>
               <a:rPr lang="en-US" dirty="0"/>
-              <a:t>Not an ancestor of humans</a:t>
+              <a:t>Related to Humans</a:t>
             </a:r>
           </a:p>
           <a:p>
@@ -4430,14 +4844,6 @@
 <file path=ppt/slides/slide4.xml><?xml version="1.0" encoding="utf-8"?>
 <p:sld xmlns:a="http://schemas.openxmlformats.org/drawingml/2006/main" xmlns:r="http://schemas.openxmlformats.org/officeDocument/2006/relationships" xmlns:p="http://schemas.openxmlformats.org/presentationml/2006/main">
   <p:cSld>
-    <p:bg>
-      <p:bgPr>
-        <a:solidFill>
-          <a:schemeClr val="bg1"/>
-        </a:solidFill>
-        <a:effectLst/>
-      </p:bgPr>
-    </p:bg>
     <p:spTree>
       <p:nvGrpSpPr>
         <p:cNvPr id="1" name=""/>
@@ -4616,8 +5022,8 @@
         </p:blipFill>
         <p:spPr>
           <a:xfrm>
-            <a:off x="4531819" y="1470455"/>
-            <a:ext cx="7478947" cy="5126638"/>
+            <a:off x="4361491" y="1353699"/>
+            <a:ext cx="7649275" cy="5243394"/>
           </a:xfrm>
           <a:prstGeom prst="rect">
             <a:avLst/>
@@ -4659,7 +5065,7 @@
           <p:cNvPr id="2" name="Title 1">
             <a:extLst>
               <a:ext uri="{FF2B5EF4-FFF2-40B4-BE49-F238E27FC236}">
-                <a16:creationId xmlns:a16="http://schemas.microsoft.com/office/drawing/2014/main" id="{1DDA7427-C717-49CC-9361-8F71A094DE37}"/>
+                <a16:creationId xmlns:a16="http://schemas.microsoft.com/office/drawing/2014/main" id="{DBDB557F-CE93-4479-A042-526FB516B3FC}"/>
               </a:ext>
             </a:extLst>
           </p:cNvPr>
@@ -4670,47 +5076,254 @@
             <p:ph type="title"/>
           </p:nvPr>
         </p:nvSpPr>
-        <p:spPr/>
+        <p:spPr>
+          <a:xfrm>
+            <a:off x="393356" y="138112"/>
+            <a:ext cx="10515600" cy="1325563"/>
+          </a:xfrm>
+        </p:spPr>
         <p:txBody>
           <a:bodyPr/>
           <a:lstStyle/>
           <a:p>
             <a:r>
               <a:rPr lang="en-GB" dirty="0"/>
-              <a:t>References</a:t>
-            </a:r>
-          </a:p>
-        </p:txBody>
-      </p:sp>
-      <p:sp>
-        <p:nvSpPr>
-          <p:cNvPr id="3" name="Content Placeholder 2">
-            <a:extLst>
-              <a:ext uri="{FF2B5EF4-FFF2-40B4-BE49-F238E27FC236}">
-                <a16:creationId xmlns:a16="http://schemas.microsoft.com/office/drawing/2014/main" id="{456D776F-585B-44A1-8F12-F437FC01319C}"/>
-              </a:ext>
-            </a:extLst>
-          </p:cNvPr>
-          <p:cNvSpPr>
-            <a:spLocks noGrp="1"/>
-          </p:cNvSpPr>
+              <a:t>Mitochondrial DNA (mtDNA)</a:t>
+            </a:r>
+          </a:p>
+        </p:txBody>
+      </p:sp>
+      <p:sp>
+        <p:nvSpPr>
+          <p:cNvPr id="6" name="TextBox 5">
+            <a:extLst>
+              <a:ext uri="{FF2B5EF4-FFF2-40B4-BE49-F238E27FC236}">
+                <a16:creationId xmlns:a16="http://schemas.microsoft.com/office/drawing/2014/main" id="{0CF89412-6CE7-48FA-A418-EBA2DE5A8075}"/>
+              </a:ext>
+            </a:extLst>
+          </p:cNvPr>
+          <p:cNvSpPr txBox="1"/>
+          <p:nvPr/>
+        </p:nvSpPr>
+        <p:spPr>
+          <a:xfrm>
+            <a:off x="710058" y="1463675"/>
+            <a:ext cx="5945659" cy="4955203"/>
+          </a:xfrm>
+          <a:prstGeom prst="rect">
+            <a:avLst/>
+          </a:prstGeom>
+          <a:noFill/>
+        </p:spPr>
+        <p:txBody>
+          <a:bodyPr wrap="square" rtlCol="0">
+            <a:spAutoFit/>
+          </a:bodyPr>
+          <a:lstStyle/>
+          <a:p>
+            <a:pPr marL="457200" indent="-457200">
+              <a:lnSpc>
+                <a:spcPct val="150000"/>
+              </a:lnSpc>
+              <a:buFont typeface="Arial" panose="020B0604020202020204" pitchFamily="34" charset="0"/>
+              <a:buChar char="•"/>
+            </a:pPr>
+            <a:r>
+              <a:rPr lang="en-GB" sz="2800" dirty="0"/>
+              <a:t>16,569 base pairs form 37 genes</a:t>
+            </a:r>
+          </a:p>
+          <a:p>
+            <a:pPr marL="457200" indent="-457200">
+              <a:lnSpc>
+                <a:spcPct val="150000"/>
+              </a:lnSpc>
+              <a:buFont typeface="Arial" panose="020B0604020202020204" pitchFamily="34" charset="0"/>
+              <a:buChar char="•"/>
+            </a:pPr>
+            <a:r>
+              <a:rPr lang="en-GB" sz="2800" dirty="0"/>
+              <a:t>Maternally inherited</a:t>
+            </a:r>
+          </a:p>
+          <a:p>
+            <a:pPr>
+              <a:lnSpc>
+                <a:spcPct val="150000"/>
+              </a:lnSpc>
+            </a:pPr>
+            <a:r>
+              <a:rPr lang="en-GB" sz="2400" dirty="0"/>
+              <a:t>	</a:t>
+            </a:r>
+            <a:r>
+              <a:rPr lang="en-GB" sz="2400" dirty="0">
+                <a:sym typeface="Wingdings" panose="05000000000000000000" pitchFamily="2" charset="2"/>
+              </a:rPr>
+              <a:t> </a:t>
+            </a:r>
+            <a:r>
+              <a:rPr lang="en-GB" sz="2400" dirty="0"/>
+              <a:t>No recombination </a:t>
+            </a:r>
+          </a:p>
+          <a:p>
+            <a:pPr>
+              <a:lnSpc>
+                <a:spcPct val="150000"/>
+              </a:lnSpc>
+            </a:pPr>
+            <a:r>
+              <a:rPr lang="en-GB" sz="2400" dirty="0">
+                <a:sym typeface="Wingdings" panose="05000000000000000000" pitchFamily="2" charset="2"/>
+              </a:rPr>
+              <a:t>	 mutations only through evolution</a:t>
+            </a:r>
+          </a:p>
+          <a:p>
+            <a:pPr marL="457200" indent="-457200">
+              <a:lnSpc>
+                <a:spcPct val="150000"/>
+              </a:lnSpc>
+              <a:buFont typeface="Arial" panose="020B0604020202020204" pitchFamily="34" charset="0"/>
+              <a:buChar char="•"/>
+            </a:pPr>
+            <a:r>
+              <a:rPr lang="en-GB" sz="2800" dirty="0"/>
+              <a:t>Coding Region and Control Region</a:t>
+            </a:r>
+          </a:p>
+          <a:p>
+            <a:pPr marL="457200" indent="-457200">
+              <a:lnSpc>
+                <a:spcPct val="150000"/>
+              </a:lnSpc>
+              <a:buFont typeface="Arial" panose="020B0604020202020204" pitchFamily="34" charset="0"/>
+              <a:buChar char="•"/>
+            </a:pPr>
+            <a:r>
+              <a:rPr lang="en-GB" sz="2800" dirty="0"/>
+              <a:t>Region of interest</a:t>
+            </a:r>
+          </a:p>
+          <a:p>
+            <a:pPr lvl="1">
+              <a:lnSpc>
+                <a:spcPct val="150000"/>
+              </a:lnSpc>
+            </a:pPr>
+            <a:r>
+              <a:rPr lang="en-GB" sz="2800" dirty="0"/>
+              <a:t>	</a:t>
+            </a:r>
+            <a:r>
+              <a:rPr lang="en-GB" sz="2800" dirty="0">
+                <a:sym typeface="Wingdings" panose="05000000000000000000" pitchFamily="2" charset="2"/>
+              </a:rPr>
+              <a:t> Control Region HV-I and HV-II</a:t>
+            </a:r>
+            <a:endParaRPr lang="en-GB" sz="2800" dirty="0"/>
+          </a:p>
+          <a:p>
+            <a:pPr marL="457200" indent="-457200">
+              <a:buFont typeface="Arial" panose="020B0604020202020204" pitchFamily="34" charset="0"/>
+              <a:buChar char="•"/>
+            </a:pPr>
+            <a:endParaRPr lang="en-GB" sz="2800" dirty="0"/>
+          </a:p>
+        </p:txBody>
+      </p:sp>
+      <p:sp>
+        <p:nvSpPr>
+          <p:cNvPr id="7" name="Rectangle 6">
+            <a:extLst>
+              <a:ext uri="{FF2B5EF4-FFF2-40B4-BE49-F238E27FC236}">
+                <a16:creationId xmlns:a16="http://schemas.microsoft.com/office/drawing/2014/main" id="{EC927DB7-5346-4414-B54B-C91006E67130}"/>
+              </a:ext>
+            </a:extLst>
+          </p:cNvPr>
+          <p:cNvSpPr/>
+          <p:nvPr/>
+        </p:nvSpPr>
+        <p:spPr>
+          <a:xfrm>
+            <a:off x="11353800" y="0"/>
+            <a:ext cx="838200" cy="6858000"/>
+          </a:xfrm>
+          <a:prstGeom prst="rect">
+            <a:avLst/>
+          </a:prstGeom>
+          <a:solidFill>
+            <a:schemeClr val="tx1">
+              <a:lumMod val="65000"/>
+              <a:lumOff val="35000"/>
+            </a:schemeClr>
+          </a:solidFill>
+        </p:spPr>
+        <p:style>
+          <a:lnRef idx="2">
+            <a:schemeClr val="accent1">
+              <a:shade val="50000"/>
+            </a:schemeClr>
+          </a:lnRef>
+          <a:fillRef idx="1">
+            <a:schemeClr val="accent1"/>
+          </a:fillRef>
+          <a:effectRef idx="0">
+            <a:schemeClr val="accent1"/>
+          </a:effectRef>
+          <a:fontRef idx="minor">
+            <a:schemeClr val="lt1"/>
+          </a:fontRef>
+        </p:style>
+        <p:txBody>
+          <a:bodyPr rtlCol="0" anchor="ctr"/>
+          <a:lstStyle/>
+          <a:p>
+            <a:pPr algn="ctr"/>
+            <a:endParaRPr lang="en-GB"/>
+          </a:p>
+        </p:txBody>
+      </p:sp>
+      <p:pic>
+        <p:nvPicPr>
+          <p:cNvPr id="5" name="Content Placeholder 4">
+            <a:extLst>
+              <a:ext uri="{FF2B5EF4-FFF2-40B4-BE49-F238E27FC236}">
+                <a16:creationId xmlns:a16="http://schemas.microsoft.com/office/drawing/2014/main" id="{3D5CE9AB-9459-4BC2-8787-1EAE4370397D}"/>
+              </a:ext>
+            </a:extLst>
+          </p:cNvPr>
+          <p:cNvPicPr>
+            <a:picLocks noGrp="1" noChangeAspect="1"/>
+          </p:cNvPicPr>
           <p:nvPr>
             <p:ph idx="1"/>
           </p:nvPr>
-        </p:nvSpPr>
-        <p:spPr/>
-        <p:txBody>
-          <a:bodyPr/>
-          <a:lstStyle/>
-          <a:p>
-            <a:endParaRPr lang="en-GB"/>
-          </a:p>
-        </p:txBody>
-      </p:sp>
+        </p:nvPicPr>
+        <p:blipFill>
+          <a:blip r:embed="rId3">
+            <a:extLst>
+              <a:ext uri="{28A0092B-C50C-407E-A947-70E740481C1C}">
+                <a14:useLocalDpi xmlns:a14="http://schemas.microsoft.com/office/drawing/2010/main" val="0"/>
+              </a:ext>
+            </a:extLst>
+          </a:blip>
+          <a:stretch>
+            <a:fillRect/>
+          </a:stretch>
+        </p:blipFill>
+        <p:spPr>
+          <a:xfrm>
+            <a:off x="6096000" y="635772"/>
+            <a:ext cx="5279999" cy="5029200"/>
+          </a:xfrm>
+        </p:spPr>
+      </p:pic>
     </p:spTree>
     <p:extLst>
       <p:ext uri="{BB962C8B-B14F-4D97-AF65-F5344CB8AC3E}">
-        <p14:creationId xmlns:p14="http://schemas.microsoft.com/office/powerpoint/2010/main" val="686032156"/>
+        <p14:creationId xmlns:p14="http://schemas.microsoft.com/office/powerpoint/2010/main" val="2087268193"/>
       </p:ext>
     </p:extLst>
   </p:cSld>
@@ -4742,6 +5355,914 @@
           <p:cNvPr id="2" name="Title 1">
             <a:extLst>
               <a:ext uri="{FF2B5EF4-FFF2-40B4-BE49-F238E27FC236}">
+                <a16:creationId xmlns:a16="http://schemas.microsoft.com/office/drawing/2014/main" id="{EB71CEB4-C391-477E-B821-FEE7A898EAE6}"/>
+              </a:ext>
+            </a:extLst>
+          </p:cNvPr>
+          <p:cNvSpPr>
+            <a:spLocks noGrp="1"/>
+          </p:cNvSpPr>
+          <p:nvPr>
+            <p:ph type="title"/>
+          </p:nvPr>
+        </p:nvSpPr>
+        <p:spPr>
+          <a:xfrm>
+            <a:off x="307888" y="11576"/>
+            <a:ext cx="10515600" cy="1325563"/>
+          </a:xfrm>
+        </p:spPr>
+        <p:txBody>
+          <a:bodyPr/>
+          <a:lstStyle/>
+          <a:p>
+            <a:r>
+              <a:rPr lang="en-GB" dirty="0"/>
+              <a:t>Genealogical DNA-Testing</a:t>
+            </a:r>
+          </a:p>
+        </p:txBody>
+      </p:sp>
+      <p:sp>
+        <p:nvSpPr>
+          <p:cNvPr id="6" name="Rectangle: Rounded Corners 5">
+            <a:extLst>
+              <a:ext uri="{FF2B5EF4-FFF2-40B4-BE49-F238E27FC236}">
+                <a16:creationId xmlns:a16="http://schemas.microsoft.com/office/drawing/2014/main" id="{E898547E-A311-499F-A13F-F6CDFC2DE048}"/>
+              </a:ext>
+            </a:extLst>
+          </p:cNvPr>
+          <p:cNvSpPr/>
+          <p:nvPr/>
+        </p:nvSpPr>
+        <p:spPr>
+          <a:xfrm>
+            <a:off x="504567" y="1480174"/>
+            <a:ext cx="3385752" cy="1948826"/>
+          </a:xfrm>
+          <a:prstGeom prst="roundRect">
+            <a:avLst/>
+          </a:prstGeom>
+          <a:noFill/>
+          <a:ln w="57150"/>
+        </p:spPr>
+        <p:style>
+          <a:lnRef idx="2">
+            <a:schemeClr val="accent1">
+              <a:shade val="50000"/>
+            </a:schemeClr>
+          </a:lnRef>
+          <a:fillRef idx="1">
+            <a:schemeClr val="accent1"/>
+          </a:fillRef>
+          <a:effectRef idx="0">
+            <a:schemeClr val="accent1"/>
+          </a:effectRef>
+          <a:fontRef idx="minor">
+            <a:schemeClr val="lt1"/>
+          </a:fontRef>
+        </p:style>
+        <p:txBody>
+          <a:bodyPr rtlCol="0" anchor="ctr"/>
+          <a:lstStyle/>
+          <a:p>
+            <a:pPr algn="ctr"/>
+            <a:endParaRPr lang="en-GB"/>
+          </a:p>
+        </p:txBody>
+      </p:sp>
+      <p:sp>
+        <p:nvSpPr>
+          <p:cNvPr id="5" name="TextBox 4">
+            <a:extLst>
+              <a:ext uri="{FF2B5EF4-FFF2-40B4-BE49-F238E27FC236}">
+                <a16:creationId xmlns:a16="http://schemas.microsoft.com/office/drawing/2014/main" id="{B7BB7FD3-B948-410E-8517-F9C7FBE0C5CC}"/>
+              </a:ext>
+            </a:extLst>
+          </p:cNvPr>
+          <p:cNvSpPr txBox="1"/>
+          <p:nvPr/>
+        </p:nvSpPr>
+        <p:spPr>
+          <a:xfrm>
+            <a:off x="700215" y="1480174"/>
+            <a:ext cx="3190104" cy="2308324"/>
+          </a:xfrm>
+          <a:prstGeom prst="rect">
+            <a:avLst/>
+          </a:prstGeom>
+          <a:noFill/>
+        </p:spPr>
+        <p:txBody>
+          <a:bodyPr wrap="square" rtlCol="0">
+            <a:spAutoFit/>
+          </a:bodyPr>
+          <a:lstStyle/>
+          <a:p>
+            <a:r>
+              <a:rPr lang="en-GB" sz="3200" dirty="0"/>
+              <a:t>Alignment</a:t>
+            </a:r>
+            <a:r>
+              <a:rPr lang="en-GB" sz="2800" dirty="0"/>
+              <a:t>: Compare Sequences and find Nucleotide Substitutions</a:t>
+            </a:r>
+          </a:p>
+          <a:p>
+            <a:endParaRPr lang="en-GB" sz="2800" dirty="0"/>
+          </a:p>
+        </p:txBody>
+      </p:sp>
+      <p:sp>
+        <p:nvSpPr>
+          <p:cNvPr id="7" name="Rectangle: Rounded Corners 6">
+            <a:extLst>
+              <a:ext uri="{FF2B5EF4-FFF2-40B4-BE49-F238E27FC236}">
+                <a16:creationId xmlns:a16="http://schemas.microsoft.com/office/drawing/2014/main" id="{AF88CEC5-C062-4FEF-914E-A2FEBD95BAFB}"/>
+              </a:ext>
+            </a:extLst>
+          </p:cNvPr>
+          <p:cNvSpPr/>
+          <p:nvPr/>
+        </p:nvSpPr>
+        <p:spPr>
+          <a:xfrm>
+            <a:off x="2710248" y="4517676"/>
+            <a:ext cx="3385752" cy="1948826"/>
+          </a:xfrm>
+          <a:prstGeom prst="roundRect">
+            <a:avLst/>
+          </a:prstGeom>
+          <a:noFill/>
+          <a:ln w="57150"/>
+        </p:spPr>
+        <p:style>
+          <a:lnRef idx="2">
+            <a:schemeClr val="accent1">
+              <a:shade val="50000"/>
+            </a:schemeClr>
+          </a:lnRef>
+          <a:fillRef idx="1">
+            <a:schemeClr val="accent1"/>
+          </a:fillRef>
+          <a:effectRef idx="0">
+            <a:schemeClr val="accent1"/>
+          </a:effectRef>
+          <a:fontRef idx="minor">
+            <a:schemeClr val="lt1"/>
+          </a:fontRef>
+        </p:style>
+        <p:txBody>
+          <a:bodyPr rtlCol="0" anchor="ctr"/>
+          <a:lstStyle/>
+          <a:p>
+            <a:pPr algn="ctr"/>
+            <a:endParaRPr lang="en-GB"/>
+          </a:p>
+        </p:txBody>
+      </p:sp>
+      <p:sp>
+        <p:nvSpPr>
+          <p:cNvPr id="8" name="TextBox 7">
+            <a:extLst>
+              <a:ext uri="{FF2B5EF4-FFF2-40B4-BE49-F238E27FC236}">
+                <a16:creationId xmlns:a16="http://schemas.microsoft.com/office/drawing/2014/main" id="{30474CA9-9A82-4B10-A151-BECC7A9CB376}"/>
+              </a:ext>
+            </a:extLst>
+          </p:cNvPr>
+          <p:cNvSpPr txBox="1"/>
+          <p:nvPr/>
+        </p:nvSpPr>
+        <p:spPr>
+          <a:xfrm>
+            <a:off x="2905896" y="4552109"/>
+            <a:ext cx="3190104" cy="1815882"/>
+          </a:xfrm>
+          <a:prstGeom prst="rect">
+            <a:avLst/>
+          </a:prstGeom>
+          <a:noFill/>
+        </p:spPr>
+        <p:txBody>
+          <a:bodyPr wrap="square" rtlCol="0">
+            <a:spAutoFit/>
+          </a:bodyPr>
+          <a:lstStyle/>
+          <a:p>
+            <a:r>
+              <a:rPr lang="en-GB" sz="2800" dirty="0"/>
+              <a:t>Use differences to create Distance-Matrix (Jukes-Cantor)</a:t>
+            </a:r>
+          </a:p>
+        </p:txBody>
+      </p:sp>
+      <p:sp>
+        <p:nvSpPr>
+          <p:cNvPr id="9" name="Rectangle: Rounded Corners 8">
+            <a:extLst>
+              <a:ext uri="{FF2B5EF4-FFF2-40B4-BE49-F238E27FC236}">
+                <a16:creationId xmlns:a16="http://schemas.microsoft.com/office/drawing/2014/main" id="{771AC1ED-299B-46C1-811B-B8CBCBBCA186}"/>
+              </a:ext>
+            </a:extLst>
+          </p:cNvPr>
+          <p:cNvSpPr/>
+          <p:nvPr/>
+        </p:nvSpPr>
+        <p:spPr>
+          <a:xfrm>
+            <a:off x="5676384" y="1494301"/>
+            <a:ext cx="3385752" cy="1948826"/>
+          </a:xfrm>
+          <a:prstGeom prst="roundRect">
+            <a:avLst/>
+          </a:prstGeom>
+          <a:noFill/>
+          <a:ln w="57150"/>
+        </p:spPr>
+        <p:style>
+          <a:lnRef idx="2">
+            <a:schemeClr val="accent1">
+              <a:shade val="50000"/>
+            </a:schemeClr>
+          </a:lnRef>
+          <a:fillRef idx="1">
+            <a:schemeClr val="accent1"/>
+          </a:fillRef>
+          <a:effectRef idx="0">
+            <a:schemeClr val="accent1"/>
+          </a:effectRef>
+          <a:fontRef idx="minor">
+            <a:schemeClr val="lt1"/>
+          </a:fontRef>
+        </p:style>
+        <p:txBody>
+          <a:bodyPr rtlCol="0" anchor="ctr"/>
+          <a:lstStyle/>
+          <a:p>
+            <a:pPr algn="ctr"/>
+            <a:endParaRPr lang="en-GB"/>
+          </a:p>
+        </p:txBody>
+      </p:sp>
+      <p:sp>
+        <p:nvSpPr>
+          <p:cNvPr id="10" name="TextBox 9">
+            <a:extLst>
+              <a:ext uri="{FF2B5EF4-FFF2-40B4-BE49-F238E27FC236}">
+                <a16:creationId xmlns:a16="http://schemas.microsoft.com/office/drawing/2014/main" id="{CB1ED6FF-8A79-4AAA-9B61-85FCBB1C54FA}"/>
+              </a:ext>
+            </a:extLst>
+          </p:cNvPr>
+          <p:cNvSpPr txBox="1"/>
+          <p:nvPr/>
+        </p:nvSpPr>
+        <p:spPr>
+          <a:xfrm>
+            <a:off x="5872032" y="1528734"/>
+            <a:ext cx="3190104" cy="1754326"/>
+          </a:xfrm>
+          <a:prstGeom prst="rect">
+            <a:avLst/>
+          </a:prstGeom>
+          <a:noFill/>
+        </p:spPr>
+        <p:txBody>
+          <a:bodyPr wrap="square" rtlCol="0">
+            <a:spAutoFit/>
+          </a:bodyPr>
+          <a:lstStyle/>
+          <a:p>
+            <a:r>
+              <a:rPr lang="en-GB" sz="3600" dirty="0"/>
+              <a:t>Compute Phylogenetic Tree (UPGMA)</a:t>
+            </a:r>
+          </a:p>
+        </p:txBody>
+      </p:sp>
+      <p:sp>
+        <p:nvSpPr>
+          <p:cNvPr id="11" name="Rectangle: Rounded Corners 10">
+            <a:extLst>
+              <a:ext uri="{FF2B5EF4-FFF2-40B4-BE49-F238E27FC236}">
+                <a16:creationId xmlns:a16="http://schemas.microsoft.com/office/drawing/2014/main" id="{DB06BC65-3F54-4BD3-9715-C2862F19B844}"/>
+              </a:ext>
+            </a:extLst>
+          </p:cNvPr>
+          <p:cNvSpPr/>
+          <p:nvPr/>
+        </p:nvSpPr>
+        <p:spPr>
+          <a:xfrm>
+            <a:off x="7814620" y="4517676"/>
+            <a:ext cx="3385752" cy="1948826"/>
+          </a:xfrm>
+          <a:prstGeom prst="roundRect">
+            <a:avLst/>
+          </a:prstGeom>
+          <a:noFill/>
+          <a:ln w="57150"/>
+        </p:spPr>
+        <p:style>
+          <a:lnRef idx="2">
+            <a:schemeClr val="accent1">
+              <a:shade val="50000"/>
+            </a:schemeClr>
+          </a:lnRef>
+          <a:fillRef idx="1">
+            <a:schemeClr val="accent1"/>
+          </a:fillRef>
+          <a:effectRef idx="0">
+            <a:schemeClr val="accent1"/>
+          </a:effectRef>
+          <a:fontRef idx="minor">
+            <a:schemeClr val="lt1"/>
+          </a:fontRef>
+        </p:style>
+        <p:txBody>
+          <a:bodyPr rtlCol="0" anchor="ctr"/>
+          <a:lstStyle/>
+          <a:p>
+            <a:pPr algn="ctr"/>
+            <a:endParaRPr lang="en-GB"/>
+          </a:p>
+        </p:txBody>
+      </p:sp>
+      <p:sp>
+        <p:nvSpPr>
+          <p:cNvPr id="12" name="TextBox 11">
+            <a:extLst>
+              <a:ext uri="{FF2B5EF4-FFF2-40B4-BE49-F238E27FC236}">
+                <a16:creationId xmlns:a16="http://schemas.microsoft.com/office/drawing/2014/main" id="{1EA421A8-F220-4B81-A856-5EF589925142}"/>
+              </a:ext>
+            </a:extLst>
+          </p:cNvPr>
+          <p:cNvSpPr txBox="1"/>
+          <p:nvPr/>
+        </p:nvSpPr>
+        <p:spPr>
+          <a:xfrm>
+            <a:off x="8010268" y="4552109"/>
+            <a:ext cx="3190104" cy="1754326"/>
+          </a:xfrm>
+          <a:prstGeom prst="rect">
+            <a:avLst/>
+          </a:prstGeom>
+          <a:noFill/>
+        </p:spPr>
+        <p:txBody>
+          <a:bodyPr wrap="square" rtlCol="0">
+            <a:spAutoFit/>
+          </a:bodyPr>
+          <a:lstStyle/>
+          <a:p>
+            <a:r>
+              <a:rPr lang="en-GB" sz="3600" dirty="0"/>
+              <a:t>Deduce relatedness and geneflow</a:t>
+            </a:r>
+          </a:p>
+        </p:txBody>
+      </p:sp>
+      <p:sp>
+        <p:nvSpPr>
+          <p:cNvPr id="17" name="Arrow: Right 16">
+            <a:extLst>
+              <a:ext uri="{FF2B5EF4-FFF2-40B4-BE49-F238E27FC236}">
+                <a16:creationId xmlns:a16="http://schemas.microsoft.com/office/drawing/2014/main" id="{23F444DA-807E-4B2B-BF15-5CFF72BE2FC9}"/>
+              </a:ext>
+            </a:extLst>
+          </p:cNvPr>
+          <p:cNvSpPr/>
+          <p:nvPr/>
+        </p:nvSpPr>
+        <p:spPr>
+          <a:xfrm rot="2930962">
+            <a:off x="2212615" y="3762006"/>
+            <a:ext cx="978408" cy="484632"/>
+          </a:xfrm>
+          <a:prstGeom prst="rightArrow">
+            <a:avLst/>
+          </a:prstGeom>
+          <a:noFill/>
+          <a:ln w="28575"/>
+        </p:spPr>
+        <p:style>
+          <a:lnRef idx="2">
+            <a:schemeClr val="accent1">
+              <a:shade val="50000"/>
+            </a:schemeClr>
+          </a:lnRef>
+          <a:fillRef idx="1">
+            <a:schemeClr val="accent1"/>
+          </a:fillRef>
+          <a:effectRef idx="0">
+            <a:schemeClr val="accent1"/>
+          </a:effectRef>
+          <a:fontRef idx="minor">
+            <a:schemeClr val="lt1"/>
+          </a:fontRef>
+        </p:style>
+        <p:txBody>
+          <a:bodyPr rtlCol="0" anchor="ctr"/>
+          <a:lstStyle/>
+          <a:p>
+            <a:pPr algn="ctr"/>
+            <a:endParaRPr lang="en-GB"/>
+          </a:p>
+        </p:txBody>
+      </p:sp>
+      <p:sp>
+        <p:nvSpPr>
+          <p:cNvPr id="18" name="Arrow: Right 17">
+            <a:extLst>
+              <a:ext uri="{FF2B5EF4-FFF2-40B4-BE49-F238E27FC236}">
+                <a16:creationId xmlns:a16="http://schemas.microsoft.com/office/drawing/2014/main" id="{F8040165-C64B-4181-A91B-DFAFDA98BBB7}"/>
+              </a:ext>
+            </a:extLst>
+          </p:cNvPr>
+          <p:cNvSpPr/>
+          <p:nvPr/>
+        </p:nvSpPr>
+        <p:spPr>
+          <a:xfrm rot="18640899">
+            <a:off x="5021202" y="3753529"/>
+            <a:ext cx="978408" cy="484632"/>
+          </a:xfrm>
+          <a:prstGeom prst="rightArrow">
+            <a:avLst/>
+          </a:prstGeom>
+          <a:noFill/>
+          <a:ln w="28575"/>
+        </p:spPr>
+        <p:style>
+          <a:lnRef idx="2">
+            <a:schemeClr val="accent1">
+              <a:shade val="50000"/>
+            </a:schemeClr>
+          </a:lnRef>
+          <a:fillRef idx="1">
+            <a:schemeClr val="accent1"/>
+          </a:fillRef>
+          <a:effectRef idx="0">
+            <a:schemeClr val="accent1"/>
+          </a:effectRef>
+          <a:fontRef idx="minor">
+            <a:schemeClr val="lt1"/>
+          </a:fontRef>
+        </p:style>
+        <p:txBody>
+          <a:bodyPr rtlCol="0" anchor="ctr"/>
+          <a:lstStyle/>
+          <a:p>
+            <a:pPr algn="ctr"/>
+            <a:endParaRPr lang="en-GB"/>
+          </a:p>
+        </p:txBody>
+      </p:sp>
+      <p:sp>
+        <p:nvSpPr>
+          <p:cNvPr id="19" name="Arrow: Right 18">
+            <a:extLst>
+              <a:ext uri="{FF2B5EF4-FFF2-40B4-BE49-F238E27FC236}">
+                <a16:creationId xmlns:a16="http://schemas.microsoft.com/office/drawing/2014/main" id="{DC435A68-43FB-449D-B305-7A4D4C532C17}"/>
+              </a:ext>
+            </a:extLst>
+          </p:cNvPr>
+          <p:cNvSpPr/>
+          <p:nvPr/>
+        </p:nvSpPr>
+        <p:spPr>
+          <a:xfrm rot="2930962">
+            <a:off x="8068556" y="3728627"/>
+            <a:ext cx="978408" cy="484632"/>
+          </a:xfrm>
+          <a:prstGeom prst="rightArrow">
+            <a:avLst/>
+          </a:prstGeom>
+          <a:noFill/>
+          <a:ln w="28575"/>
+        </p:spPr>
+        <p:style>
+          <a:lnRef idx="2">
+            <a:schemeClr val="accent1">
+              <a:shade val="50000"/>
+            </a:schemeClr>
+          </a:lnRef>
+          <a:fillRef idx="1">
+            <a:schemeClr val="accent1"/>
+          </a:fillRef>
+          <a:effectRef idx="0">
+            <a:schemeClr val="accent1"/>
+          </a:effectRef>
+          <a:fontRef idx="minor">
+            <a:schemeClr val="lt1"/>
+          </a:fontRef>
+        </p:style>
+        <p:txBody>
+          <a:bodyPr rtlCol="0" anchor="ctr"/>
+          <a:lstStyle/>
+          <a:p>
+            <a:pPr algn="ctr"/>
+            <a:endParaRPr lang="en-GB"/>
+          </a:p>
+        </p:txBody>
+      </p:sp>
+      <p:sp>
+        <p:nvSpPr>
+          <p:cNvPr id="20" name="Rectangle 19">
+            <a:extLst>
+              <a:ext uri="{FF2B5EF4-FFF2-40B4-BE49-F238E27FC236}">
+                <a16:creationId xmlns:a16="http://schemas.microsoft.com/office/drawing/2014/main" id="{1AD728AB-5975-44D2-9033-5EDD6F6F1CF1}"/>
+              </a:ext>
+            </a:extLst>
+          </p:cNvPr>
+          <p:cNvSpPr/>
+          <p:nvPr/>
+        </p:nvSpPr>
+        <p:spPr>
+          <a:xfrm>
+            <a:off x="11353800" y="0"/>
+            <a:ext cx="838200" cy="6858000"/>
+          </a:xfrm>
+          <a:prstGeom prst="rect">
+            <a:avLst/>
+          </a:prstGeom>
+          <a:solidFill>
+            <a:schemeClr val="tx1">
+              <a:lumMod val="65000"/>
+              <a:lumOff val="35000"/>
+            </a:schemeClr>
+          </a:solidFill>
+        </p:spPr>
+        <p:style>
+          <a:lnRef idx="2">
+            <a:schemeClr val="accent1">
+              <a:shade val="50000"/>
+            </a:schemeClr>
+          </a:lnRef>
+          <a:fillRef idx="1">
+            <a:schemeClr val="accent1"/>
+          </a:fillRef>
+          <a:effectRef idx="0">
+            <a:schemeClr val="accent1"/>
+          </a:effectRef>
+          <a:fontRef idx="minor">
+            <a:schemeClr val="lt1"/>
+          </a:fontRef>
+        </p:style>
+        <p:txBody>
+          <a:bodyPr rtlCol="0" anchor="ctr"/>
+          <a:lstStyle/>
+          <a:p>
+            <a:pPr algn="ctr"/>
+            <a:endParaRPr lang="en-GB"/>
+          </a:p>
+        </p:txBody>
+      </p:sp>
+    </p:spTree>
+    <p:extLst>
+      <p:ext uri="{BB962C8B-B14F-4D97-AF65-F5344CB8AC3E}">
+        <p14:creationId xmlns:p14="http://schemas.microsoft.com/office/powerpoint/2010/main" val="2127319992"/>
+      </p:ext>
+    </p:extLst>
+  </p:cSld>
+  <p:clrMapOvr>
+    <a:masterClrMapping/>
+  </p:clrMapOvr>
+</p:sld>
+</file>
+
+<file path=ppt/slides/slide7.xml><?xml version="1.0" encoding="utf-8"?>
+<p:sld xmlns:a="http://schemas.openxmlformats.org/drawingml/2006/main" xmlns:r="http://schemas.openxmlformats.org/officeDocument/2006/relationships" xmlns:p="http://schemas.openxmlformats.org/presentationml/2006/main">
+  <p:cSld>
+    <p:bg>
+      <p:bgPr>
+        <a:solidFill>
+          <a:schemeClr val="bg1"/>
+        </a:solidFill>
+        <a:effectLst/>
+      </p:bgPr>
+    </p:bg>
+    <p:spTree>
+      <p:nvGrpSpPr>
+        <p:cNvPr id="1" name=""/>
+        <p:cNvGrpSpPr/>
+        <p:nvPr/>
+      </p:nvGrpSpPr>
+      <p:grpSpPr>
+        <a:xfrm>
+          <a:off x="0" y="0"/>
+          <a:ext cx="0" cy="0"/>
+          <a:chOff x="0" y="0"/>
+          <a:chExt cx="0" cy="0"/>
+        </a:xfrm>
+      </p:grpSpPr>
+      <p:sp>
+        <p:nvSpPr>
+          <p:cNvPr id="8" name="Rectangle 7">
+            <a:extLst>
+              <a:ext uri="{FF2B5EF4-FFF2-40B4-BE49-F238E27FC236}">
+                <a16:creationId xmlns:a16="http://schemas.microsoft.com/office/drawing/2014/main" id="{5F723B04-18FC-4458-8971-E6FE7B47C77E}"/>
+              </a:ext>
+            </a:extLst>
+          </p:cNvPr>
+          <p:cNvSpPr/>
+          <p:nvPr/>
+        </p:nvSpPr>
+        <p:spPr>
+          <a:xfrm>
+            <a:off x="11353800" y="0"/>
+            <a:ext cx="838200" cy="6858000"/>
+          </a:xfrm>
+          <a:prstGeom prst="rect">
+            <a:avLst/>
+          </a:prstGeom>
+          <a:solidFill>
+            <a:schemeClr val="tx1">
+              <a:lumMod val="65000"/>
+              <a:lumOff val="35000"/>
+            </a:schemeClr>
+          </a:solidFill>
+        </p:spPr>
+        <p:style>
+          <a:lnRef idx="2">
+            <a:schemeClr val="accent1">
+              <a:shade val="50000"/>
+            </a:schemeClr>
+          </a:lnRef>
+          <a:fillRef idx="1">
+            <a:schemeClr val="accent1"/>
+          </a:fillRef>
+          <a:effectRef idx="0">
+            <a:schemeClr val="accent1"/>
+          </a:effectRef>
+          <a:fontRef idx="minor">
+            <a:schemeClr val="lt1"/>
+          </a:fontRef>
+        </p:style>
+        <p:txBody>
+          <a:bodyPr rtlCol="0" anchor="ctr"/>
+          <a:lstStyle/>
+          <a:p>
+            <a:pPr algn="ctr"/>
+            <a:endParaRPr lang="en-GB"/>
+          </a:p>
+        </p:txBody>
+      </p:sp>
+      <p:sp>
+        <p:nvSpPr>
+          <p:cNvPr id="2" name="Title 1">
+            <a:extLst>
+              <a:ext uri="{FF2B5EF4-FFF2-40B4-BE49-F238E27FC236}">
+                <a16:creationId xmlns:a16="http://schemas.microsoft.com/office/drawing/2014/main" id="{6B8F219D-E940-41D9-BAF4-CF55FDB28AFB}"/>
+              </a:ext>
+            </a:extLst>
+          </p:cNvPr>
+          <p:cNvSpPr>
+            <a:spLocks noGrp="1"/>
+          </p:cNvSpPr>
+          <p:nvPr>
+            <p:ph type="title"/>
+          </p:nvPr>
+        </p:nvSpPr>
+        <p:spPr>
+          <a:xfrm>
+            <a:off x="393356" y="203500"/>
+            <a:ext cx="10515600" cy="1325563"/>
+          </a:xfrm>
+        </p:spPr>
+        <p:txBody>
+          <a:bodyPr>
+            <a:normAutofit/>
+          </a:bodyPr>
+          <a:lstStyle/>
+          <a:p>
+            <a:r>
+              <a:rPr lang="en-GB" sz="4800" dirty="0"/>
+              <a:t>Our Project</a:t>
+            </a:r>
+          </a:p>
+        </p:txBody>
+      </p:sp>
+      <p:sp>
+        <p:nvSpPr>
+          <p:cNvPr id="3" name="Content Placeholder 2">
+            <a:extLst>
+              <a:ext uri="{FF2B5EF4-FFF2-40B4-BE49-F238E27FC236}">
+                <a16:creationId xmlns:a16="http://schemas.microsoft.com/office/drawing/2014/main" id="{6CCAB206-7674-4C9C-B911-7D91983CD901}"/>
+              </a:ext>
+            </a:extLst>
+          </p:cNvPr>
+          <p:cNvSpPr>
+            <a:spLocks noGrp="1"/>
+          </p:cNvSpPr>
+          <p:nvPr>
+            <p:ph idx="1"/>
+          </p:nvPr>
+        </p:nvSpPr>
+        <p:spPr>
+          <a:xfrm>
+            <a:off x="563684" y="1627917"/>
+            <a:ext cx="3797807" cy="4351338"/>
+          </a:xfrm>
+        </p:spPr>
+        <p:txBody>
+          <a:bodyPr>
+            <a:normAutofit/>
+          </a:bodyPr>
+          <a:lstStyle/>
+          <a:p>
+            <a:r>
+              <a:rPr lang="en-GB" dirty="0"/>
+              <a:t>202 differences in mtDNA  compared to humans</a:t>
+            </a:r>
+          </a:p>
+          <a:p>
+            <a:r>
+              <a:rPr lang="en-GB" dirty="0"/>
+              <a:t>Probable geneflow from Neanderthals to Humans</a:t>
+            </a:r>
+          </a:p>
+          <a:p>
+            <a:r>
+              <a:rPr lang="en-US" dirty="0"/>
+              <a:t>Gene mixing estimated at 1.15% to 1.3% in autosomes</a:t>
+            </a:r>
+          </a:p>
+          <a:p>
+            <a:endParaRPr lang="en-GB" sz="2000" dirty="0"/>
+          </a:p>
+        </p:txBody>
+      </p:sp>
+    </p:spTree>
+    <p:extLst>
+      <p:ext uri="{BB962C8B-B14F-4D97-AF65-F5344CB8AC3E}">
+        <p14:creationId xmlns:p14="http://schemas.microsoft.com/office/powerpoint/2010/main" val="2819561207"/>
+      </p:ext>
+    </p:extLst>
+  </p:cSld>
+  <p:clrMapOvr>
+    <a:masterClrMapping/>
+  </p:clrMapOvr>
+</p:sld>
+</file>
+
+<file path=ppt/slides/slide8.xml><?xml version="1.0" encoding="utf-8"?>
+<p:sld xmlns:a="http://schemas.openxmlformats.org/drawingml/2006/main" xmlns:r="http://schemas.openxmlformats.org/officeDocument/2006/relationships" xmlns:p="http://schemas.openxmlformats.org/presentationml/2006/main">
+  <p:cSld>
+    <p:spTree>
+      <p:nvGrpSpPr>
+        <p:cNvPr id="1" name=""/>
+        <p:cNvGrpSpPr/>
+        <p:nvPr/>
+      </p:nvGrpSpPr>
+      <p:grpSpPr>
+        <a:xfrm>
+          <a:off x="0" y="0"/>
+          <a:ext cx="0" cy="0"/>
+          <a:chOff x="0" y="0"/>
+          <a:chExt cx="0" cy="0"/>
+        </a:xfrm>
+      </p:grpSpPr>
+      <p:sp>
+        <p:nvSpPr>
+          <p:cNvPr id="2" name="Title 1">
+            <a:extLst>
+              <a:ext uri="{FF2B5EF4-FFF2-40B4-BE49-F238E27FC236}">
+                <a16:creationId xmlns:a16="http://schemas.microsoft.com/office/drawing/2014/main" id="{1DDA7427-C717-49CC-9361-8F71A094DE37}"/>
+              </a:ext>
+            </a:extLst>
+          </p:cNvPr>
+          <p:cNvSpPr>
+            <a:spLocks noGrp="1"/>
+          </p:cNvSpPr>
+          <p:nvPr>
+            <p:ph type="title"/>
+          </p:nvPr>
+        </p:nvSpPr>
+        <p:spPr/>
+        <p:txBody>
+          <a:bodyPr/>
+          <a:lstStyle/>
+          <a:p>
+            <a:r>
+              <a:rPr lang="en-GB" dirty="0"/>
+              <a:t>References</a:t>
+            </a:r>
+          </a:p>
+        </p:txBody>
+      </p:sp>
+      <p:sp>
+        <p:nvSpPr>
+          <p:cNvPr id="3" name="Content Placeholder 2">
+            <a:extLst>
+              <a:ext uri="{FF2B5EF4-FFF2-40B4-BE49-F238E27FC236}">
+                <a16:creationId xmlns:a16="http://schemas.microsoft.com/office/drawing/2014/main" id="{456D776F-585B-44A1-8F12-F437FC01319C}"/>
+              </a:ext>
+            </a:extLst>
+          </p:cNvPr>
+          <p:cNvSpPr>
+            <a:spLocks noGrp="1"/>
+          </p:cNvSpPr>
+          <p:nvPr>
+            <p:ph idx="1"/>
+          </p:nvPr>
+        </p:nvSpPr>
+        <p:spPr/>
+        <p:txBody>
+          <a:bodyPr/>
+          <a:lstStyle/>
+          <a:p>
+            <a:endParaRPr lang="en-GB"/>
+          </a:p>
+        </p:txBody>
+      </p:sp>
+      <p:sp>
+        <p:nvSpPr>
+          <p:cNvPr id="4" name="Rectangle 3">
+            <a:extLst>
+              <a:ext uri="{FF2B5EF4-FFF2-40B4-BE49-F238E27FC236}">
+                <a16:creationId xmlns:a16="http://schemas.microsoft.com/office/drawing/2014/main" id="{4A5CAE33-1039-4E3C-A59B-F066EA3B96D4}"/>
+              </a:ext>
+            </a:extLst>
+          </p:cNvPr>
+          <p:cNvSpPr/>
+          <p:nvPr/>
+        </p:nvSpPr>
+        <p:spPr>
+          <a:xfrm>
+            <a:off x="11353800" y="0"/>
+            <a:ext cx="838200" cy="6858000"/>
+          </a:xfrm>
+          <a:prstGeom prst="rect">
+            <a:avLst/>
+          </a:prstGeom>
+          <a:solidFill>
+            <a:schemeClr val="tx1">
+              <a:lumMod val="65000"/>
+              <a:lumOff val="35000"/>
+            </a:schemeClr>
+          </a:solidFill>
+        </p:spPr>
+        <p:style>
+          <a:lnRef idx="2">
+            <a:schemeClr val="accent1">
+              <a:shade val="50000"/>
+            </a:schemeClr>
+          </a:lnRef>
+          <a:fillRef idx="1">
+            <a:schemeClr val="accent1"/>
+          </a:fillRef>
+          <a:effectRef idx="0">
+            <a:schemeClr val="accent1"/>
+          </a:effectRef>
+          <a:fontRef idx="minor">
+            <a:schemeClr val="lt1"/>
+          </a:fontRef>
+        </p:style>
+        <p:txBody>
+          <a:bodyPr rtlCol="0" anchor="ctr"/>
+          <a:lstStyle/>
+          <a:p>
+            <a:pPr algn="ctr"/>
+            <a:endParaRPr lang="en-GB"/>
+          </a:p>
+        </p:txBody>
+      </p:sp>
+    </p:spTree>
+    <p:extLst>
+      <p:ext uri="{BB962C8B-B14F-4D97-AF65-F5344CB8AC3E}">
+        <p14:creationId xmlns:p14="http://schemas.microsoft.com/office/powerpoint/2010/main" val="686032156"/>
+      </p:ext>
+    </p:extLst>
+  </p:cSld>
+  <p:clrMapOvr>
+    <a:masterClrMapping/>
+  </p:clrMapOvr>
+</p:sld>
+</file>
+
+<file path=ppt/slides/slide9.xml><?xml version="1.0" encoding="utf-8"?>
+<p:sld xmlns:a="http://schemas.openxmlformats.org/drawingml/2006/main" xmlns:r="http://schemas.openxmlformats.org/officeDocument/2006/relationships" xmlns:p="http://schemas.openxmlformats.org/presentationml/2006/main">
+  <p:cSld>
+    <p:spTree>
+      <p:nvGrpSpPr>
+        <p:cNvPr id="1" name=""/>
+        <p:cNvGrpSpPr/>
+        <p:nvPr/>
+      </p:nvGrpSpPr>
+      <p:grpSpPr>
+        <a:xfrm>
+          <a:off x="0" y="0"/>
+          <a:ext cx="0" cy="0"/>
+          <a:chOff x="0" y="0"/>
+          <a:chExt cx="0" cy="0"/>
+        </a:xfrm>
+      </p:grpSpPr>
+      <p:sp>
+        <p:nvSpPr>
+          <p:cNvPr id="2" name="Title 1">
+            <a:extLst>
+              <a:ext uri="{FF2B5EF4-FFF2-40B4-BE49-F238E27FC236}">
                 <a16:creationId xmlns:a16="http://schemas.microsoft.com/office/drawing/2014/main" id="{B8E9CF22-EF95-4693-82AE-748951BB99DF}"/>
               </a:ext>
             </a:extLst>
@@ -4844,6 +6365,58 @@
               <a:t>http://news.bbc.co.uk/nol/shared/spl/hi/sci_nat/10/neanderthal/img/neanderthals_786.gif</a:t>
             </a:r>
             <a:endParaRPr lang="en-GB" dirty="0"/>
+          </a:p>
+        </p:txBody>
+      </p:sp>
+      <p:sp>
+        <p:nvSpPr>
+          <p:cNvPr id="4" name="Rectangle 3">
+            <a:extLst>
+              <a:ext uri="{FF2B5EF4-FFF2-40B4-BE49-F238E27FC236}">
+                <a16:creationId xmlns:a16="http://schemas.microsoft.com/office/drawing/2014/main" id="{D97BFEEA-3E75-4BA5-8A18-406AD82C98B7}"/>
+              </a:ext>
+            </a:extLst>
+          </p:cNvPr>
+          <p:cNvSpPr/>
+          <p:nvPr/>
+        </p:nvSpPr>
+        <p:spPr>
+          <a:xfrm>
+            <a:off x="11353800" y="0"/>
+            <a:ext cx="838200" cy="6858000"/>
+          </a:xfrm>
+          <a:prstGeom prst="rect">
+            <a:avLst/>
+          </a:prstGeom>
+          <a:solidFill>
+            <a:schemeClr val="tx1">
+              <a:lumMod val="65000"/>
+              <a:lumOff val="35000"/>
+            </a:schemeClr>
+          </a:solidFill>
+        </p:spPr>
+        <p:style>
+          <a:lnRef idx="2">
+            <a:schemeClr val="accent1">
+              <a:shade val="50000"/>
+            </a:schemeClr>
+          </a:lnRef>
+          <a:fillRef idx="1">
+            <a:schemeClr val="accent1"/>
+          </a:fillRef>
+          <a:effectRef idx="0">
+            <a:schemeClr val="accent1"/>
+          </a:effectRef>
+          <a:fontRef idx="minor">
+            <a:schemeClr val="lt1"/>
+          </a:fontRef>
+        </p:style>
+        <p:txBody>
+          <a:bodyPr rtlCol="0" anchor="ctr"/>
+          <a:lstStyle/>
+          <a:p>
+            <a:pPr algn="ctr"/>
+            <a:endParaRPr lang="en-GB"/>
           </a:p>
         </p:txBody>
       </p:sp>
@@ -5145,6 +6718,334 @@
       </a:bgFillStyleLst>
     </a:fmtScheme>
   </a:themeElements>
+  <a:objectDefaults>
+    <a:spDef>
+      <a:spPr>
+        <a:solidFill>
+          <a:schemeClr val="tx1">
+            <a:lumMod val="65000"/>
+            <a:lumOff val="35000"/>
+          </a:schemeClr>
+        </a:solidFill>
+      </a:spPr>
+      <a:bodyPr rtlCol="0" anchor="ctr"/>
+      <a:lstStyle>
+        <a:defPPr algn="ctr">
+          <a:defRPr/>
+        </a:defPPr>
+      </a:lstStyle>
+      <a:style>
+        <a:lnRef idx="2">
+          <a:schemeClr val="accent1">
+            <a:shade val="50000"/>
+          </a:schemeClr>
+        </a:lnRef>
+        <a:fillRef idx="1">
+          <a:schemeClr val="accent1"/>
+        </a:fillRef>
+        <a:effectRef idx="0">
+          <a:schemeClr val="accent1"/>
+        </a:effectRef>
+        <a:fontRef idx="minor">
+          <a:schemeClr val="lt1"/>
+        </a:fontRef>
+      </a:style>
+    </a:spDef>
+  </a:objectDefaults>
+  <a:extraClrSchemeLst/>
+  <a:extLst>
+    <a:ext uri="{05A4C25C-085E-4340-85A3-A5531E510DB2}">
+      <thm15:themeFamily xmlns:thm15="http://schemas.microsoft.com/office/thememl/2012/main" name="Office Theme" id="{62F939B6-93AF-4DB8-9C6B-D6C7DFDC589F}" vid="{4A3C46E8-61CC-4603-A589-7422A47A8E4A}"/>
+    </a:ext>
+  </a:extLst>
+</a:theme>
+</file>
+
+<file path=ppt/theme/theme2.xml><?xml version="1.0" encoding="utf-8"?>
+<a:theme xmlns:a="http://schemas.openxmlformats.org/drawingml/2006/main" name="Office Theme">
+  <a:themeElements>
+    <a:clrScheme name="Office">
+      <a:dk1>
+        <a:sysClr val="windowText" lastClr="000000"/>
+      </a:dk1>
+      <a:lt1>
+        <a:sysClr val="window" lastClr="FFFFFF"/>
+      </a:lt1>
+      <a:dk2>
+        <a:srgbClr val="44546A"/>
+      </a:dk2>
+      <a:lt2>
+        <a:srgbClr val="E7E6E6"/>
+      </a:lt2>
+      <a:accent1>
+        <a:srgbClr val="4472C4"/>
+      </a:accent1>
+      <a:accent2>
+        <a:srgbClr val="ED7D31"/>
+      </a:accent2>
+      <a:accent3>
+        <a:srgbClr val="A5A5A5"/>
+      </a:accent3>
+      <a:accent4>
+        <a:srgbClr val="FFC000"/>
+      </a:accent4>
+      <a:accent5>
+        <a:srgbClr val="5B9BD5"/>
+      </a:accent5>
+      <a:accent6>
+        <a:srgbClr val="70AD47"/>
+      </a:accent6>
+      <a:hlink>
+        <a:srgbClr val="0563C1"/>
+      </a:hlink>
+      <a:folHlink>
+        <a:srgbClr val="954F72"/>
+      </a:folHlink>
+    </a:clrScheme>
+    <a:fontScheme name="Office">
+      <a:majorFont>
+        <a:latin typeface="Calibri Light" panose="020F0302020204030204"/>
+        <a:ea typeface=""/>
+        <a:cs typeface=""/>
+        <a:font script="Jpan" typeface="游ゴシック Light"/>
+        <a:font script="Hang" typeface="맑은 고딕"/>
+        <a:font script="Hans" typeface="等线 Light"/>
+        <a:font script="Hant" typeface="新細明體"/>
+        <a:font script="Arab" typeface="Times New Roman"/>
+        <a:font script="Hebr" typeface="Times New Roman"/>
+        <a:font script="Thai" typeface="Angsana New"/>
+        <a:font script="Ethi" typeface="Nyala"/>
+        <a:font script="Beng" typeface="Vrinda"/>
+        <a:font script="Gujr" typeface="Shruti"/>
+        <a:font script="Khmr" typeface="MoolBoran"/>
+        <a:font script="Knda" typeface="Tunga"/>
+        <a:font script="Guru" typeface="Raavi"/>
+        <a:font script="Cans" typeface="Euphemia"/>
+        <a:font script="Cher" typeface="Plantagenet Cherokee"/>
+        <a:font script="Yiii" typeface="Microsoft Yi Baiti"/>
+        <a:font script="Tibt" typeface="Microsoft Himalaya"/>
+        <a:font script="Thaa" typeface="MV Boli"/>
+        <a:font script="Deva" typeface="Mangal"/>
+        <a:font script="Telu" typeface="Gautami"/>
+        <a:font script="Taml" typeface="Latha"/>
+        <a:font script="Syrc" typeface="Estrangelo Edessa"/>
+        <a:font script="Orya" typeface="Kalinga"/>
+        <a:font script="Mlym" typeface="Kartika"/>
+        <a:font script="Laoo" typeface="DokChampa"/>
+        <a:font script="Sinh" typeface="Iskoola Pota"/>
+        <a:font script="Mong" typeface="Mongolian Baiti"/>
+        <a:font script="Viet" typeface="Times New Roman"/>
+        <a:font script="Uigh" typeface="Microsoft Uighur"/>
+        <a:font script="Geor" typeface="Sylfaen"/>
+        <a:font script="Armn" typeface="Arial"/>
+        <a:font script="Bugi" typeface="Leelawadee UI"/>
+        <a:font script="Bopo" typeface="Microsoft JhengHei"/>
+        <a:font script="Java" typeface="Javanese Text"/>
+        <a:font script="Lisu" typeface="Segoe UI"/>
+        <a:font script="Mymr" typeface="Myanmar Text"/>
+        <a:font script="Nkoo" typeface="Ebrima"/>
+        <a:font script="Olck" typeface="Nirmala UI"/>
+        <a:font script="Osma" typeface="Ebrima"/>
+        <a:font script="Phag" typeface="Phagspa"/>
+        <a:font script="Syrn" typeface="Estrangelo Edessa"/>
+        <a:font script="Syrj" typeface="Estrangelo Edessa"/>
+        <a:font script="Syre" typeface="Estrangelo Edessa"/>
+        <a:font script="Sora" typeface="Nirmala UI"/>
+        <a:font script="Tale" typeface="Microsoft Tai Le"/>
+        <a:font script="Talu" typeface="Microsoft New Tai Lue"/>
+        <a:font script="Tfng" typeface="Ebrima"/>
+      </a:majorFont>
+      <a:minorFont>
+        <a:latin typeface="Calibri" panose="020F0502020204030204"/>
+        <a:ea typeface=""/>
+        <a:cs typeface=""/>
+        <a:font script="Jpan" typeface="游ゴシック"/>
+        <a:font script="Hang" typeface="맑은 고딕"/>
+        <a:font script="Hans" typeface="等线"/>
+        <a:font script="Hant" typeface="新細明體"/>
+        <a:font script="Arab" typeface="Arial"/>
+        <a:font script="Hebr" typeface="Arial"/>
+        <a:font script="Thai" typeface="Cordia New"/>
+        <a:font script="Ethi" typeface="Nyala"/>
+        <a:font script="Beng" typeface="Vrinda"/>
+        <a:font script="Gujr" typeface="Shruti"/>
+        <a:font script="Khmr" typeface="DaunPenh"/>
+        <a:font script="Knda" typeface="Tunga"/>
+        <a:font script="Guru" typeface="Raavi"/>
+        <a:font script="Cans" typeface="Euphemia"/>
+        <a:font script="Cher" typeface="Plantagenet Cherokee"/>
+        <a:font script="Yiii" typeface="Microsoft Yi Baiti"/>
+        <a:font script="Tibt" typeface="Microsoft Himalaya"/>
+        <a:font script="Thaa" typeface="MV Boli"/>
+        <a:font script="Deva" typeface="Mangal"/>
+        <a:font script="Telu" typeface="Gautami"/>
+        <a:font script="Taml" typeface="Latha"/>
+        <a:font script="Syrc" typeface="Estrangelo Edessa"/>
+        <a:font script="Orya" typeface="Kalinga"/>
+        <a:font script="Mlym" typeface="Kartika"/>
+        <a:font script="Laoo" typeface="DokChampa"/>
+        <a:font script="Sinh" typeface="Iskoola Pota"/>
+        <a:font script="Mong" typeface="Mongolian Baiti"/>
+        <a:font script="Viet" typeface="Arial"/>
+        <a:font script="Uigh" typeface="Microsoft Uighur"/>
+        <a:font script="Geor" typeface="Sylfaen"/>
+        <a:font script="Armn" typeface="Arial"/>
+        <a:font script="Bugi" typeface="Leelawadee UI"/>
+        <a:font script="Bopo" typeface="Microsoft JhengHei"/>
+        <a:font script="Java" typeface="Javanese Text"/>
+        <a:font script="Lisu" typeface="Segoe UI"/>
+        <a:font script="Mymr" typeface="Myanmar Text"/>
+        <a:font script="Nkoo" typeface="Ebrima"/>
+        <a:font script="Olck" typeface="Nirmala UI"/>
+        <a:font script="Osma" typeface="Ebrima"/>
+        <a:font script="Phag" typeface="Phagspa"/>
+        <a:font script="Syrn" typeface="Estrangelo Edessa"/>
+        <a:font script="Syrj" typeface="Estrangelo Edessa"/>
+        <a:font script="Syre" typeface="Estrangelo Edessa"/>
+        <a:font script="Sora" typeface="Nirmala UI"/>
+        <a:font script="Tale" typeface="Microsoft Tai Le"/>
+        <a:font script="Talu" typeface="Microsoft New Tai Lue"/>
+        <a:font script="Tfng" typeface="Ebrima"/>
+      </a:minorFont>
+    </a:fontScheme>
+    <a:fmtScheme name="Office">
+      <a:fillStyleLst>
+        <a:solidFill>
+          <a:schemeClr val="phClr"/>
+        </a:solidFill>
+        <a:gradFill rotWithShape="1">
+          <a:gsLst>
+            <a:gs pos="0">
+              <a:schemeClr val="phClr">
+                <a:lumMod val="110000"/>
+                <a:satMod val="105000"/>
+                <a:tint val="67000"/>
+              </a:schemeClr>
+            </a:gs>
+            <a:gs pos="50000">
+              <a:schemeClr val="phClr">
+                <a:lumMod val="105000"/>
+                <a:satMod val="103000"/>
+                <a:tint val="73000"/>
+              </a:schemeClr>
+            </a:gs>
+            <a:gs pos="100000">
+              <a:schemeClr val="phClr">
+                <a:lumMod val="105000"/>
+                <a:satMod val="109000"/>
+                <a:tint val="81000"/>
+              </a:schemeClr>
+            </a:gs>
+          </a:gsLst>
+          <a:lin ang="5400000" scaled="0"/>
+        </a:gradFill>
+        <a:gradFill rotWithShape="1">
+          <a:gsLst>
+            <a:gs pos="0">
+              <a:schemeClr val="phClr">
+                <a:satMod val="103000"/>
+                <a:lumMod val="102000"/>
+                <a:tint val="94000"/>
+              </a:schemeClr>
+            </a:gs>
+            <a:gs pos="50000">
+              <a:schemeClr val="phClr">
+                <a:satMod val="110000"/>
+                <a:lumMod val="100000"/>
+                <a:shade val="100000"/>
+              </a:schemeClr>
+            </a:gs>
+            <a:gs pos="100000">
+              <a:schemeClr val="phClr">
+                <a:lumMod val="99000"/>
+                <a:satMod val="120000"/>
+                <a:shade val="78000"/>
+              </a:schemeClr>
+            </a:gs>
+          </a:gsLst>
+          <a:lin ang="5400000" scaled="0"/>
+        </a:gradFill>
+      </a:fillStyleLst>
+      <a:lnStyleLst>
+        <a:ln w="6350" cap="flat" cmpd="sng" algn="ctr">
+          <a:solidFill>
+            <a:schemeClr val="phClr"/>
+          </a:solidFill>
+          <a:prstDash val="solid"/>
+          <a:miter lim="800000"/>
+        </a:ln>
+        <a:ln w="12700" cap="flat" cmpd="sng" algn="ctr">
+          <a:solidFill>
+            <a:schemeClr val="phClr"/>
+          </a:solidFill>
+          <a:prstDash val="solid"/>
+          <a:miter lim="800000"/>
+        </a:ln>
+        <a:ln w="19050" cap="flat" cmpd="sng" algn="ctr">
+          <a:solidFill>
+            <a:schemeClr val="phClr"/>
+          </a:solidFill>
+          <a:prstDash val="solid"/>
+          <a:miter lim="800000"/>
+        </a:ln>
+      </a:lnStyleLst>
+      <a:effectStyleLst>
+        <a:effectStyle>
+          <a:effectLst/>
+        </a:effectStyle>
+        <a:effectStyle>
+          <a:effectLst/>
+        </a:effectStyle>
+        <a:effectStyle>
+          <a:effectLst>
+            <a:outerShdw blurRad="57150" dist="19050" dir="5400000" algn="ctr" rotWithShape="0">
+              <a:srgbClr val="000000">
+                <a:alpha val="63000"/>
+              </a:srgbClr>
+            </a:outerShdw>
+          </a:effectLst>
+        </a:effectStyle>
+      </a:effectStyleLst>
+      <a:bgFillStyleLst>
+        <a:solidFill>
+          <a:schemeClr val="phClr"/>
+        </a:solidFill>
+        <a:solidFill>
+          <a:schemeClr val="phClr">
+            <a:tint val="95000"/>
+            <a:satMod val="170000"/>
+          </a:schemeClr>
+        </a:solidFill>
+        <a:gradFill rotWithShape="1">
+          <a:gsLst>
+            <a:gs pos="0">
+              <a:schemeClr val="phClr">
+                <a:tint val="93000"/>
+                <a:satMod val="150000"/>
+                <a:shade val="98000"/>
+                <a:lumMod val="102000"/>
+              </a:schemeClr>
+            </a:gs>
+            <a:gs pos="50000">
+              <a:schemeClr val="phClr">
+                <a:tint val="98000"/>
+                <a:satMod val="130000"/>
+                <a:shade val="90000"/>
+                <a:lumMod val="103000"/>
+              </a:schemeClr>
+            </a:gs>
+            <a:gs pos="100000">
+              <a:schemeClr val="phClr">
+                <a:shade val="63000"/>
+                <a:satMod val="120000"/>
+              </a:schemeClr>
+            </a:gs>
+          </a:gsLst>
+          <a:lin ang="5400000" scaled="0"/>
+        </a:gradFill>
+      </a:bgFillStyleLst>
+    </a:fmtScheme>
+  </a:themeElements>
   <a:objectDefaults/>
   <a:extraClrSchemeLst/>
   <a:extLst>

--- a/humans_demo/Humans.pptx
+++ b/humans_demo/Humans.pptx
@@ -5,7 +5,7 @@
     <p:sldMasterId id="2147483648" r:id="rId1"/>
   </p:sldMasterIdLst>
   <p:notesMasterIdLst>
-    <p:notesMasterId r:id="rId11"/>
+    <p:notesMasterId r:id="rId12"/>
   </p:notesMasterIdLst>
   <p:sldIdLst>
     <p:sldId id="256" r:id="rId2"/>
@@ -15,8 +15,9 @@
     <p:sldId id="262" r:id="rId6"/>
     <p:sldId id="263" r:id="rId7"/>
     <p:sldId id="265" r:id="rId8"/>
-    <p:sldId id="260" r:id="rId9"/>
-    <p:sldId id="261" r:id="rId10"/>
+    <p:sldId id="266" r:id="rId9"/>
+    <p:sldId id="260" r:id="rId10"/>
+    <p:sldId id="261" r:id="rId11"/>
   </p:sldIdLst>
   <p:sldSz cx="12192000" cy="6858000"/>
   <p:notesSz cx="6858000" cy="9144000"/>
@@ -205,7 +206,7 @@
           <a:p>
             <a:fld id="{4337D9E4-563D-44F1-9A6E-5EC8CC1BB23C}" type="datetimeFigureOut">
               <a:rPr lang="en-GB" smtClean="0"/>
-              <a:t>27/03/2019</a:t>
+              <a:t>28/03/2019</a:t>
             </a:fld>
             <a:endParaRPr lang="en-GB"/>
           </a:p>
@@ -709,7 +710,7 @@
           <a:p>
             <a:fld id="{902EFA1F-0188-423F-90C2-2B4BB1ADFD41}" type="datetimeFigureOut">
               <a:rPr lang="en-GB" smtClean="0"/>
-              <a:t>27/03/2019</a:t>
+              <a:t>28/03/2019</a:t>
             </a:fld>
             <a:endParaRPr lang="en-GB"/>
           </a:p>
@@ -909,7 +910,7 @@
           <a:p>
             <a:fld id="{902EFA1F-0188-423F-90C2-2B4BB1ADFD41}" type="datetimeFigureOut">
               <a:rPr lang="en-GB" smtClean="0"/>
-              <a:t>27/03/2019</a:t>
+              <a:t>28/03/2019</a:t>
             </a:fld>
             <a:endParaRPr lang="en-GB"/>
           </a:p>
@@ -1119,7 +1120,7 @@
           <a:p>
             <a:fld id="{902EFA1F-0188-423F-90C2-2B4BB1ADFD41}" type="datetimeFigureOut">
               <a:rPr lang="en-GB" smtClean="0"/>
-              <a:t>27/03/2019</a:t>
+              <a:t>28/03/2019</a:t>
             </a:fld>
             <a:endParaRPr lang="en-GB"/>
           </a:p>
@@ -1319,7 +1320,7 @@
           <a:p>
             <a:fld id="{902EFA1F-0188-423F-90C2-2B4BB1ADFD41}" type="datetimeFigureOut">
               <a:rPr lang="en-GB" smtClean="0"/>
-              <a:t>27/03/2019</a:t>
+              <a:t>28/03/2019</a:t>
             </a:fld>
             <a:endParaRPr lang="en-GB"/>
           </a:p>
@@ -1595,7 +1596,7 @@
           <a:p>
             <a:fld id="{902EFA1F-0188-423F-90C2-2B4BB1ADFD41}" type="datetimeFigureOut">
               <a:rPr lang="en-GB" smtClean="0"/>
-              <a:t>27/03/2019</a:t>
+              <a:t>28/03/2019</a:t>
             </a:fld>
             <a:endParaRPr lang="en-GB"/>
           </a:p>
@@ -1863,7 +1864,7 @@
           <a:p>
             <a:fld id="{902EFA1F-0188-423F-90C2-2B4BB1ADFD41}" type="datetimeFigureOut">
               <a:rPr lang="en-GB" smtClean="0"/>
-              <a:t>27/03/2019</a:t>
+              <a:t>28/03/2019</a:t>
             </a:fld>
             <a:endParaRPr lang="en-GB"/>
           </a:p>
@@ -2278,7 +2279,7 @@
           <a:p>
             <a:fld id="{902EFA1F-0188-423F-90C2-2B4BB1ADFD41}" type="datetimeFigureOut">
               <a:rPr lang="en-GB" smtClean="0"/>
-              <a:t>27/03/2019</a:t>
+              <a:t>28/03/2019</a:t>
             </a:fld>
             <a:endParaRPr lang="en-GB"/>
           </a:p>
@@ -2420,7 +2421,7 @@
           <a:p>
             <a:fld id="{902EFA1F-0188-423F-90C2-2B4BB1ADFD41}" type="datetimeFigureOut">
               <a:rPr lang="en-GB" smtClean="0"/>
-              <a:t>27/03/2019</a:t>
+              <a:t>28/03/2019</a:t>
             </a:fld>
             <a:endParaRPr lang="en-GB"/>
           </a:p>
@@ -2533,7 +2534,7 @@
           <a:p>
             <a:fld id="{902EFA1F-0188-423F-90C2-2B4BB1ADFD41}" type="datetimeFigureOut">
               <a:rPr lang="en-GB" smtClean="0"/>
-              <a:t>27/03/2019</a:t>
+              <a:t>28/03/2019</a:t>
             </a:fld>
             <a:endParaRPr lang="en-GB"/>
           </a:p>
@@ -2846,7 +2847,7 @@
           <a:p>
             <a:fld id="{902EFA1F-0188-423F-90C2-2B4BB1ADFD41}" type="datetimeFigureOut">
               <a:rPr lang="en-GB" smtClean="0"/>
-              <a:t>27/03/2019</a:t>
+              <a:t>28/03/2019</a:t>
             </a:fld>
             <a:endParaRPr lang="en-GB"/>
           </a:p>
@@ -3135,7 +3136,7 @@
           <a:p>
             <a:fld id="{902EFA1F-0188-423F-90C2-2B4BB1ADFD41}" type="datetimeFigureOut">
               <a:rPr lang="en-GB" smtClean="0"/>
-              <a:t>27/03/2019</a:t>
+              <a:t>28/03/2019</a:t>
             </a:fld>
             <a:endParaRPr lang="en-GB"/>
           </a:p>
@@ -3381,7 +3382,7 @@
           <a:p>
             <a:fld id="{902EFA1F-0188-423F-90C2-2B4BB1ADFD41}" type="datetimeFigureOut">
               <a:rPr lang="en-GB" smtClean="0"/>
-              <a:t>27/03/2019</a:t>
+              <a:t>28/03/2019</a:t>
             </a:fld>
             <a:endParaRPr lang="en-GB"/>
           </a:p>
@@ -4156,6 +4157,198 @@
 </p:sld>
 </file>
 
+<file path=ppt/slides/slide10.xml><?xml version="1.0" encoding="utf-8"?>
+<p:sld xmlns:a="http://schemas.openxmlformats.org/drawingml/2006/main" xmlns:r="http://schemas.openxmlformats.org/officeDocument/2006/relationships" xmlns:p="http://schemas.openxmlformats.org/presentationml/2006/main">
+  <p:cSld>
+    <p:spTree>
+      <p:nvGrpSpPr>
+        <p:cNvPr id="1" name=""/>
+        <p:cNvGrpSpPr/>
+        <p:nvPr/>
+      </p:nvGrpSpPr>
+      <p:grpSpPr>
+        <a:xfrm>
+          <a:off x="0" y="0"/>
+          <a:ext cx="0" cy="0"/>
+          <a:chOff x="0" y="0"/>
+          <a:chExt cx="0" cy="0"/>
+        </a:xfrm>
+      </p:grpSpPr>
+      <p:sp>
+        <p:nvSpPr>
+          <p:cNvPr id="2" name="Title 1">
+            <a:extLst>
+              <a:ext uri="{FF2B5EF4-FFF2-40B4-BE49-F238E27FC236}">
+                <a16:creationId xmlns:a16="http://schemas.microsoft.com/office/drawing/2014/main" id="{B8E9CF22-EF95-4693-82AE-748951BB99DF}"/>
+              </a:ext>
+            </a:extLst>
+          </p:cNvPr>
+          <p:cNvSpPr>
+            <a:spLocks noGrp="1"/>
+          </p:cNvSpPr>
+          <p:nvPr>
+            <p:ph type="title"/>
+          </p:nvPr>
+        </p:nvSpPr>
+        <p:spPr/>
+        <p:txBody>
+          <a:bodyPr/>
+          <a:lstStyle/>
+          <a:p>
+            <a:r>
+              <a:rPr lang="en-GB" dirty="0"/>
+              <a:t>Picture Courtesies</a:t>
+            </a:r>
+          </a:p>
+        </p:txBody>
+      </p:sp>
+      <p:sp>
+        <p:nvSpPr>
+          <p:cNvPr id="3" name="Content Placeholder 2">
+            <a:extLst>
+              <a:ext uri="{FF2B5EF4-FFF2-40B4-BE49-F238E27FC236}">
+                <a16:creationId xmlns:a16="http://schemas.microsoft.com/office/drawing/2014/main" id="{21D54F00-8732-43CA-A6D9-4F42BF436DAC}"/>
+              </a:ext>
+            </a:extLst>
+          </p:cNvPr>
+          <p:cNvSpPr>
+            <a:spLocks noGrp="1"/>
+          </p:cNvSpPr>
+          <p:nvPr>
+            <p:ph idx="1"/>
+          </p:nvPr>
+        </p:nvSpPr>
+        <p:spPr/>
+        <p:txBody>
+          <a:bodyPr/>
+          <a:lstStyle/>
+          <a:p>
+            <a:r>
+              <a:rPr lang="en-GB" dirty="0"/>
+              <a:t>title picture: </a:t>
+            </a:r>
+            <a:r>
+              <a:rPr lang="en-GB" dirty="0" err="1"/>
+              <a:t>hairymuseummat</a:t>
+            </a:r>
+            <a:r>
+              <a:rPr lang="en-GB" dirty="0"/>
+              <a:t> </a:t>
+            </a:r>
+            <a:r>
+              <a:rPr lang="en-GB" dirty="0">
+                <a:hlinkClick r:id="rId2"/>
+              </a:rPr>
+              <a:t>https://www.theverge.com/2017/10/9/16448412/neanderthal-stone-age-human-genes-dna-schizophrenia-cholesterol-hair-skin-loneliness</a:t>
+            </a:r>
+            <a:endParaRPr lang="en-GB" dirty="0"/>
+          </a:p>
+          <a:p>
+            <a:r>
+              <a:rPr lang="en-GB" dirty="0"/>
+              <a:t>Neanderthal skeleton:</a:t>
+            </a:r>
+            <a:br>
+              <a:rPr lang="en-GB" dirty="0"/>
+            </a:br>
+            <a:r>
+              <a:rPr lang="en-GB" dirty="0">
+                <a:hlinkClick r:id="rId3"/>
+              </a:rPr>
+              <a:t>Claire Houck</a:t>
+            </a:r>
+            <a:r>
+              <a:rPr lang="en-GB" dirty="0"/>
+              <a:t> from New York City, USA - </a:t>
+            </a:r>
+            <a:r>
+              <a:rPr lang="en-GB" dirty="0">
+                <a:hlinkClick r:id="rId4"/>
+              </a:rPr>
+              <a:t>Neanderthal Skeleton</a:t>
+            </a:r>
+            <a:endParaRPr lang="en-GB" dirty="0"/>
+          </a:p>
+          <a:p>
+            <a:r>
+              <a:rPr lang="en-GB" dirty="0"/>
+              <a:t>geneflow picture: </a:t>
+            </a:r>
+            <a:r>
+              <a:rPr lang="en-GB" dirty="0">
+                <a:hlinkClick r:id="rId5"/>
+              </a:rPr>
+              <a:t>http://news.bbc.co.uk/nol/shared/spl/hi/sci_nat/10/neanderthal/img/neanderthals_786.gif</a:t>
+            </a:r>
+            <a:endParaRPr lang="en-GB" dirty="0"/>
+          </a:p>
+        </p:txBody>
+      </p:sp>
+      <p:sp>
+        <p:nvSpPr>
+          <p:cNvPr id="4" name="Rectangle 3">
+            <a:extLst>
+              <a:ext uri="{FF2B5EF4-FFF2-40B4-BE49-F238E27FC236}">
+                <a16:creationId xmlns:a16="http://schemas.microsoft.com/office/drawing/2014/main" id="{D97BFEEA-3E75-4BA5-8A18-406AD82C98B7}"/>
+              </a:ext>
+            </a:extLst>
+          </p:cNvPr>
+          <p:cNvSpPr/>
+          <p:nvPr/>
+        </p:nvSpPr>
+        <p:spPr>
+          <a:xfrm>
+            <a:off x="11353800" y="0"/>
+            <a:ext cx="838200" cy="6858000"/>
+          </a:xfrm>
+          <a:prstGeom prst="rect">
+            <a:avLst/>
+          </a:prstGeom>
+          <a:solidFill>
+            <a:schemeClr val="tx1">
+              <a:lumMod val="65000"/>
+              <a:lumOff val="35000"/>
+            </a:schemeClr>
+          </a:solidFill>
+        </p:spPr>
+        <p:style>
+          <a:lnRef idx="2">
+            <a:schemeClr val="accent1">
+              <a:shade val="50000"/>
+            </a:schemeClr>
+          </a:lnRef>
+          <a:fillRef idx="1">
+            <a:schemeClr val="accent1"/>
+          </a:fillRef>
+          <a:effectRef idx="0">
+            <a:schemeClr val="accent1"/>
+          </a:effectRef>
+          <a:fontRef idx="minor">
+            <a:schemeClr val="lt1"/>
+          </a:fontRef>
+        </p:style>
+        <p:txBody>
+          <a:bodyPr rtlCol="0" anchor="ctr"/>
+          <a:lstStyle/>
+          <a:p>
+            <a:pPr algn="ctr"/>
+            <a:endParaRPr lang="en-GB"/>
+          </a:p>
+        </p:txBody>
+      </p:sp>
+    </p:spTree>
+    <p:extLst>
+      <p:ext uri="{BB962C8B-B14F-4D97-AF65-F5344CB8AC3E}">
+        <p14:creationId xmlns:p14="http://schemas.microsoft.com/office/powerpoint/2010/main" val="1620086336"/>
+      </p:ext>
+    </p:extLst>
+  </p:cSld>
+  <p:clrMapOvr>
+    <a:masterClrMapping/>
+  </p:clrMapOvr>
+</p:sld>
+</file>
+
 <file path=ppt/slides/slide2.xml><?xml version="1.0" encoding="utf-8"?>
 <p:sld xmlns:a="http://schemas.openxmlformats.org/drawingml/2006/main" xmlns:r="http://schemas.openxmlformats.org/officeDocument/2006/relationships" xmlns:p="http://schemas.openxmlformats.org/presentationml/2006/main">
   <p:cSld>
@@ -6038,61 +6231,46 @@
           <a:p>
             <a:r>
               <a:rPr lang="en-GB" sz="4800" dirty="0"/>
-              <a:t>Our Project</a:t>
-            </a:r>
-          </a:p>
-        </p:txBody>
-      </p:sp>
-      <p:sp>
-        <p:nvSpPr>
-          <p:cNvPr id="3" name="Content Placeholder 2">
-            <a:extLst>
-              <a:ext uri="{FF2B5EF4-FFF2-40B4-BE49-F238E27FC236}">
-                <a16:creationId xmlns:a16="http://schemas.microsoft.com/office/drawing/2014/main" id="{6CCAB206-7674-4C9C-B911-7D91983CD901}"/>
-              </a:ext>
-            </a:extLst>
-          </p:cNvPr>
-          <p:cNvSpPr>
-            <a:spLocks noGrp="1"/>
-          </p:cNvSpPr>
+              <a:t>Genetic Distances</a:t>
+            </a:r>
+          </a:p>
+        </p:txBody>
+      </p:sp>
+      <p:pic>
+        <p:nvPicPr>
+          <p:cNvPr id="10" name="Content Placeholder 9">
+            <a:extLst>
+              <a:ext uri="{FF2B5EF4-FFF2-40B4-BE49-F238E27FC236}">
+                <a16:creationId xmlns:a16="http://schemas.microsoft.com/office/drawing/2014/main" id="{5919CFBC-B260-4467-83F8-37C6A613FB0C}"/>
+              </a:ext>
+            </a:extLst>
+          </p:cNvPr>
+          <p:cNvPicPr>
+            <a:picLocks noGrp="1" noChangeAspect="1"/>
+          </p:cNvPicPr>
           <p:nvPr>
             <p:ph idx="1"/>
           </p:nvPr>
-        </p:nvSpPr>
+        </p:nvPicPr>
+        <p:blipFill>
+          <a:blip r:embed="rId2">
+            <a:extLst>
+              <a:ext uri="{28A0092B-C50C-407E-A947-70E740481C1C}">
+                <a14:useLocalDpi xmlns:a14="http://schemas.microsoft.com/office/drawing/2010/main" val="0"/>
+              </a:ext>
+            </a:extLst>
+          </a:blip>
+          <a:stretch>
+            <a:fillRect/>
+          </a:stretch>
+        </p:blipFill>
         <p:spPr>
           <a:xfrm>
-            <a:off x="563684" y="1627917"/>
-            <a:ext cx="3797807" cy="4351338"/>
+            <a:off x="209981" y="1253330"/>
+            <a:ext cx="5645062" cy="5604669"/>
           </a:xfrm>
         </p:spPr>
-        <p:txBody>
-          <a:bodyPr>
-            <a:normAutofit/>
-          </a:bodyPr>
-          <a:lstStyle/>
-          <a:p>
-            <a:r>
-              <a:rPr lang="en-GB" dirty="0"/>
-              <a:t>202 differences in mtDNA  compared to humans</a:t>
-            </a:r>
-          </a:p>
-          <a:p>
-            <a:r>
-              <a:rPr lang="en-GB" dirty="0"/>
-              <a:t>Probable geneflow from Neanderthals to Humans</a:t>
-            </a:r>
-          </a:p>
-          <a:p>
-            <a:r>
-              <a:rPr lang="en-US" dirty="0"/>
-              <a:t>Gene mixing estimated at 1.15% to 1.3% in autosomes</a:t>
-            </a:r>
-          </a:p>
-          <a:p>
-            <a:endParaRPr lang="en-GB" sz="2000" dirty="0"/>
-          </a:p>
-        </p:txBody>
-      </p:sp>
+      </p:pic>
     </p:spTree>
     <p:extLst>
       <p:ext uri="{BB962C8B-B14F-4D97-AF65-F5344CB8AC3E}">
@@ -6107,6 +6285,86 @@
 </file>
 
 <file path=ppt/slides/slide8.xml><?xml version="1.0" encoding="utf-8"?>
+<p:sld xmlns:a="http://schemas.openxmlformats.org/drawingml/2006/main" xmlns:r="http://schemas.openxmlformats.org/officeDocument/2006/relationships" xmlns:p="http://schemas.openxmlformats.org/presentationml/2006/main">
+  <p:cSld>
+    <p:spTree>
+      <p:nvGrpSpPr>
+        <p:cNvPr id="1" name=""/>
+        <p:cNvGrpSpPr/>
+        <p:nvPr/>
+      </p:nvGrpSpPr>
+      <p:grpSpPr>
+        <a:xfrm>
+          <a:off x="0" y="0"/>
+          <a:ext cx="0" cy="0"/>
+          <a:chOff x="0" y="0"/>
+          <a:chExt cx="0" cy="0"/>
+        </a:xfrm>
+      </p:grpSpPr>
+      <p:sp>
+        <p:nvSpPr>
+          <p:cNvPr id="2" name="Title 1">
+            <a:extLst>
+              <a:ext uri="{FF2B5EF4-FFF2-40B4-BE49-F238E27FC236}">
+                <a16:creationId xmlns:a16="http://schemas.microsoft.com/office/drawing/2014/main" id="{76EA7436-33CA-4F19-B60E-0F2DFF56D5D8}"/>
+              </a:ext>
+            </a:extLst>
+          </p:cNvPr>
+          <p:cNvSpPr>
+            <a:spLocks noGrp="1"/>
+          </p:cNvSpPr>
+          <p:nvPr>
+            <p:ph type="title"/>
+          </p:nvPr>
+        </p:nvSpPr>
+        <p:spPr/>
+        <p:txBody>
+          <a:bodyPr/>
+          <a:lstStyle/>
+          <a:p>
+            <a:endParaRPr lang="en-GB" dirty="0"/>
+          </a:p>
+        </p:txBody>
+      </p:sp>
+      <p:sp>
+        <p:nvSpPr>
+          <p:cNvPr id="3" name="Content Placeholder 2">
+            <a:extLst>
+              <a:ext uri="{FF2B5EF4-FFF2-40B4-BE49-F238E27FC236}">
+                <a16:creationId xmlns:a16="http://schemas.microsoft.com/office/drawing/2014/main" id="{09021D47-F7B3-492B-AA9A-1E13A19FC35D}"/>
+              </a:ext>
+            </a:extLst>
+          </p:cNvPr>
+          <p:cNvSpPr>
+            <a:spLocks noGrp="1"/>
+          </p:cNvSpPr>
+          <p:nvPr>
+            <p:ph idx="1"/>
+          </p:nvPr>
+        </p:nvSpPr>
+        <p:spPr/>
+        <p:txBody>
+          <a:bodyPr/>
+          <a:lstStyle/>
+          <a:p>
+            <a:endParaRPr lang="en-GB" dirty="0"/>
+          </a:p>
+        </p:txBody>
+      </p:sp>
+    </p:spTree>
+    <p:extLst>
+      <p:ext uri="{BB962C8B-B14F-4D97-AF65-F5344CB8AC3E}">
+        <p14:creationId xmlns:p14="http://schemas.microsoft.com/office/powerpoint/2010/main" val="2641172548"/>
+      </p:ext>
+    </p:extLst>
+  </p:cSld>
+  <p:clrMapOvr>
+    <a:masterClrMapping/>
+  </p:clrMapOvr>
+</p:sld>
+</file>
+
+<file path=ppt/slides/slide9.xml><?xml version="1.0" encoding="utf-8"?>
 <p:sld xmlns:a="http://schemas.openxmlformats.org/drawingml/2006/main" xmlns:r="http://schemas.openxmlformats.org/officeDocument/2006/relationships" xmlns:p="http://schemas.openxmlformats.org/presentationml/2006/main">
   <p:cSld>
     <p:spTree>
@@ -6232,198 +6490,6 @@
     <p:extLst>
       <p:ext uri="{BB962C8B-B14F-4D97-AF65-F5344CB8AC3E}">
         <p14:creationId xmlns:p14="http://schemas.microsoft.com/office/powerpoint/2010/main" val="686032156"/>
-      </p:ext>
-    </p:extLst>
-  </p:cSld>
-  <p:clrMapOvr>
-    <a:masterClrMapping/>
-  </p:clrMapOvr>
-</p:sld>
-</file>
-
-<file path=ppt/slides/slide9.xml><?xml version="1.0" encoding="utf-8"?>
-<p:sld xmlns:a="http://schemas.openxmlformats.org/drawingml/2006/main" xmlns:r="http://schemas.openxmlformats.org/officeDocument/2006/relationships" xmlns:p="http://schemas.openxmlformats.org/presentationml/2006/main">
-  <p:cSld>
-    <p:spTree>
-      <p:nvGrpSpPr>
-        <p:cNvPr id="1" name=""/>
-        <p:cNvGrpSpPr/>
-        <p:nvPr/>
-      </p:nvGrpSpPr>
-      <p:grpSpPr>
-        <a:xfrm>
-          <a:off x="0" y="0"/>
-          <a:ext cx="0" cy="0"/>
-          <a:chOff x="0" y="0"/>
-          <a:chExt cx="0" cy="0"/>
-        </a:xfrm>
-      </p:grpSpPr>
-      <p:sp>
-        <p:nvSpPr>
-          <p:cNvPr id="2" name="Title 1">
-            <a:extLst>
-              <a:ext uri="{FF2B5EF4-FFF2-40B4-BE49-F238E27FC236}">
-                <a16:creationId xmlns:a16="http://schemas.microsoft.com/office/drawing/2014/main" id="{B8E9CF22-EF95-4693-82AE-748951BB99DF}"/>
-              </a:ext>
-            </a:extLst>
-          </p:cNvPr>
-          <p:cNvSpPr>
-            <a:spLocks noGrp="1"/>
-          </p:cNvSpPr>
-          <p:nvPr>
-            <p:ph type="title"/>
-          </p:nvPr>
-        </p:nvSpPr>
-        <p:spPr/>
-        <p:txBody>
-          <a:bodyPr/>
-          <a:lstStyle/>
-          <a:p>
-            <a:r>
-              <a:rPr lang="en-GB" dirty="0"/>
-              <a:t>Picture Courtesies</a:t>
-            </a:r>
-          </a:p>
-        </p:txBody>
-      </p:sp>
-      <p:sp>
-        <p:nvSpPr>
-          <p:cNvPr id="3" name="Content Placeholder 2">
-            <a:extLst>
-              <a:ext uri="{FF2B5EF4-FFF2-40B4-BE49-F238E27FC236}">
-                <a16:creationId xmlns:a16="http://schemas.microsoft.com/office/drawing/2014/main" id="{21D54F00-8732-43CA-A6D9-4F42BF436DAC}"/>
-              </a:ext>
-            </a:extLst>
-          </p:cNvPr>
-          <p:cNvSpPr>
-            <a:spLocks noGrp="1"/>
-          </p:cNvSpPr>
-          <p:nvPr>
-            <p:ph idx="1"/>
-          </p:nvPr>
-        </p:nvSpPr>
-        <p:spPr/>
-        <p:txBody>
-          <a:bodyPr/>
-          <a:lstStyle/>
-          <a:p>
-            <a:r>
-              <a:rPr lang="en-GB" dirty="0"/>
-              <a:t>title picture: </a:t>
-            </a:r>
-            <a:r>
-              <a:rPr lang="en-GB" dirty="0" err="1"/>
-              <a:t>hairymuseummat</a:t>
-            </a:r>
-            <a:r>
-              <a:rPr lang="en-GB" dirty="0"/>
-              <a:t> </a:t>
-            </a:r>
-            <a:r>
-              <a:rPr lang="en-GB" dirty="0">
-                <a:hlinkClick r:id="rId2"/>
-              </a:rPr>
-              <a:t>https://www.theverge.com/2017/10/9/16448412/neanderthal-stone-age-human-genes-dna-schizophrenia-cholesterol-hair-skin-loneliness</a:t>
-            </a:r>
-            <a:endParaRPr lang="en-GB" dirty="0"/>
-          </a:p>
-          <a:p>
-            <a:r>
-              <a:rPr lang="en-GB" dirty="0"/>
-              <a:t>Neanderthal skeleton:</a:t>
-            </a:r>
-            <a:br>
-              <a:rPr lang="en-GB" dirty="0"/>
-            </a:br>
-            <a:r>
-              <a:rPr lang="en-GB" dirty="0">
-                <a:hlinkClick r:id="rId3"/>
-              </a:rPr>
-              <a:t>Claire Houck</a:t>
-            </a:r>
-            <a:r>
-              <a:rPr lang="en-GB" dirty="0"/>
-              <a:t> from New York City, USA - </a:t>
-            </a:r>
-            <a:r>
-              <a:rPr lang="en-GB" dirty="0">
-                <a:hlinkClick r:id="rId4"/>
-              </a:rPr>
-              <a:t>Neanderthal Skeleton</a:t>
-            </a:r>
-            <a:endParaRPr lang="en-GB" dirty="0"/>
-          </a:p>
-          <a:p>
-            <a:r>
-              <a:rPr lang="en-GB" dirty="0"/>
-              <a:t>geneflow picture: </a:t>
-            </a:r>
-            <a:r>
-              <a:rPr lang="en-GB" dirty="0">
-                <a:hlinkClick r:id="rId5"/>
-              </a:rPr>
-              <a:t>http://news.bbc.co.uk/nol/shared/spl/hi/sci_nat/10/neanderthal/img/neanderthals_786.gif</a:t>
-            </a:r>
-            <a:endParaRPr lang="en-GB" dirty="0"/>
-          </a:p>
-        </p:txBody>
-      </p:sp>
-      <p:sp>
-        <p:nvSpPr>
-          <p:cNvPr id="4" name="Rectangle 3">
-            <a:extLst>
-              <a:ext uri="{FF2B5EF4-FFF2-40B4-BE49-F238E27FC236}">
-                <a16:creationId xmlns:a16="http://schemas.microsoft.com/office/drawing/2014/main" id="{D97BFEEA-3E75-4BA5-8A18-406AD82C98B7}"/>
-              </a:ext>
-            </a:extLst>
-          </p:cNvPr>
-          <p:cNvSpPr/>
-          <p:nvPr/>
-        </p:nvSpPr>
-        <p:spPr>
-          <a:xfrm>
-            <a:off x="11353800" y="0"/>
-            <a:ext cx="838200" cy="6858000"/>
-          </a:xfrm>
-          <a:prstGeom prst="rect">
-            <a:avLst/>
-          </a:prstGeom>
-          <a:solidFill>
-            <a:schemeClr val="tx1">
-              <a:lumMod val="65000"/>
-              <a:lumOff val="35000"/>
-            </a:schemeClr>
-          </a:solidFill>
-        </p:spPr>
-        <p:style>
-          <a:lnRef idx="2">
-            <a:schemeClr val="accent1">
-              <a:shade val="50000"/>
-            </a:schemeClr>
-          </a:lnRef>
-          <a:fillRef idx="1">
-            <a:schemeClr val="accent1"/>
-          </a:fillRef>
-          <a:effectRef idx="0">
-            <a:schemeClr val="accent1"/>
-          </a:effectRef>
-          <a:fontRef idx="minor">
-            <a:schemeClr val="lt1"/>
-          </a:fontRef>
-        </p:style>
-        <p:txBody>
-          <a:bodyPr rtlCol="0" anchor="ctr"/>
-          <a:lstStyle/>
-          <a:p>
-            <a:pPr algn="ctr"/>
-            <a:endParaRPr lang="en-GB"/>
-          </a:p>
-        </p:txBody>
-      </p:sp>
-    </p:spTree>
-    <p:extLst>
-      <p:ext uri="{BB962C8B-B14F-4D97-AF65-F5344CB8AC3E}">
-        <p14:creationId xmlns:p14="http://schemas.microsoft.com/office/powerpoint/2010/main" val="1620086336"/>
       </p:ext>
     </p:extLst>
   </p:cSld>

--- a/humans_demo/Humans.pptx
+++ b/humans_demo/Humans.pptx
@@ -4282,6 +4282,29 @@
             </a:r>
             <a:endParaRPr lang="en-GB" dirty="0"/>
           </a:p>
+          <a:p>
+            <a:r>
+              <a:rPr lang="en-GB" dirty="0" err="1"/>
+              <a:t>mtDNA</a:t>
+            </a:r>
+            <a:r>
+              <a:rPr lang="en-GB" dirty="0"/>
+              <a:t> Picture: </a:t>
+            </a:r>
+            <a:r>
+              <a:rPr lang="en-GB" b="1" i="1" dirty="0">
+                <a:hlinkClick r:id="rId6"/>
+              </a:rPr>
+              <a:t>Emmanuel </a:t>
+            </a:r>
+            <a:r>
+              <a:rPr lang="en-GB" b="1" i="1" dirty="0" err="1">
+                <a:hlinkClick r:id="rId6"/>
+              </a:rPr>
+              <a:t>Douzery</a:t>
+            </a:r>
+            <a:endParaRPr lang="en-GB" dirty="0"/>
+          </a:p>
         </p:txBody>
       </p:sp>
       <p:sp>
@@ -4336,6 +4359,52 @@
           </a:p>
         </p:txBody>
       </p:sp>
+      <p:cxnSp>
+        <p:nvCxnSpPr>
+          <p:cNvPr id="5" name="Straight Connector 4">
+            <a:extLst>
+              <a:ext uri="{FF2B5EF4-FFF2-40B4-BE49-F238E27FC236}">
+                <a16:creationId xmlns:a16="http://schemas.microsoft.com/office/drawing/2014/main" id="{9B2469AF-496A-431A-AA0D-AC067AA8DC9F}"/>
+              </a:ext>
+            </a:extLst>
+          </p:cNvPr>
+          <p:cNvCxnSpPr>
+            <a:cxnSpLocks/>
+          </p:cNvCxnSpPr>
+          <p:nvPr/>
+        </p:nvCxnSpPr>
+        <p:spPr>
+          <a:xfrm>
+            <a:off x="951470" y="1482811"/>
+            <a:ext cx="6969211" cy="0"/>
+          </a:xfrm>
+          <a:prstGeom prst="line">
+            <a:avLst/>
+          </a:prstGeom>
+          <a:ln w="76200">
+            <a:solidFill>
+              <a:schemeClr val="tx1">
+                <a:lumMod val="50000"/>
+                <a:lumOff val="50000"/>
+              </a:schemeClr>
+            </a:solidFill>
+          </a:ln>
+        </p:spPr>
+        <p:style>
+          <a:lnRef idx="1">
+            <a:schemeClr val="accent1"/>
+          </a:lnRef>
+          <a:fillRef idx="0">
+            <a:schemeClr val="accent1"/>
+          </a:fillRef>
+          <a:effectRef idx="0">
+            <a:schemeClr val="accent1"/>
+          </a:effectRef>
+          <a:fontRef idx="minor">
+            <a:schemeClr val="tx1"/>
+          </a:fontRef>
+        </p:style>
+      </p:cxnSp>
     </p:spTree>
     <p:extLst>
       <p:ext uri="{BB962C8B-B14F-4D97-AF65-F5344CB8AC3E}">
@@ -4412,8 +4481,8 @@
         </p:nvSpPr>
         <p:spPr>
           <a:xfrm>
-            <a:off x="838200" y="1504350"/>
-            <a:ext cx="10515600" cy="2116180"/>
+            <a:off x="838199" y="1690688"/>
+            <a:ext cx="10083113" cy="4636959"/>
           </a:xfrm>
         </p:spPr>
         <p:txBody>
@@ -4423,6 +4492,9 @@
           <a:lstStyle/>
           <a:p>
             <a:pPr marL="514350" indent="-514350">
+              <a:lnSpc>
+                <a:spcPct val="170000"/>
+              </a:lnSpc>
               <a:buFont typeface="+mj-lt"/>
               <a:buAutoNum type="arabicPeriod"/>
             </a:pPr>
@@ -4433,6 +4505,9 @@
           </a:p>
           <a:p>
             <a:pPr marL="514350" indent="-514350">
+              <a:lnSpc>
+                <a:spcPct val="170000"/>
+              </a:lnSpc>
               <a:buFont typeface="+mj-lt"/>
               <a:buAutoNum type="arabicPeriod"/>
             </a:pPr>
@@ -4442,46 +4517,42 @@
             </a:r>
           </a:p>
           <a:p>
-            <a:pPr marL="914400" lvl="2" indent="0">
-              <a:buNone/>
+            <a:pPr marL="514350" indent="-514350">
+              <a:lnSpc>
+                <a:spcPct val="170000"/>
+              </a:lnSpc>
+              <a:buFont typeface="+mj-lt"/>
+              <a:buAutoNum type="arabicPeriod" startAt="3"/>
             </a:pPr>
             <a:r>
               <a:rPr lang="en-GB" dirty="0"/>
-              <a:t>2.1 </a:t>
-            </a:r>
-            <a:r>
-              <a:rPr lang="en-GB" i="1" dirty="0"/>
-              <a:t>Homo neanderthalensis</a:t>
-            </a:r>
+              <a:t>Experimental procedure</a:t>
+            </a:r>
+          </a:p>
+          <a:p>
+            <a:pPr marL="514350" indent="-514350">
+              <a:lnSpc>
+                <a:spcPct val="170000"/>
+              </a:lnSpc>
+              <a:buFont typeface="+mj-lt"/>
+              <a:buAutoNum type="arabicPeriod" startAt="3"/>
+            </a:pPr>
             <a:r>
               <a:rPr lang="en-GB" dirty="0"/>
-              <a:t> and </a:t>
-            </a:r>
-            <a:r>
-              <a:rPr lang="en-GB" i="1" dirty="0"/>
-              <a:t>Homo sapiens </a:t>
-            </a:r>
+              <a:t>Results</a:t>
+            </a:r>
+          </a:p>
+          <a:p>
+            <a:pPr marL="514350" indent="-514350">
+              <a:lnSpc>
+                <a:spcPct val="170000"/>
+              </a:lnSpc>
+              <a:buFont typeface="+mj-lt"/>
+              <a:buAutoNum type="arabicPeriod" startAt="3"/>
+            </a:pPr>
             <a:r>
               <a:rPr lang="en-GB" dirty="0"/>
-              <a:t>comparison</a:t>
-            </a:r>
-          </a:p>
-          <a:p>
-            <a:pPr marL="914400" lvl="2" indent="0">
-              <a:buNone/>
-            </a:pPr>
-            <a:r>
-              <a:rPr lang="en-GB" dirty="0"/>
-              <a:t>2.2 mitochondrial DNA</a:t>
-            </a:r>
-          </a:p>
-          <a:p>
-            <a:pPr marL="914400" lvl="2" indent="0">
-              <a:buNone/>
-            </a:pPr>
-            <a:r>
-              <a:rPr lang="en-GB" dirty="0"/>
-              <a:t>2.3 genealogical DNA testing</a:t>
+              <a:t>Conclusion</a:t>
             </a:r>
           </a:p>
           <a:p>
@@ -4492,244 +4563,7 @@
             <a:endParaRPr lang="en-GB" dirty="0"/>
           </a:p>
           <a:p>
-            <a:pPr marL="514350" indent="-514350">
-              <a:buFont typeface="+mj-lt"/>
-              <a:buAutoNum type="arabicPeriod"/>
-            </a:pPr>
-            <a:endParaRPr lang="en-GB" dirty="0"/>
-          </a:p>
-          <a:p>
             <a:pPr marL="457200" lvl="1" indent="0">
-              <a:buNone/>
-            </a:pPr>
-            <a:endParaRPr lang="en-GB" dirty="0"/>
-          </a:p>
-        </p:txBody>
-      </p:sp>
-      <p:sp>
-        <p:nvSpPr>
-          <p:cNvPr id="4" name="Content Placeholder 2">
-            <a:extLst>
-              <a:ext uri="{FF2B5EF4-FFF2-40B4-BE49-F238E27FC236}">
-                <a16:creationId xmlns:a16="http://schemas.microsoft.com/office/drawing/2014/main" id="{5D3C2F85-D2F2-4A46-B6CF-B3F5D589403F}"/>
-              </a:ext>
-            </a:extLst>
-          </p:cNvPr>
-          <p:cNvSpPr txBox="1">
-            <a:spLocks/>
-          </p:cNvSpPr>
-          <p:nvPr/>
-        </p:nvSpPr>
-        <p:spPr>
-          <a:xfrm>
-            <a:off x="838200" y="3521676"/>
-            <a:ext cx="10515600" cy="2116180"/>
-          </a:xfrm>
-          <a:prstGeom prst="rect">
-            <a:avLst/>
-          </a:prstGeom>
-        </p:spPr>
-        <p:txBody>
-          <a:bodyPr vert="horz" lIns="91440" tIns="45720" rIns="91440" bIns="45720" rtlCol="0">
-            <a:normAutofit/>
-          </a:bodyPr>
-          <a:lstStyle>
-            <a:lvl1pPr marL="228600" indent="-228600" algn="l" defTabSz="914400" rtl="0" eaLnBrk="1" latinLnBrk="0" hangingPunct="1">
-              <a:lnSpc>
-                <a:spcPct val="90000"/>
-              </a:lnSpc>
-              <a:spcBef>
-                <a:spcPts val="1000"/>
-              </a:spcBef>
-              <a:buFont typeface="Arial" panose="020B0604020202020204" pitchFamily="34" charset="0"/>
-              <a:buChar char="•"/>
-              <a:defRPr sz="2800" kern="1200">
-                <a:solidFill>
-                  <a:schemeClr val="tx1"/>
-                </a:solidFill>
-                <a:latin typeface="+mn-lt"/>
-                <a:ea typeface="+mn-ea"/>
-                <a:cs typeface="+mn-cs"/>
-              </a:defRPr>
-            </a:lvl1pPr>
-            <a:lvl2pPr marL="685800" indent="-228600" algn="l" defTabSz="914400" rtl="0" eaLnBrk="1" latinLnBrk="0" hangingPunct="1">
-              <a:lnSpc>
-                <a:spcPct val="90000"/>
-              </a:lnSpc>
-              <a:spcBef>
-                <a:spcPts val="500"/>
-              </a:spcBef>
-              <a:buFont typeface="Arial" panose="020B0604020202020204" pitchFamily="34" charset="0"/>
-              <a:buChar char="•"/>
-              <a:defRPr sz="2400" kern="1200">
-                <a:solidFill>
-                  <a:schemeClr val="tx1"/>
-                </a:solidFill>
-                <a:latin typeface="+mn-lt"/>
-                <a:ea typeface="+mn-ea"/>
-                <a:cs typeface="+mn-cs"/>
-              </a:defRPr>
-            </a:lvl2pPr>
-            <a:lvl3pPr marL="1143000" indent="-228600" algn="l" defTabSz="914400" rtl="0" eaLnBrk="1" latinLnBrk="0" hangingPunct="1">
-              <a:lnSpc>
-                <a:spcPct val="90000"/>
-              </a:lnSpc>
-              <a:spcBef>
-                <a:spcPts val="500"/>
-              </a:spcBef>
-              <a:buFont typeface="Arial" panose="020B0604020202020204" pitchFamily="34" charset="0"/>
-              <a:buChar char="•"/>
-              <a:defRPr sz="2000" kern="1200">
-                <a:solidFill>
-                  <a:schemeClr val="tx1"/>
-                </a:solidFill>
-                <a:latin typeface="+mn-lt"/>
-                <a:ea typeface="+mn-ea"/>
-                <a:cs typeface="+mn-cs"/>
-              </a:defRPr>
-            </a:lvl3pPr>
-            <a:lvl4pPr marL="1600200" indent="-228600" algn="l" defTabSz="914400" rtl="0" eaLnBrk="1" latinLnBrk="0" hangingPunct="1">
-              <a:lnSpc>
-                <a:spcPct val="90000"/>
-              </a:lnSpc>
-              <a:spcBef>
-                <a:spcPts val="500"/>
-              </a:spcBef>
-              <a:buFont typeface="Arial" panose="020B0604020202020204" pitchFamily="34" charset="0"/>
-              <a:buChar char="•"/>
-              <a:defRPr sz="1800" kern="1200">
-                <a:solidFill>
-                  <a:schemeClr val="tx1"/>
-                </a:solidFill>
-                <a:latin typeface="+mn-lt"/>
-                <a:ea typeface="+mn-ea"/>
-                <a:cs typeface="+mn-cs"/>
-              </a:defRPr>
-            </a:lvl4pPr>
-            <a:lvl5pPr marL="2057400" indent="-228600" algn="l" defTabSz="914400" rtl="0" eaLnBrk="1" latinLnBrk="0" hangingPunct="1">
-              <a:lnSpc>
-                <a:spcPct val="90000"/>
-              </a:lnSpc>
-              <a:spcBef>
-                <a:spcPts val="500"/>
-              </a:spcBef>
-              <a:buFont typeface="Arial" panose="020B0604020202020204" pitchFamily="34" charset="0"/>
-              <a:buChar char="•"/>
-              <a:defRPr sz="1800" kern="1200">
-                <a:solidFill>
-                  <a:schemeClr val="tx1"/>
-                </a:solidFill>
-                <a:latin typeface="+mn-lt"/>
-                <a:ea typeface="+mn-ea"/>
-                <a:cs typeface="+mn-cs"/>
-              </a:defRPr>
-            </a:lvl5pPr>
-            <a:lvl6pPr marL="2514600" indent="-228600" algn="l" defTabSz="914400" rtl="0" eaLnBrk="1" latinLnBrk="0" hangingPunct="1">
-              <a:lnSpc>
-                <a:spcPct val="90000"/>
-              </a:lnSpc>
-              <a:spcBef>
-                <a:spcPts val="500"/>
-              </a:spcBef>
-              <a:buFont typeface="Arial" panose="020B0604020202020204" pitchFamily="34" charset="0"/>
-              <a:buChar char="•"/>
-              <a:defRPr sz="1800" kern="1200">
-                <a:solidFill>
-                  <a:schemeClr val="tx1"/>
-                </a:solidFill>
-                <a:latin typeface="+mn-lt"/>
-                <a:ea typeface="+mn-ea"/>
-                <a:cs typeface="+mn-cs"/>
-              </a:defRPr>
-            </a:lvl6pPr>
-            <a:lvl7pPr marL="2971800" indent="-228600" algn="l" defTabSz="914400" rtl="0" eaLnBrk="1" latinLnBrk="0" hangingPunct="1">
-              <a:lnSpc>
-                <a:spcPct val="90000"/>
-              </a:lnSpc>
-              <a:spcBef>
-                <a:spcPts val="500"/>
-              </a:spcBef>
-              <a:buFont typeface="Arial" panose="020B0604020202020204" pitchFamily="34" charset="0"/>
-              <a:buChar char="•"/>
-              <a:defRPr sz="1800" kern="1200">
-                <a:solidFill>
-                  <a:schemeClr val="tx1"/>
-                </a:solidFill>
-                <a:latin typeface="+mn-lt"/>
-                <a:ea typeface="+mn-ea"/>
-                <a:cs typeface="+mn-cs"/>
-              </a:defRPr>
-            </a:lvl7pPr>
-            <a:lvl8pPr marL="3429000" indent="-228600" algn="l" defTabSz="914400" rtl="0" eaLnBrk="1" latinLnBrk="0" hangingPunct="1">
-              <a:lnSpc>
-                <a:spcPct val="90000"/>
-              </a:lnSpc>
-              <a:spcBef>
-                <a:spcPts val="500"/>
-              </a:spcBef>
-              <a:buFont typeface="Arial" panose="020B0604020202020204" pitchFamily="34" charset="0"/>
-              <a:buChar char="•"/>
-              <a:defRPr sz="1800" kern="1200">
-                <a:solidFill>
-                  <a:schemeClr val="tx1"/>
-                </a:solidFill>
-                <a:latin typeface="+mn-lt"/>
-                <a:ea typeface="+mn-ea"/>
-                <a:cs typeface="+mn-cs"/>
-              </a:defRPr>
-            </a:lvl8pPr>
-            <a:lvl9pPr marL="3886200" indent="-228600" algn="l" defTabSz="914400" rtl="0" eaLnBrk="1" latinLnBrk="0" hangingPunct="1">
-              <a:lnSpc>
-                <a:spcPct val="90000"/>
-              </a:lnSpc>
-              <a:spcBef>
-                <a:spcPts val="500"/>
-              </a:spcBef>
-              <a:buFont typeface="Arial" panose="020B0604020202020204" pitchFamily="34" charset="0"/>
-              <a:buChar char="•"/>
-              <a:defRPr sz="1800" kern="1200">
-                <a:solidFill>
-                  <a:schemeClr val="tx1"/>
-                </a:solidFill>
-                <a:latin typeface="+mn-lt"/>
-                <a:ea typeface="+mn-ea"/>
-                <a:cs typeface="+mn-cs"/>
-              </a:defRPr>
-            </a:lvl9pPr>
-          </a:lstStyle>
-          <a:p>
-            <a:pPr marL="514350" indent="-514350">
-              <a:buFont typeface="+mj-lt"/>
-              <a:buAutoNum type="arabicPeriod" startAt="3"/>
-            </a:pPr>
-            <a:r>
-              <a:rPr lang="en-GB" dirty="0"/>
-              <a:t>Our Project</a:t>
-            </a:r>
-          </a:p>
-          <a:p>
-            <a:pPr marL="514350" indent="-514350">
-              <a:buFont typeface="+mj-lt"/>
-              <a:buAutoNum type="arabicPeriod" startAt="3"/>
-            </a:pPr>
-            <a:r>
-              <a:rPr lang="en-GB" dirty="0"/>
-              <a:t>Results</a:t>
-            </a:r>
-          </a:p>
-          <a:p>
-            <a:pPr marL="514350" indent="-514350">
-              <a:buFont typeface="+mj-lt"/>
-              <a:buAutoNum type="arabicPeriod" startAt="3"/>
-            </a:pPr>
-            <a:r>
-              <a:rPr lang="en-GB" dirty="0"/>
-              <a:t>Conclusion</a:t>
-            </a:r>
-          </a:p>
-          <a:p>
-            <a:pPr marL="457200" lvl="1" indent="0">
-              <a:buFont typeface="Arial" panose="020B0604020202020204" pitchFamily="34" charset="0"/>
               <a:buNone/>
             </a:pPr>
             <a:endParaRPr lang="en-GB" dirty="0"/>
@@ -4788,6 +4622,52 @@
           </a:p>
         </p:txBody>
       </p:sp>
+      <p:cxnSp>
+        <p:nvCxnSpPr>
+          <p:cNvPr id="8" name="Straight Connector 7">
+            <a:extLst>
+              <a:ext uri="{FF2B5EF4-FFF2-40B4-BE49-F238E27FC236}">
+                <a16:creationId xmlns:a16="http://schemas.microsoft.com/office/drawing/2014/main" id="{F4D6487D-310B-4F6A-BFB3-FE6303C555CA}"/>
+              </a:ext>
+            </a:extLst>
+          </p:cNvPr>
+          <p:cNvCxnSpPr>
+            <a:cxnSpLocks/>
+          </p:cNvCxnSpPr>
+          <p:nvPr/>
+        </p:nvCxnSpPr>
+        <p:spPr>
+          <a:xfrm>
+            <a:off x="951470" y="1482811"/>
+            <a:ext cx="6969211" cy="0"/>
+          </a:xfrm>
+          <a:prstGeom prst="line">
+            <a:avLst/>
+          </a:prstGeom>
+          <a:ln w="76200">
+            <a:solidFill>
+              <a:schemeClr val="tx1">
+                <a:lumMod val="50000"/>
+                <a:lumOff val="50000"/>
+              </a:schemeClr>
+            </a:solidFill>
+          </a:ln>
+        </p:spPr>
+        <p:style>
+          <a:lnRef idx="1">
+            <a:schemeClr val="accent1"/>
+          </a:lnRef>
+          <a:fillRef idx="0">
+            <a:schemeClr val="accent1"/>
+          </a:fillRef>
+          <a:effectRef idx="0">
+            <a:schemeClr val="accent1"/>
+          </a:effectRef>
+          <a:fontRef idx="minor">
+            <a:schemeClr val="tx1"/>
+          </a:fontRef>
+        </p:style>
+      </p:cxnSp>
     </p:spTree>
     <p:extLst>
       <p:ext uri="{BB962C8B-B14F-4D97-AF65-F5344CB8AC3E}">
@@ -4946,7 +4826,7 @@
         </p:nvSpPr>
         <p:spPr>
           <a:xfrm>
-            <a:off x="393356" y="203500"/>
+            <a:off x="838200" y="407000"/>
             <a:ext cx="10515600" cy="1325563"/>
           </a:xfrm>
           <a:prstGeom prst="rect">
@@ -4978,10 +4858,9 @@
           </a:lstStyle>
           <a:p>
             <a:r>
-              <a:rPr lang="en-GB" sz="4800"/>
+              <a:rPr lang="en-GB" sz="4800" dirty="0"/>
               <a:t>Neanderthals</a:t>
             </a:r>
-            <a:endParaRPr lang="en-GB" sz="4800" dirty="0"/>
           </a:p>
         </p:txBody>
       </p:sp>
@@ -5021,6 +4900,52 @@
           </a:prstGeom>
         </p:spPr>
       </p:pic>
+      <p:cxnSp>
+        <p:nvCxnSpPr>
+          <p:cNvPr id="6" name="Straight Connector 5">
+            <a:extLst>
+              <a:ext uri="{FF2B5EF4-FFF2-40B4-BE49-F238E27FC236}">
+                <a16:creationId xmlns:a16="http://schemas.microsoft.com/office/drawing/2014/main" id="{B2C444E0-3D17-4FDA-937A-556518FFDFCF}"/>
+              </a:ext>
+            </a:extLst>
+          </p:cNvPr>
+          <p:cNvCxnSpPr>
+            <a:cxnSpLocks/>
+          </p:cNvCxnSpPr>
+          <p:nvPr/>
+        </p:nvCxnSpPr>
+        <p:spPr>
+          <a:xfrm>
+            <a:off x="951470" y="1482811"/>
+            <a:ext cx="6969211" cy="0"/>
+          </a:xfrm>
+          <a:prstGeom prst="line">
+            <a:avLst/>
+          </a:prstGeom>
+          <a:ln w="76200">
+            <a:solidFill>
+              <a:schemeClr val="tx1">
+                <a:lumMod val="50000"/>
+                <a:lumOff val="50000"/>
+              </a:schemeClr>
+            </a:solidFill>
+          </a:ln>
+        </p:spPr>
+        <p:style>
+          <a:lnRef idx="1">
+            <a:schemeClr val="accent1"/>
+          </a:lnRef>
+          <a:fillRef idx="0">
+            <a:schemeClr val="accent1"/>
+          </a:fillRef>
+          <a:effectRef idx="0">
+            <a:schemeClr val="accent1"/>
+          </a:effectRef>
+          <a:fontRef idx="minor">
+            <a:schemeClr val="tx1"/>
+          </a:fontRef>
+        </p:style>
+      </p:cxnSp>
     </p:spTree>
     <p:extLst>
       <p:ext uri="{BB962C8B-B14F-4D97-AF65-F5344CB8AC3E}">
@@ -5121,7 +5046,7 @@
         </p:nvSpPr>
         <p:spPr>
           <a:xfrm>
-            <a:off x="393356" y="203500"/>
+            <a:off x="563684" y="-44417"/>
             <a:ext cx="10515600" cy="1325563"/>
           </a:xfrm>
         </p:spPr>
@@ -5223,6 +5148,52 @@
           </a:prstGeom>
         </p:spPr>
       </p:pic>
+      <p:cxnSp>
+        <p:nvCxnSpPr>
+          <p:cNvPr id="6" name="Straight Connector 5">
+            <a:extLst>
+              <a:ext uri="{FF2B5EF4-FFF2-40B4-BE49-F238E27FC236}">
+                <a16:creationId xmlns:a16="http://schemas.microsoft.com/office/drawing/2014/main" id="{24659880-42CF-4869-9B2F-96ABCCF23137}"/>
+              </a:ext>
+            </a:extLst>
+          </p:cNvPr>
+          <p:cNvCxnSpPr>
+            <a:cxnSpLocks/>
+          </p:cNvCxnSpPr>
+          <p:nvPr/>
+        </p:nvCxnSpPr>
+        <p:spPr>
+          <a:xfrm>
+            <a:off x="654908" y="1037968"/>
+            <a:ext cx="6969211" cy="0"/>
+          </a:xfrm>
+          <a:prstGeom prst="line">
+            <a:avLst/>
+          </a:prstGeom>
+          <a:ln w="76200">
+            <a:solidFill>
+              <a:schemeClr val="tx1">
+                <a:lumMod val="50000"/>
+                <a:lumOff val="50000"/>
+              </a:schemeClr>
+            </a:solidFill>
+          </a:ln>
+        </p:spPr>
+        <p:style>
+          <a:lnRef idx="1">
+            <a:schemeClr val="accent1"/>
+          </a:lnRef>
+          <a:fillRef idx="0">
+            <a:schemeClr val="accent1"/>
+          </a:fillRef>
+          <a:effectRef idx="0">
+            <a:schemeClr val="accent1"/>
+          </a:effectRef>
+          <a:fontRef idx="minor">
+            <a:schemeClr val="tx1"/>
+          </a:fontRef>
+        </p:style>
+      </p:cxnSp>
     </p:spTree>
     <p:extLst>
       <p:ext uri="{BB962C8B-B14F-4D97-AF65-F5344CB8AC3E}">
@@ -5271,7 +5242,7 @@
         </p:nvSpPr>
         <p:spPr>
           <a:xfrm>
-            <a:off x="393356" y="138112"/>
+            <a:off x="393356" y="24113"/>
             <a:ext cx="10515600" cy="1325563"/>
           </a:xfrm>
         </p:spPr>
@@ -5279,6 +5250,13 @@
           <a:bodyPr/>
           <a:lstStyle/>
           <a:p>
+            <a:r>
+              <a:rPr lang="en-GB" sz="2800" dirty="0"/>
+              <a:t>Genetic Analysis</a:t>
+            </a:r>
+            <a:br>
+              <a:rPr lang="en-GB" dirty="0"/>
+            </a:br>
             <a:r>
               <a:rPr lang="en-GB" dirty="0"/>
               <a:t>Mitochondrial DNA (mtDNA)</a:t>
@@ -5513,6 +5491,52 @@
           </a:xfrm>
         </p:spPr>
       </p:pic>
+      <p:cxnSp>
+        <p:nvCxnSpPr>
+          <p:cNvPr id="8" name="Straight Connector 7">
+            <a:extLst>
+              <a:ext uri="{FF2B5EF4-FFF2-40B4-BE49-F238E27FC236}">
+                <a16:creationId xmlns:a16="http://schemas.microsoft.com/office/drawing/2014/main" id="{A18897BC-5E3B-47AC-AD7C-404E8816015B}"/>
+              </a:ext>
+            </a:extLst>
+          </p:cNvPr>
+          <p:cNvCxnSpPr>
+            <a:cxnSpLocks/>
+          </p:cNvCxnSpPr>
+          <p:nvPr/>
+        </p:nvCxnSpPr>
+        <p:spPr>
+          <a:xfrm>
+            <a:off x="506627" y="1235676"/>
+            <a:ext cx="6462584" cy="0"/>
+          </a:xfrm>
+          <a:prstGeom prst="line">
+            <a:avLst/>
+          </a:prstGeom>
+          <a:ln w="76200">
+            <a:solidFill>
+              <a:schemeClr val="tx1">
+                <a:lumMod val="50000"/>
+                <a:lumOff val="50000"/>
+              </a:schemeClr>
+            </a:solidFill>
+          </a:ln>
+        </p:spPr>
+        <p:style>
+          <a:lnRef idx="1">
+            <a:schemeClr val="accent1"/>
+          </a:lnRef>
+          <a:fillRef idx="0">
+            <a:schemeClr val="accent1"/>
+          </a:fillRef>
+          <a:effectRef idx="0">
+            <a:schemeClr val="accent1"/>
+          </a:effectRef>
+          <a:fontRef idx="minor">
+            <a:schemeClr val="tx1"/>
+          </a:fontRef>
+        </p:style>
+      </p:cxnSp>
     </p:spTree>
     <p:extLst>
       <p:ext uri="{BB962C8B-B14F-4D97-AF65-F5344CB8AC3E}">
@@ -5561,14 +5585,23 @@
         </p:nvSpPr>
         <p:spPr>
           <a:xfrm>
-            <a:off x="307888" y="11576"/>
+            <a:off x="252606" y="-111217"/>
             <a:ext cx="10515600" cy="1325563"/>
           </a:xfrm>
         </p:spPr>
         <p:txBody>
-          <a:bodyPr/>
-          <a:lstStyle/>
-          <a:p>
+          <a:bodyPr>
+            <a:normAutofit/>
+          </a:bodyPr>
+          <a:lstStyle/>
+          <a:p>
+            <a:r>
+              <a:rPr lang="en-GB" sz="2800" dirty="0"/>
+              <a:t>Genetic Analysis</a:t>
+            </a:r>
+            <a:br>
+              <a:rPr lang="en-GB" dirty="0"/>
+            </a:br>
             <a:r>
               <a:rPr lang="en-GB" dirty="0"/>
               <a:t>Genealogical DNA-Testing</a:t>
@@ -6111,6 +6144,52 @@
           </a:p>
         </p:txBody>
       </p:sp>
+      <p:cxnSp>
+        <p:nvCxnSpPr>
+          <p:cNvPr id="15" name="Straight Connector 14">
+            <a:extLst>
+              <a:ext uri="{FF2B5EF4-FFF2-40B4-BE49-F238E27FC236}">
+                <a16:creationId xmlns:a16="http://schemas.microsoft.com/office/drawing/2014/main" id="{F5087278-9574-45EA-96A2-DCBA47C02674}"/>
+              </a:ext>
+            </a:extLst>
+          </p:cNvPr>
+          <p:cNvCxnSpPr>
+            <a:cxnSpLocks/>
+          </p:cNvCxnSpPr>
+          <p:nvPr/>
+        </p:nvCxnSpPr>
+        <p:spPr>
+          <a:xfrm>
+            <a:off x="252606" y="1112109"/>
+            <a:ext cx="6969211" cy="0"/>
+          </a:xfrm>
+          <a:prstGeom prst="line">
+            <a:avLst/>
+          </a:prstGeom>
+          <a:ln w="76200">
+            <a:solidFill>
+              <a:schemeClr val="tx1">
+                <a:lumMod val="50000"/>
+                <a:lumOff val="50000"/>
+              </a:schemeClr>
+            </a:solidFill>
+          </a:ln>
+        </p:spPr>
+        <p:style>
+          <a:lnRef idx="1">
+            <a:schemeClr val="accent1"/>
+          </a:lnRef>
+          <a:fillRef idx="0">
+            <a:schemeClr val="accent1"/>
+          </a:fillRef>
+          <a:effectRef idx="0">
+            <a:schemeClr val="accent1"/>
+          </a:effectRef>
+          <a:fontRef idx="minor">
+            <a:schemeClr val="tx1"/>
+          </a:fontRef>
+        </p:style>
+      </p:cxnSp>
     </p:spTree>
     <p:extLst>
       <p:ext uri="{BB962C8B-B14F-4D97-AF65-F5344CB8AC3E}">
@@ -6149,6 +6228,36 @@
           <a:chExt cx="0" cy="0"/>
         </a:xfrm>
       </p:grpSpPr>
+      <p:pic>
+        <p:nvPicPr>
+          <p:cNvPr id="3" name="Picture 2">
+            <a:extLst>
+              <a:ext uri="{FF2B5EF4-FFF2-40B4-BE49-F238E27FC236}">
+                <a16:creationId xmlns:a16="http://schemas.microsoft.com/office/drawing/2014/main" id="{910C94A4-0A24-4B3C-BAFB-E3CDA7D9C6B8}"/>
+              </a:ext>
+            </a:extLst>
+          </p:cNvPr>
+          <p:cNvPicPr>
+            <a:picLocks noChangeAspect="1"/>
+          </p:cNvPicPr>
+          <p:nvPr/>
+        </p:nvPicPr>
+        <p:blipFill>
+          <a:blip r:embed="rId2"/>
+          <a:stretch>
+            <a:fillRect/>
+          </a:stretch>
+        </p:blipFill>
+        <p:spPr>
+          <a:xfrm>
+            <a:off x="282145" y="5152767"/>
+            <a:ext cx="7113094" cy="1322945"/>
+          </a:xfrm>
+          <a:prstGeom prst="rect">
+            <a:avLst/>
+          </a:prstGeom>
+        </p:spPr>
+      </p:pic>
       <p:sp>
         <p:nvSpPr>
           <p:cNvPr id="8" name="Rectangle 7">
@@ -6219,7 +6328,7 @@
         </p:nvSpPr>
         <p:spPr>
           <a:xfrm>
-            <a:off x="393356" y="203500"/>
+            <a:off x="282145" y="3618"/>
             <a:ext cx="10515600" cy="1325563"/>
           </a:xfrm>
         </p:spPr>
@@ -6230,6 +6339,13 @@
           <a:lstStyle/>
           <a:p>
             <a:r>
+              <a:rPr lang="en-GB" sz="2800" dirty="0"/>
+              <a:t>Experimental procedure</a:t>
+            </a:r>
+            <a:br>
+              <a:rPr lang="en-GB" sz="4800" dirty="0"/>
+            </a:br>
+            <a:r>
               <a:rPr lang="en-GB" sz="4800" dirty="0"/>
               <a:t>Genetic Distances</a:t>
             </a:r>
@@ -6253,7 +6369,7 @@
           </p:nvPr>
         </p:nvPicPr>
         <p:blipFill>
-          <a:blip r:embed="rId2">
+          <a:blip r:embed="rId3">
             <a:extLst>
               <a:ext uri="{28A0092B-C50C-407E-A947-70E740481C1C}">
                 <a14:useLocalDpi xmlns:a14="http://schemas.microsoft.com/office/drawing/2010/main" val="0"/>
@@ -6266,11 +6382,157 @@
         </p:blipFill>
         <p:spPr>
           <a:xfrm>
-            <a:off x="209981" y="1253330"/>
-            <a:ext cx="5645062" cy="5604669"/>
+            <a:off x="5326243" y="1043760"/>
+            <a:ext cx="5856144" cy="5814240"/>
           </a:xfrm>
         </p:spPr>
       </p:pic>
+      <p:sp>
+        <p:nvSpPr>
+          <p:cNvPr id="4" name="Rectangle 3">
+            <a:extLst>
+              <a:ext uri="{FF2B5EF4-FFF2-40B4-BE49-F238E27FC236}">
+                <a16:creationId xmlns:a16="http://schemas.microsoft.com/office/drawing/2014/main" id="{7E77E765-2564-464C-AD65-0A702B5FA6C4}"/>
+              </a:ext>
+            </a:extLst>
+          </p:cNvPr>
+          <p:cNvSpPr/>
+          <p:nvPr/>
+        </p:nvSpPr>
+        <p:spPr>
+          <a:xfrm>
+            <a:off x="282145" y="1422686"/>
+            <a:ext cx="7749748" cy="2954655"/>
+          </a:xfrm>
+          <a:prstGeom prst="rect">
+            <a:avLst/>
+          </a:prstGeom>
+        </p:spPr>
+        <p:txBody>
+          <a:bodyPr wrap="square">
+            <a:spAutoFit/>
+          </a:bodyPr>
+          <a:lstStyle/>
+          <a:p>
+            <a:r>
+              <a:rPr lang="en-GB" sz="2400" dirty="0"/>
+              <a:t>Calculated mean distances… </a:t>
+            </a:r>
+          </a:p>
+          <a:p>
+            <a:pPr marL="800100" lvl="1" indent="-342900">
+              <a:buFont typeface="Arial" panose="020B0604020202020204" pitchFamily="34" charset="0"/>
+              <a:buChar char="•"/>
+            </a:pPr>
+            <a:r>
+              <a:rPr lang="en-GB" sz="2400" dirty="0"/>
+              <a:t>among any two H. sapiens:</a:t>
+            </a:r>
+          </a:p>
+          <a:p>
+            <a:pPr lvl="1"/>
+            <a:r>
+              <a:rPr lang="en-US" altLang="en-US" sz="2400" dirty="0">
+                <a:latin typeface="Arial Unicode MS"/>
+              </a:rPr>
+              <a:t>		0.0890</a:t>
+            </a:r>
+            <a:r>
+              <a:rPr lang="en-US" altLang="en-US" sz="2000" dirty="0"/>
+              <a:t> </a:t>
+            </a:r>
+            <a:endParaRPr lang="en-GB" sz="2400" dirty="0"/>
+          </a:p>
+          <a:p>
+            <a:pPr marL="800100" lvl="1" indent="-342900">
+              <a:buFont typeface="Arial" panose="020B0604020202020204" pitchFamily="34" charset="0"/>
+              <a:buChar char="•"/>
+            </a:pPr>
+            <a:r>
+              <a:rPr lang="en-GB" sz="2400" dirty="0"/>
+              <a:t>between Neanderthal and any </a:t>
+            </a:r>
+          </a:p>
+          <a:p>
+            <a:pPr lvl="1"/>
+            <a:r>
+              <a:rPr lang="en-GB" sz="2400" dirty="0"/>
+              <a:t>     modern human:</a:t>
+            </a:r>
+          </a:p>
+          <a:p>
+            <a:r>
+              <a:rPr lang="en-GB" sz="2400" dirty="0"/>
+              <a:t>		</a:t>
+            </a:r>
+            <a:r>
+              <a:rPr lang="en-US" altLang="en-US" sz="2400" dirty="0">
+                <a:latin typeface="Arial Unicode MS"/>
+              </a:rPr>
+              <a:t>1.0739</a:t>
+            </a:r>
+            <a:r>
+              <a:rPr lang="en-US" altLang="en-US" sz="2000" dirty="0"/>
+              <a:t> </a:t>
+            </a:r>
+            <a:endParaRPr lang="en-US" altLang="en-US" sz="4800" dirty="0">
+              <a:latin typeface="Arial" panose="020B0604020202020204" pitchFamily="34" charset="0"/>
+            </a:endParaRPr>
+          </a:p>
+          <a:p>
+            <a:endParaRPr lang="en-GB" sz="2400" dirty="0"/>
+          </a:p>
+          <a:p>
+            <a:endParaRPr lang="en-GB" dirty="0"/>
+          </a:p>
+        </p:txBody>
+      </p:sp>
+      <p:cxnSp>
+        <p:nvCxnSpPr>
+          <p:cNvPr id="11" name="Straight Connector 10">
+            <a:extLst>
+              <a:ext uri="{FF2B5EF4-FFF2-40B4-BE49-F238E27FC236}">
+                <a16:creationId xmlns:a16="http://schemas.microsoft.com/office/drawing/2014/main" id="{2EFFEE42-32F1-450E-B860-A51F36F58358}"/>
+              </a:ext>
+            </a:extLst>
+          </p:cNvPr>
+          <p:cNvCxnSpPr>
+            <a:cxnSpLocks/>
+          </p:cNvCxnSpPr>
+          <p:nvPr/>
+        </p:nvCxnSpPr>
+        <p:spPr>
+          <a:xfrm>
+            <a:off x="426028" y="1235676"/>
+            <a:ext cx="4900215" cy="0"/>
+          </a:xfrm>
+          <a:prstGeom prst="line">
+            <a:avLst/>
+          </a:prstGeom>
+          <a:ln w="76200">
+            <a:solidFill>
+              <a:schemeClr val="tx1">
+                <a:lumMod val="50000"/>
+                <a:lumOff val="50000"/>
+              </a:schemeClr>
+            </a:solidFill>
+          </a:ln>
+        </p:spPr>
+        <p:style>
+          <a:lnRef idx="1">
+            <a:schemeClr val="accent1"/>
+          </a:lnRef>
+          <a:fillRef idx="0">
+            <a:schemeClr val="accent1"/>
+          </a:fillRef>
+          <a:effectRef idx="0">
+            <a:schemeClr val="accent1"/>
+          </a:effectRef>
+          <a:fontRef idx="minor">
+            <a:schemeClr val="tx1"/>
+          </a:fontRef>
+        </p:style>
+      </p:cxnSp>
     </p:spTree>
     <p:extLst>
       <p:ext uri="{BB962C8B-B14F-4D97-AF65-F5344CB8AC3E}">
@@ -6303,51 +6565,161 @@
       </p:grpSpPr>
       <p:sp>
         <p:nvSpPr>
-          <p:cNvPr id="2" name="Title 1">
-            <a:extLst>
-              <a:ext uri="{FF2B5EF4-FFF2-40B4-BE49-F238E27FC236}">
-                <a16:creationId xmlns:a16="http://schemas.microsoft.com/office/drawing/2014/main" id="{76EA7436-33CA-4F19-B60E-0F2DFF56D5D8}"/>
-              </a:ext>
-            </a:extLst>
-          </p:cNvPr>
-          <p:cNvSpPr>
-            <a:spLocks noGrp="1"/>
-          </p:cNvSpPr>
-          <p:nvPr>
-            <p:ph type="title"/>
-          </p:nvPr>
-        </p:nvSpPr>
-        <p:spPr/>
-        <p:txBody>
-          <a:bodyPr/>
-          <a:lstStyle/>
-          <a:p>
-            <a:endParaRPr lang="en-GB" dirty="0"/>
-          </a:p>
-        </p:txBody>
-      </p:sp>
-      <p:sp>
-        <p:nvSpPr>
-          <p:cNvPr id="3" name="Content Placeholder 2">
-            <a:extLst>
-              <a:ext uri="{FF2B5EF4-FFF2-40B4-BE49-F238E27FC236}">
-                <a16:creationId xmlns:a16="http://schemas.microsoft.com/office/drawing/2014/main" id="{09021D47-F7B3-492B-AA9A-1E13A19FC35D}"/>
-              </a:ext>
-            </a:extLst>
-          </p:cNvPr>
-          <p:cNvSpPr>
-            <a:spLocks noGrp="1"/>
-          </p:cNvSpPr>
-          <p:nvPr>
-            <p:ph idx="1"/>
-          </p:nvPr>
-        </p:nvSpPr>
-        <p:spPr/>
-        <p:txBody>
-          <a:bodyPr/>
-          <a:lstStyle/>
-          <a:p>
-            <a:endParaRPr lang="en-GB" dirty="0"/>
+          <p:cNvPr id="5" name="Title 1">
+            <a:extLst>
+              <a:ext uri="{FF2B5EF4-FFF2-40B4-BE49-F238E27FC236}">
+                <a16:creationId xmlns:a16="http://schemas.microsoft.com/office/drawing/2014/main" id="{B62EFEEB-EF18-44DA-B0B0-9BC364071594}"/>
+              </a:ext>
+            </a:extLst>
+          </p:cNvPr>
+          <p:cNvSpPr txBox="1">
+            <a:spLocks/>
+          </p:cNvSpPr>
+          <p:nvPr/>
+        </p:nvSpPr>
+        <p:spPr>
+          <a:xfrm>
+            <a:off x="282145" y="3618"/>
+            <a:ext cx="10515600" cy="1325563"/>
+          </a:xfrm>
+          <a:prstGeom prst="rect">
+            <a:avLst/>
+          </a:prstGeom>
+        </p:spPr>
+        <p:txBody>
+          <a:bodyPr vert="horz" lIns="91440" tIns="45720" rIns="91440" bIns="45720" rtlCol="0" anchor="ctr">
+            <a:normAutofit/>
+          </a:bodyPr>
+          <a:lstStyle>
+            <a:lvl1pPr algn="l" defTabSz="914400" rtl="0" eaLnBrk="1" latinLnBrk="0" hangingPunct="1">
+              <a:lnSpc>
+                <a:spcPct val="90000"/>
+              </a:lnSpc>
+              <a:spcBef>
+                <a:spcPct val="0"/>
+              </a:spcBef>
+              <a:buNone/>
+              <a:defRPr sz="4400" kern="1200">
+                <a:solidFill>
+                  <a:schemeClr val="tx1"/>
+                </a:solidFill>
+                <a:latin typeface="+mj-lt"/>
+                <a:ea typeface="+mj-ea"/>
+                <a:cs typeface="+mj-cs"/>
+              </a:defRPr>
+            </a:lvl1pPr>
+          </a:lstStyle>
+          <a:p>
+            <a:r>
+              <a:rPr lang="en-GB" sz="2800"/>
+              <a:t>Experimental procedure</a:t>
+            </a:r>
+            <a:br>
+              <a:rPr lang="en-GB" sz="4800"/>
+            </a:br>
+            <a:r>
+              <a:rPr lang="en-GB" sz="4800"/>
+              <a:t>Genetic Distances</a:t>
+            </a:r>
+            <a:endParaRPr lang="en-GB" sz="4800" dirty="0"/>
+          </a:p>
+        </p:txBody>
+      </p:sp>
+      <p:cxnSp>
+        <p:nvCxnSpPr>
+          <p:cNvPr id="6" name="Straight Connector 5">
+            <a:extLst>
+              <a:ext uri="{FF2B5EF4-FFF2-40B4-BE49-F238E27FC236}">
+                <a16:creationId xmlns:a16="http://schemas.microsoft.com/office/drawing/2014/main" id="{3138E47E-D24E-495E-AE36-9E8A64C598EC}"/>
+              </a:ext>
+            </a:extLst>
+          </p:cNvPr>
+          <p:cNvCxnSpPr>
+            <a:cxnSpLocks/>
+          </p:cNvCxnSpPr>
+          <p:nvPr/>
+        </p:nvCxnSpPr>
+        <p:spPr>
+          <a:xfrm>
+            <a:off x="426028" y="1235676"/>
+            <a:ext cx="4900215" cy="0"/>
+          </a:xfrm>
+          <a:prstGeom prst="line">
+            <a:avLst/>
+          </a:prstGeom>
+          <a:ln w="76200">
+            <a:solidFill>
+              <a:schemeClr val="tx1">
+                <a:lumMod val="50000"/>
+                <a:lumOff val="50000"/>
+              </a:schemeClr>
+            </a:solidFill>
+          </a:ln>
+        </p:spPr>
+        <p:style>
+          <a:lnRef idx="1">
+            <a:schemeClr val="accent1"/>
+          </a:lnRef>
+          <a:fillRef idx="0">
+            <a:schemeClr val="accent1"/>
+          </a:fillRef>
+          <a:effectRef idx="0">
+            <a:schemeClr val="accent1"/>
+          </a:effectRef>
+          <a:fontRef idx="minor">
+            <a:schemeClr val="tx1"/>
+          </a:fontRef>
+        </p:style>
+      </p:cxnSp>
+      <p:sp>
+        <p:nvSpPr>
+          <p:cNvPr id="7" name="Rectangle 6">
+            <a:extLst>
+              <a:ext uri="{FF2B5EF4-FFF2-40B4-BE49-F238E27FC236}">
+                <a16:creationId xmlns:a16="http://schemas.microsoft.com/office/drawing/2014/main" id="{1BC333F5-FF0A-4F14-84ED-DE5727AC3232}"/>
+              </a:ext>
+            </a:extLst>
+          </p:cNvPr>
+          <p:cNvSpPr/>
+          <p:nvPr/>
+        </p:nvSpPr>
+        <p:spPr>
+          <a:xfrm>
+            <a:off x="11353800" y="0"/>
+            <a:ext cx="838200" cy="6858000"/>
+          </a:xfrm>
+          <a:prstGeom prst="rect">
+            <a:avLst/>
+          </a:prstGeom>
+          <a:solidFill>
+            <a:schemeClr val="tx1">
+              <a:lumMod val="65000"/>
+              <a:lumOff val="35000"/>
+            </a:schemeClr>
+          </a:solidFill>
+        </p:spPr>
+        <p:style>
+          <a:lnRef idx="2">
+            <a:schemeClr val="accent1">
+              <a:shade val="50000"/>
+            </a:schemeClr>
+          </a:lnRef>
+          <a:fillRef idx="1">
+            <a:schemeClr val="accent1"/>
+          </a:fillRef>
+          <a:effectRef idx="0">
+            <a:schemeClr val="accent1"/>
+          </a:effectRef>
+          <a:fontRef idx="minor">
+            <a:schemeClr val="lt1"/>
+          </a:fontRef>
+        </p:style>
+        <p:txBody>
+          <a:bodyPr rtlCol="0" anchor="ctr"/>
+          <a:lstStyle/>
+          <a:p>
+            <a:pPr algn="ctr"/>
+            <a:endParaRPr lang="en-GB"/>
           </a:p>
         </p:txBody>
       </p:sp>
@@ -6486,6 +6858,52 @@
           </a:p>
         </p:txBody>
       </p:sp>
+      <p:cxnSp>
+        <p:nvCxnSpPr>
+          <p:cNvPr id="5" name="Straight Connector 4">
+            <a:extLst>
+              <a:ext uri="{FF2B5EF4-FFF2-40B4-BE49-F238E27FC236}">
+                <a16:creationId xmlns:a16="http://schemas.microsoft.com/office/drawing/2014/main" id="{AD66C3A4-5BB5-4A17-8C8C-3CEBEF9347CA}"/>
+              </a:ext>
+            </a:extLst>
+          </p:cNvPr>
+          <p:cNvCxnSpPr>
+            <a:cxnSpLocks/>
+          </p:cNvCxnSpPr>
+          <p:nvPr/>
+        </p:nvCxnSpPr>
+        <p:spPr>
+          <a:xfrm>
+            <a:off x="951470" y="1482811"/>
+            <a:ext cx="6969211" cy="0"/>
+          </a:xfrm>
+          <a:prstGeom prst="line">
+            <a:avLst/>
+          </a:prstGeom>
+          <a:ln w="76200">
+            <a:solidFill>
+              <a:schemeClr val="tx1">
+                <a:lumMod val="50000"/>
+                <a:lumOff val="50000"/>
+              </a:schemeClr>
+            </a:solidFill>
+          </a:ln>
+        </p:spPr>
+        <p:style>
+          <a:lnRef idx="1">
+            <a:schemeClr val="accent1"/>
+          </a:lnRef>
+          <a:fillRef idx="0">
+            <a:schemeClr val="accent1"/>
+          </a:fillRef>
+          <a:effectRef idx="0">
+            <a:schemeClr val="accent1"/>
+          </a:effectRef>
+          <a:fontRef idx="minor">
+            <a:schemeClr val="tx1"/>
+          </a:fontRef>
+        </p:style>
+      </p:cxnSp>
     </p:spTree>
     <p:extLst>
       <p:ext uri="{BB962C8B-B14F-4D97-AF65-F5344CB8AC3E}">

--- a/humans_demo/Humans.pptx
+++ b/humans_demo/Humans.pptx
@@ -475,6 +475,90 @@
 </file>
 
 <file path=ppt/notesSlides/notesSlide1.xml><?xml version="1.0" encoding="utf-8"?>
+<p:notes xmlns:a="http://schemas.openxmlformats.org/drawingml/2006/main" xmlns:r="http://schemas.openxmlformats.org/officeDocument/2006/relationships" xmlns:p="http://schemas.openxmlformats.org/presentationml/2006/main">
+  <p:cSld>
+    <p:spTree>
+      <p:nvGrpSpPr>
+        <p:cNvPr id="1" name=""/>
+        <p:cNvGrpSpPr/>
+        <p:nvPr/>
+      </p:nvGrpSpPr>
+      <p:grpSpPr>
+        <a:xfrm>
+          <a:off x="0" y="0"/>
+          <a:ext cx="0" cy="0"/>
+          <a:chOff x="0" y="0"/>
+          <a:chExt cx="0" cy="0"/>
+        </a:xfrm>
+      </p:grpSpPr>
+      <p:sp>
+        <p:nvSpPr>
+          <p:cNvPr id="2" name="Slide Image Placeholder 1"/>
+          <p:cNvSpPr>
+            <a:spLocks noGrp="1" noRot="1" noChangeAspect="1"/>
+          </p:cNvSpPr>
+          <p:nvPr>
+            <p:ph type="sldImg"/>
+          </p:nvPr>
+        </p:nvSpPr>
+        <p:spPr/>
+      </p:sp>
+      <p:sp>
+        <p:nvSpPr>
+          <p:cNvPr id="3" name="Notes Placeholder 2"/>
+          <p:cNvSpPr>
+            <a:spLocks noGrp="1"/>
+          </p:cNvSpPr>
+          <p:nvPr>
+            <p:ph type="body" idx="1"/>
+          </p:nvPr>
+        </p:nvSpPr>
+        <p:spPr/>
+        <p:txBody>
+          <a:bodyPr/>
+          <a:lstStyle/>
+          <a:p>
+            <a:endParaRPr lang="en-GB" dirty="0"/>
+          </a:p>
+        </p:txBody>
+      </p:sp>
+      <p:sp>
+        <p:nvSpPr>
+          <p:cNvPr id="4" name="Slide Number Placeholder 3"/>
+          <p:cNvSpPr>
+            <a:spLocks noGrp="1"/>
+          </p:cNvSpPr>
+          <p:nvPr>
+            <p:ph type="sldNum" sz="quarter" idx="5"/>
+          </p:nvPr>
+        </p:nvSpPr>
+        <p:spPr/>
+        <p:txBody>
+          <a:bodyPr/>
+          <a:lstStyle/>
+          <a:p>
+            <a:fld id="{5EB7C7D4-EFFD-43A8-9F3E-05F70B5E7F62}" type="slidenum">
+              <a:rPr lang="en-GB" smtClean="0"/>
+              <a:t>4</a:t>
+            </a:fld>
+            <a:endParaRPr lang="en-GB"/>
+          </a:p>
+        </p:txBody>
+      </p:sp>
+    </p:spTree>
+    <p:extLst>
+      <p:ext uri="{BB962C8B-B14F-4D97-AF65-F5344CB8AC3E}">
+        <p14:creationId xmlns:p14="http://schemas.microsoft.com/office/powerpoint/2010/main" val="3563001362"/>
+      </p:ext>
+    </p:extLst>
+  </p:cSld>
+  <p:clrMapOvr>
+    <a:masterClrMapping/>
+  </p:clrMapOvr>
+</p:notes>
+</file>
+
+<file path=ppt/notesSlides/notesSlide2.xml><?xml version="1.0" encoding="utf-8"?>
 <p:notes xmlns:a="http://schemas.openxmlformats.org/drawingml/2006/main" xmlns:r="http://schemas.openxmlformats.org/officeDocument/2006/relationships" xmlns:p="http://schemas.openxmlformats.org/presentationml/2006/main">
   <p:cSld>
     <p:spTree>
@@ -4225,7 +4309,7 @@
           <a:p>
             <a:r>
               <a:rPr lang="en-GB" dirty="0"/>
-              <a:t>title picture: </a:t>
+              <a:t>title picture (skulls): </a:t>
             </a:r>
             <a:r>
               <a:rPr lang="en-GB" dirty="0" err="1"/>
@@ -5093,13 +5177,13 @@
           <a:p>
             <a:r>
               <a:rPr lang="en-GB" dirty="0"/>
-              <a:t>202 differences in mtDNA  compared to humans</a:t>
+              <a:t> About 202 differences in mtDNA  compared to humans</a:t>
             </a:r>
           </a:p>
           <a:p>
             <a:r>
               <a:rPr lang="en-GB" dirty="0"/>
-              <a:t>Probable geneflow from Neanderthals to Humans</a:t>
+              <a:t>Geneflow from Neanderthals to Humans</a:t>
             </a:r>
           </a:p>
           <a:p>
@@ -5128,7 +5212,7 @@
           <p:nvPr/>
         </p:nvPicPr>
         <p:blipFill rotWithShape="1">
-          <a:blip r:embed="rId2">
+          <a:blip r:embed="rId3">
             <a:extLst>
               <a:ext uri="{28A0092B-C50C-407E-A947-70E740481C1C}">
                 <a14:useLocalDpi xmlns:a14="http://schemas.microsoft.com/office/drawing/2010/main" val="0"/>
@@ -6250,8 +6334,8 @@
         </p:blipFill>
         <p:spPr>
           <a:xfrm>
-            <a:off x="282145" y="5152767"/>
-            <a:ext cx="7113094" cy="1322945"/>
+            <a:off x="282145" y="4377341"/>
+            <a:ext cx="10779587" cy="2004866"/>
           </a:xfrm>
           <a:prstGeom prst="rect">
             <a:avLst/>
@@ -6352,41 +6436,6 @@
           </a:p>
         </p:txBody>
       </p:sp>
-      <p:pic>
-        <p:nvPicPr>
-          <p:cNvPr id="10" name="Content Placeholder 9">
-            <a:extLst>
-              <a:ext uri="{FF2B5EF4-FFF2-40B4-BE49-F238E27FC236}">
-                <a16:creationId xmlns:a16="http://schemas.microsoft.com/office/drawing/2014/main" id="{5919CFBC-B260-4467-83F8-37C6A613FB0C}"/>
-              </a:ext>
-            </a:extLst>
-          </p:cNvPr>
-          <p:cNvPicPr>
-            <a:picLocks noGrp="1" noChangeAspect="1"/>
-          </p:cNvPicPr>
-          <p:nvPr>
-            <p:ph idx="1"/>
-          </p:nvPr>
-        </p:nvPicPr>
-        <p:blipFill>
-          <a:blip r:embed="rId3">
-            <a:extLst>
-              <a:ext uri="{28A0092B-C50C-407E-A947-70E740481C1C}">
-                <a14:useLocalDpi xmlns:a14="http://schemas.microsoft.com/office/drawing/2010/main" val="0"/>
-              </a:ext>
-            </a:extLst>
-          </a:blip>
-          <a:stretch>
-            <a:fillRect/>
-          </a:stretch>
-        </p:blipFill>
-        <p:spPr>
-          <a:xfrm>
-            <a:off x="5326243" y="1043760"/>
-            <a:ext cx="5856144" cy="5814240"/>
-          </a:xfrm>
-        </p:spPr>
-      </p:pic>
       <p:sp>
         <p:nvSpPr>
           <p:cNvPr id="4" name="Rectangle 3">
@@ -6401,8 +6450,8 @@
         </p:nvSpPr>
         <p:spPr>
           <a:xfrm>
-            <a:off x="282145" y="1422686"/>
-            <a:ext cx="7749748" cy="2954655"/>
+            <a:off x="426028" y="1706891"/>
+            <a:ext cx="9084277" cy="2954655"/>
           </a:xfrm>
           <a:prstGeom prst="rect">
             <a:avLst/>
@@ -6418,6 +6467,9 @@
               <a:rPr lang="en-GB" sz="2400" dirty="0"/>
               <a:t>Calculated mean distances… </a:t>
             </a:r>
+          </a:p>
+          <a:p>
+            <a:endParaRPr lang="en-GB" sz="2400" dirty="0"/>
           </a:p>
           <a:p>
             <a:pPr marL="800100" lvl="1" indent="-342900">
@@ -6426,8 +6478,15 @@
             </a:pPr>
             <a:r>
               <a:rPr lang="en-GB" sz="2400" dirty="0"/>
-              <a:t>among any two H. sapiens:</a:t>
-            </a:r>
+              <a:t>among any two H. sapiens: </a:t>
+            </a:r>
+            <a:r>
+              <a:rPr lang="en-US" altLang="en-US" sz="2400" b="1" dirty="0">
+                <a:latin typeface="Arial Unicode MS"/>
+              </a:rPr>
+              <a:t>0.0890</a:t>
+            </a:r>
+            <a:endParaRPr lang="en-GB" sz="2400" b="1" dirty="0"/>
           </a:p>
           <a:p>
             <a:pPr lvl="1"/>
@@ -6435,11 +6494,7 @@
               <a:rPr lang="en-US" altLang="en-US" sz="2400" dirty="0">
                 <a:latin typeface="Arial Unicode MS"/>
               </a:rPr>
-              <a:t>		0.0890</a:t>
-            </a:r>
-            <a:r>
-              <a:rPr lang="en-US" altLang="en-US" sz="2000" dirty="0"/>
-              <a:t> </a:t>
+              <a:t>		</a:t>
             </a:r>
             <a:endParaRPr lang="en-GB" sz="2400" dirty="0"/>
           </a:p>
@@ -6450,30 +6505,20 @@
             </a:pPr>
             <a:r>
               <a:rPr lang="en-GB" sz="2400" dirty="0"/>
-              <a:t>between Neanderthal and any </a:t>
-            </a:r>
-          </a:p>
-          <a:p>
-            <a:pPr lvl="1"/>
-            <a:r>
-              <a:rPr lang="en-GB" sz="2400" dirty="0"/>
-              <a:t>     modern human:</a:t>
-            </a:r>
-          </a:p>
-          <a:p>
-            <a:r>
-              <a:rPr lang="en-GB" sz="2400" dirty="0"/>
-              <a:t>		</a:t>
-            </a:r>
-            <a:r>
-              <a:rPr lang="en-US" altLang="en-US" sz="2400" dirty="0">
+              <a:t>between Neanderthal and any modern human: </a:t>
+            </a:r>
+            <a:r>
+              <a:rPr lang="en-US" altLang="en-US" sz="2400" b="1" dirty="0">
                 <a:latin typeface="Arial Unicode MS"/>
               </a:rPr>
               <a:t>1.0739</a:t>
             </a:r>
-            <a:r>
-              <a:rPr lang="en-US" altLang="en-US" sz="2000" dirty="0"/>
-              <a:t> </a:t>
+            <a:endParaRPr lang="en-GB" sz="2400" b="1" dirty="0"/>
+          </a:p>
+          <a:p>
+            <a:r>
+              <a:rPr lang="en-GB" sz="2400" dirty="0"/>
+              <a:t>		</a:t>
             </a:r>
             <a:endParaRPr lang="en-US" altLang="en-US" sz="4800" dirty="0">
               <a:latin typeface="Arial" panose="020B0604020202020204" pitchFamily="34" charset="0"/>
@@ -6563,6 +6608,42 @@
           <a:chExt cx="0" cy="0"/>
         </a:xfrm>
       </p:grpSpPr>
+      <p:pic>
+        <p:nvPicPr>
+          <p:cNvPr id="3" name="Picture 2">
+            <a:extLst>
+              <a:ext uri="{FF2B5EF4-FFF2-40B4-BE49-F238E27FC236}">
+                <a16:creationId xmlns:a16="http://schemas.microsoft.com/office/drawing/2014/main" id="{DB5B34F1-35B2-4EFC-A811-C317BB604CDE}"/>
+              </a:ext>
+            </a:extLst>
+          </p:cNvPr>
+          <p:cNvPicPr>
+            <a:picLocks noChangeAspect="1"/>
+          </p:cNvPicPr>
+          <p:nvPr/>
+        </p:nvPicPr>
+        <p:blipFill>
+          <a:blip r:embed="rId2">
+            <a:extLst>
+              <a:ext uri="{28A0092B-C50C-407E-A947-70E740481C1C}">
+                <a14:useLocalDpi xmlns:a14="http://schemas.microsoft.com/office/drawing/2010/main" val="0"/>
+              </a:ext>
+            </a:extLst>
+          </a:blip>
+          <a:stretch>
+            <a:fillRect/>
+          </a:stretch>
+        </p:blipFill>
+        <p:spPr>
+          <a:xfrm>
+            <a:off x="30649" y="1130254"/>
+            <a:ext cx="6845642" cy="5134232"/>
+          </a:xfrm>
+          <a:prstGeom prst="rect">
+            <a:avLst/>
+          </a:prstGeom>
+        </p:spPr>
+      </p:pic>
       <p:sp>
         <p:nvSpPr>
           <p:cNvPr id="5" name="Title 1">
@@ -6611,66 +6692,19 @@
           </a:lstStyle>
           <a:p>
             <a:r>
-              <a:rPr lang="en-GB" sz="2800"/>
+              <a:rPr lang="en-GB" sz="2800" dirty="0"/>
               <a:t>Experimental procedure</a:t>
             </a:r>
             <a:br>
-              <a:rPr lang="en-GB" sz="4800"/>
+              <a:rPr lang="en-GB" sz="4800" dirty="0"/>
             </a:br>
             <a:r>
-              <a:rPr lang="en-GB" sz="4800"/>
+              <a:rPr lang="en-GB" sz="4800" dirty="0"/>
               <a:t>Genetic Distances</a:t>
             </a:r>
-            <a:endParaRPr lang="en-GB" sz="4800" dirty="0"/>
-          </a:p>
-        </p:txBody>
-      </p:sp>
-      <p:cxnSp>
-        <p:nvCxnSpPr>
-          <p:cNvPr id="6" name="Straight Connector 5">
-            <a:extLst>
-              <a:ext uri="{FF2B5EF4-FFF2-40B4-BE49-F238E27FC236}">
-                <a16:creationId xmlns:a16="http://schemas.microsoft.com/office/drawing/2014/main" id="{3138E47E-D24E-495E-AE36-9E8A64C598EC}"/>
-              </a:ext>
-            </a:extLst>
-          </p:cNvPr>
-          <p:cNvCxnSpPr>
-            <a:cxnSpLocks/>
-          </p:cNvCxnSpPr>
-          <p:nvPr/>
-        </p:nvCxnSpPr>
-        <p:spPr>
-          <a:xfrm>
-            <a:off x="426028" y="1235676"/>
-            <a:ext cx="4900215" cy="0"/>
-          </a:xfrm>
-          <a:prstGeom prst="line">
-            <a:avLst/>
-          </a:prstGeom>
-          <a:ln w="76200">
-            <a:solidFill>
-              <a:schemeClr val="tx1">
-                <a:lumMod val="50000"/>
-                <a:lumOff val="50000"/>
-              </a:schemeClr>
-            </a:solidFill>
-          </a:ln>
-        </p:spPr>
-        <p:style>
-          <a:lnRef idx="1">
-            <a:schemeClr val="accent1"/>
-          </a:lnRef>
-          <a:fillRef idx="0">
-            <a:schemeClr val="accent1"/>
-          </a:fillRef>
-          <a:effectRef idx="0">
-            <a:schemeClr val="accent1"/>
-          </a:effectRef>
-          <a:fontRef idx="minor">
-            <a:schemeClr val="tx1"/>
-          </a:fontRef>
-        </p:style>
-      </p:cxnSp>
+          </a:p>
+        </p:txBody>
+      </p:sp>
       <p:sp>
         <p:nvSpPr>
           <p:cNvPr id="7" name="Rectangle 6">
@@ -6723,6 +6757,366 @@
           </a:p>
         </p:txBody>
       </p:sp>
+      <p:pic>
+        <p:nvPicPr>
+          <p:cNvPr id="9" name="Content Placeholder 9">
+            <a:extLst>
+              <a:ext uri="{FF2B5EF4-FFF2-40B4-BE49-F238E27FC236}">
+                <a16:creationId xmlns:a16="http://schemas.microsoft.com/office/drawing/2014/main" id="{DA9DFFA7-E901-487F-9004-C18969F67234}"/>
+              </a:ext>
+            </a:extLst>
+          </p:cNvPr>
+          <p:cNvPicPr>
+            <a:picLocks noGrp="1" noChangeAspect="1"/>
+          </p:cNvPicPr>
+          <p:nvPr>
+            <p:ph idx="1"/>
+          </p:nvPr>
+        </p:nvPicPr>
+        <p:blipFill>
+          <a:blip r:embed="rId3">
+            <a:extLst>
+              <a:ext uri="{28A0092B-C50C-407E-A947-70E740481C1C}">
+                <a14:useLocalDpi xmlns:a14="http://schemas.microsoft.com/office/drawing/2010/main" val="0"/>
+              </a:ext>
+            </a:extLst>
+          </a:blip>
+          <a:stretch>
+            <a:fillRect/>
+          </a:stretch>
+        </p:blipFill>
+        <p:spPr>
+          <a:xfrm>
+            <a:off x="6241399" y="1853514"/>
+            <a:ext cx="4940988" cy="4905632"/>
+          </a:xfrm>
+        </p:spPr>
+      </p:pic>
+      <p:sp>
+        <p:nvSpPr>
+          <p:cNvPr id="4" name="TextBox 3">
+            <a:extLst>
+              <a:ext uri="{FF2B5EF4-FFF2-40B4-BE49-F238E27FC236}">
+                <a16:creationId xmlns:a16="http://schemas.microsoft.com/office/drawing/2014/main" id="{B3F84F42-DBCD-47B4-AEB0-FD12B4E078F3}"/>
+              </a:ext>
+            </a:extLst>
+          </p:cNvPr>
+          <p:cNvSpPr txBox="1"/>
+          <p:nvPr/>
+        </p:nvSpPr>
+        <p:spPr>
+          <a:xfrm>
+            <a:off x="4096504" y="1925161"/>
+            <a:ext cx="2520778" cy="369332"/>
+          </a:xfrm>
+          <a:prstGeom prst="rect">
+            <a:avLst/>
+          </a:prstGeom>
+          <a:noFill/>
+        </p:spPr>
+        <p:txBody>
+          <a:bodyPr wrap="square" rtlCol="0">
+            <a:spAutoFit/>
+          </a:bodyPr>
+          <a:lstStyle/>
+          <a:p>
+            <a:r>
+              <a:rPr lang="en-GB" b="1" dirty="0"/>
+              <a:t>Neanderthals</a:t>
+            </a:r>
+          </a:p>
+        </p:txBody>
+      </p:sp>
+      <p:cxnSp>
+        <p:nvCxnSpPr>
+          <p:cNvPr id="11" name="Straight Arrow Connector 10">
+            <a:extLst>
+              <a:ext uri="{FF2B5EF4-FFF2-40B4-BE49-F238E27FC236}">
+                <a16:creationId xmlns:a16="http://schemas.microsoft.com/office/drawing/2014/main" id="{75E670A6-8482-4AAF-9FB1-E69EB59C9334}"/>
+              </a:ext>
+            </a:extLst>
+          </p:cNvPr>
+          <p:cNvCxnSpPr/>
+          <p:nvPr/>
+        </p:nvCxnSpPr>
+        <p:spPr>
+          <a:xfrm flipV="1">
+            <a:off x="5479980" y="1925161"/>
+            <a:ext cx="358346" cy="184666"/>
+          </a:xfrm>
+          <a:prstGeom prst="straightConnector1">
+            <a:avLst/>
+          </a:prstGeom>
+          <a:ln>
+            <a:solidFill>
+              <a:srgbClr val="FF0000"/>
+            </a:solidFill>
+            <a:tailEnd type="triangle"/>
+          </a:ln>
+        </p:spPr>
+        <p:style>
+          <a:lnRef idx="1">
+            <a:schemeClr val="accent1"/>
+          </a:lnRef>
+          <a:fillRef idx="0">
+            <a:schemeClr val="accent1"/>
+          </a:fillRef>
+          <a:effectRef idx="0">
+            <a:schemeClr val="accent1"/>
+          </a:effectRef>
+          <a:fontRef idx="minor">
+            <a:schemeClr val="tx1"/>
+          </a:fontRef>
+        </p:style>
+      </p:cxnSp>
+      <p:cxnSp>
+        <p:nvCxnSpPr>
+          <p:cNvPr id="13" name="Straight Arrow Connector 12">
+            <a:extLst>
+              <a:ext uri="{FF2B5EF4-FFF2-40B4-BE49-F238E27FC236}">
+                <a16:creationId xmlns:a16="http://schemas.microsoft.com/office/drawing/2014/main" id="{3FAC3AE1-CB4E-48BF-956E-B10EE25EC08D}"/>
+              </a:ext>
+            </a:extLst>
+          </p:cNvPr>
+          <p:cNvCxnSpPr>
+            <a:cxnSpLocks/>
+          </p:cNvCxnSpPr>
+          <p:nvPr/>
+        </p:nvCxnSpPr>
+        <p:spPr>
+          <a:xfrm>
+            <a:off x="5479980" y="2109827"/>
+            <a:ext cx="358346" cy="113957"/>
+          </a:xfrm>
+          <a:prstGeom prst="straightConnector1">
+            <a:avLst/>
+          </a:prstGeom>
+          <a:ln>
+            <a:solidFill>
+              <a:srgbClr val="FF0000"/>
+            </a:solidFill>
+            <a:tailEnd type="triangle"/>
+          </a:ln>
+        </p:spPr>
+        <p:style>
+          <a:lnRef idx="1">
+            <a:schemeClr val="accent1"/>
+          </a:lnRef>
+          <a:fillRef idx="0">
+            <a:schemeClr val="accent1"/>
+          </a:fillRef>
+          <a:effectRef idx="0">
+            <a:schemeClr val="accent1"/>
+          </a:effectRef>
+          <a:fontRef idx="minor">
+            <a:schemeClr val="tx1"/>
+          </a:fontRef>
+        </p:style>
+      </p:cxnSp>
+      <p:sp>
+        <p:nvSpPr>
+          <p:cNvPr id="17" name="Rectangle 16">
+            <a:extLst>
+              <a:ext uri="{FF2B5EF4-FFF2-40B4-BE49-F238E27FC236}">
+                <a16:creationId xmlns:a16="http://schemas.microsoft.com/office/drawing/2014/main" id="{7A4D32EB-2DAB-4DF0-AE0C-5113B3EDACCE}"/>
+              </a:ext>
+            </a:extLst>
+          </p:cNvPr>
+          <p:cNvSpPr/>
+          <p:nvPr/>
+        </p:nvSpPr>
+        <p:spPr>
+          <a:xfrm>
+            <a:off x="9600689" y="1397000"/>
+            <a:ext cx="1475084" cy="369332"/>
+          </a:xfrm>
+          <a:prstGeom prst="rect">
+            <a:avLst/>
+          </a:prstGeom>
+        </p:spPr>
+        <p:txBody>
+          <a:bodyPr wrap="none">
+            <a:spAutoFit/>
+          </a:bodyPr>
+          <a:lstStyle/>
+          <a:p>
+            <a:r>
+              <a:rPr lang="en-GB" b="1" dirty="0"/>
+              <a:t>Neanderthals</a:t>
+            </a:r>
+            <a:endParaRPr lang="en-GB" dirty="0"/>
+          </a:p>
+        </p:txBody>
+      </p:sp>
+      <p:cxnSp>
+        <p:nvCxnSpPr>
+          <p:cNvPr id="18" name="Straight Arrow Connector 17">
+            <a:extLst>
+              <a:ext uri="{FF2B5EF4-FFF2-40B4-BE49-F238E27FC236}">
+                <a16:creationId xmlns:a16="http://schemas.microsoft.com/office/drawing/2014/main" id="{824654C2-1AD0-492C-87D2-0EBEB87F5741}"/>
+              </a:ext>
+            </a:extLst>
+          </p:cNvPr>
+          <p:cNvCxnSpPr>
+            <a:cxnSpLocks/>
+          </p:cNvCxnSpPr>
+          <p:nvPr/>
+        </p:nvCxnSpPr>
+        <p:spPr>
+          <a:xfrm>
+            <a:off x="10930890" y="1697355"/>
+            <a:ext cx="0" cy="390525"/>
+          </a:xfrm>
+          <a:prstGeom prst="straightConnector1">
+            <a:avLst/>
+          </a:prstGeom>
+          <a:ln>
+            <a:solidFill>
+              <a:srgbClr val="FF0000"/>
+            </a:solidFill>
+            <a:tailEnd type="triangle"/>
+          </a:ln>
+        </p:spPr>
+        <p:style>
+          <a:lnRef idx="1">
+            <a:schemeClr val="accent1"/>
+          </a:lnRef>
+          <a:fillRef idx="0">
+            <a:schemeClr val="accent1"/>
+          </a:fillRef>
+          <a:effectRef idx="0">
+            <a:schemeClr val="accent1"/>
+          </a:effectRef>
+          <a:fontRef idx="minor">
+            <a:schemeClr val="tx1"/>
+          </a:fontRef>
+        </p:style>
+      </p:cxnSp>
+      <p:sp>
+        <p:nvSpPr>
+          <p:cNvPr id="30" name="Rectangle 29">
+            <a:extLst>
+              <a:ext uri="{FF2B5EF4-FFF2-40B4-BE49-F238E27FC236}">
+                <a16:creationId xmlns:a16="http://schemas.microsoft.com/office/drawing/2014/main" id="{51720294-4FD8-4C27-9F87-07C90CFA5954}"/>
+              </a:ext>
+            </a:extLst>
+          </p:cNvPr>
+          <p:cNvSpPr/>
+          <p:nvPr/>
+        </p:nvSpPr>
+        <p:spPr>
+          <a:xfrm>
+            <a:off x="4921611" y="6264486"/>
+            <a:ext cx="1475084" cy="369332"/>
+          </a:xfrm>
+          <a:prstGeom prst="rect">
+            <a:avLst/>
+          </a:prstGeom>
+        </p:spPr>
+        <p:txBody>
+          <a:bodyPr wrap="none">
+            <a:spAutoFit/>
+          </a:bodyPr>
+          <a:lstStyle/>
+          <a:p>
+            <a:r>
+              <a:rPr lang="en-GB" b="1" dirty="0"/>
+              <a:t>Neanderthals</a:t>
+            </a:r>
+            <a:endParaRPr lang="en-GB" dirty="0"/>
+          </a:p>
+        </p:txBody>
+      </p:sp>
+      <p:cxnSp>
+        <p:nvCxnSpPr>
+          <p:cNvPr id="31" name="Straight Connector 30">
+            <a:extLst>
+              <a:ext uri="{FF2B5EF4-FFF2-40B4-BE49-F238E27FC236}">
+                <a16:creationId xmlns:a16="http://schemas.microsoft.com/office/drawing/2014/main" id="{A00D1C74-F786-44F4-868D-3B5D0FB4183A}"/>
+              </a:ext>
+            </a:extLst>
+          </p:cNvPr>
+          <p:cNvCxnSpPr>
+            <a:cxnSpLocks/>
+          </p:cNvCxnSpPr>
+          <p:nvPr/>
+        </p:nvCxnSpPr>
+        <p:spPr>
+          <a:xfrm>
+            <a:off x="426028" y="1235676"/>
+            <a:ext cx="4900215" cy="0"/>
+          </a:xfrm>
+          <a:prstGeom prst="line">
+            <a:avLst/>
+          </a:prstGeom>
+          <a:ln w="76200">
+            <a:solidFill>
+              <a:schemeClr val="tx1">
+                <a:lumMod val="50000"/>
+                <a:lumOff val="50000"/>
+              </a:schemeClr>
+            </a:solidFill>
+          </a:ln>
+        </p:spPr>
+        <p:style>
+          <a:lnRef idx="1">
+            <a:schemeClr val="accent1"/>
+          </a:lnRef>
+          <a:fillRef idx="0">
+            <a:schemeClr val="accent1"/>
+          </a:fillRef>
+          <a:effectRef idx="0">
+            <a:schemeClr val="accent1"/>
+          </a:effectRef>
+          <a:fontRef idx="minor">
+            <a:schemeClr val="tx1"/>
+          </a:fontRef>
+        </p:style>
+      </p:cxnSp>
+      <p:cxnSp>
+        <p:nvCxnSpPr>
+          <p:cNvPr id="32" name="Straight Arrow Connector 31">
+            <a:extLst>
+              <a:ext uri="{FF2B5EF4-FFF2-40B4-BE49-F238E27FC236}">
+                <a16:creationId xmlns:a16="http://schemas.microsoft.com/office/drawing/2014/main" id="{37938538-FF95-4544-B9FC-EBE8B256F2A3}"/>
+              </a:ext>
+            </a:extLst>
+          </p:cNvPr>
+          <p:cNvCxnSpPr>
+            <a:cxnSpLocks/>
+          </p:cNvCxnSpPr>
+          <p:nvPr/>
+        </p:nvCxnSpPr>
+        <p:spPr>
+          <a:xfrm flipV="1">
+            <a:off x="6326505" y="6351668"/>
+            <a:ext cx="329565" cy="117712"/>
+          </a:xfrm>
+          <a:prstGeom prst="straightConnector1">
+            <a:avLst/>
+          </a:prstGeom>
+          <a:ln>
+            <a:solidFill>
+              <a:srgbClr val="FF0000"/>
+            </a:solidFill>
+            <a:tailEnd type="triangle"/>
+          </a:ln>
+        </p:spPr>
+        <p:style>
+          <a:lnRef idx="1">
+            <a:schemeClr val="accent1"/>
+          </a:lnRef>
+          <a:fillRef idx="0">
+            <a:schemeClr val="accent1"/>
+          </a:fillRef>
+          <a:effectRef idx="0">
+            <a:schemeClr val="accent1"/>
+          </a:effectRef>
+          <a:fontRef idx="minor">
+            <a:schemeClr val="tx1"/>
+          </a:fontRef>
+        </p:style>
+      </p:cxnSp>
     </p:spTree>
     <p:extLst>
       <p:ext uri="{BB962C8B-B14F-4D97-AF65-F5344CB8AC3E}">
@@ -6799,10 +7193,53 @@
         </p:nvSpPr>
         <p:spPr/>
         <p:txBody>
-          <a:bodyPr/>
-          <a:lstStyle/>
-          <a:p>
-            <a:endParaRPr lang="en-GB"/>
+          <a:bodyPr>
+            <a:normAutofit/>
+          </a:bodyPr>
+          <a:lstStyle/>
+          <a:p>
+            <a:r>
+              <a:rPr lang="en-GB" sz="2000" dirty="0"/>
+              <a:t>Sriram </a:t>
+            </a:r>
+            <a:r>
+              <a:rPr lang="en-GB" sz="2000" dirty="0" err="1"/>
+              <a:t>Sankararaman</a:t>
+            </a:r>
+            <a:r>
+              <a:rPr lang="en-GB" sz="2000" dirty="0"/>
+              <a:t> et al.: The genomic landscape of Neanderthal ancestry in present-day humans. In: Nature. Band 507, 2014, S. 354–357, doi:10.1038/nature12961</a:t>
+            </a:r>
+          </a:p>
+          <a:p>
+            <a:r>
+              <a:rPr lang="en-GB" sz="2000" dirty="0">
+                <a:hlinkClick r:id="rId2"/>
+              </a:rPr>
+              <a:t>https://www.ncbi.nlm.nih.gov/pubmed/20448178</a:t>
+            </a:r>
+            <a:endParaRPr lang="en-GB" sz="2000" dirty="0"/>
+          </a:p>
+          <a:p>
+            <a:r>
+              <a:rPr lang="en-GB" sz="2000" dirty="0">
+                <a:hlinkClick r:id="rId3"/>
+              </a:rPr>
+              <a:t>https://www.eurekalert.org/pub_releases/2016-02/m-egf021616.php</a:t>
+            </a:r>
+            <a:endParaRPr lang="en-GB" sz="2000" dirty="0"/>
+          </a:p>
+          <a:p>
+            <a:r>
+              <a:rPr lang="en-GB" sz="2000" dirty="0"/>
+              <a:t>Richard E. Green et al.: A Complete Neandertal Mitochondrial Genome Sequence Determined by High-Throughput Sequencing</a:t>
+            </a:r>
+          </a:p>
+          <a:p>
+            <a:r>
+              <a:rPr lang="en-GB" sz="2000" dirty="0"/>
+              <a:t>https://www.theverge.com/2017/10/9/16448412/neanderthal-stone-age-human-genes-dna-schizophrenia-cholesterol-hair-skin-loneliness</a:t>
+            </a:r>
           </a:p>
         </p:txBody>
       </p:sp>

--- a/humans_demo/Humans.pptx
+++ b/humans_demo/Humans.pptx
@@ -5,7 +5,7 @@
     <p:sldMasterId id="2147483648" r:id="rId1"/>
   </p:sldMasterIdLst>
   <p:notesMasterIdLst>
-    <p:notesMasterId r:id="rId12"/>
+    <p:notesMasterId r:id="rId16"/>
   </p:notesMasterIdLst>
   <p:sldIdLst>
     <p:sldId id="256" r:id="rId2"/>
@@ -16,8 +16,12 @@
     <p:sldId id="263" r:id="rId7"/>
     <p:sldId id="265" r:id="rId8"/>
     <p:sldId id="266" r:id="rId9"/>
-    <p:sldId id="260" r:id="rId10"/>
-    <p:sldId id="261" r:id="rId11"/>
+    <p:sldId id="267" r:id="rId10"/>
+    <p:sldId id="268" r:id="rId11"/>
+    <p:sldId id="269" r:id="rId12"/>
+    <p:sldId id="271" r:id="rId13"/>
+    <p:sldId id="260" r:id="rId14"/>
+    <p:sldId id="261" r:id="rId15"/>
   </p:sldIdLst>
   <p:sldSz cx="12192000" cy="6858000"/>
   <p:notesSz cx="6858000" cy="9144000"/>
@@ -4258,6 +4262,1019 @@
           <a:chExt cx="0" cy="0"/>
         </a:xfrm>
       </p:grpSpPr>
+      <p:pic>
+        <p:nvPicPr>
+          <p:cNvPr id="7" name="Grafik 6"/>
+          <p:cNvPicPr>
+            <a:picLocks noChangeAspect="1"/>
+          </p:cNvPicPr>
+          <p:nvPr/>
+        </p:nvPicPr>
+        <p:blipFill>
+          <a:blip r:embed="rId2" cstate="print">
+            <a:extLst>
+              <a:ext uri="{28A0092B-C50C-407E-A947-70E740481C1C}">
+                <a14:useLocalDpi xmlns:a14="http://schemas.microsoft.com/office/drawing/2010/main" val="0"/>
+              </a:ext>
+            </a:extLst>
+          </a:blip>
+          <a:stretch>
+            <a:fillRect/>
+          </a:stretch>
+        </p:blipFill>
+        <p:spPr>
+          <a:xfrm>
+            <a:off x="144386" y="-32085"/>
+            <a:ext cx="8975558" cy="2763527"/>
+          </a:xfrm>
+          <a:prstGeom prst="rect">
+            <a:avLst/>
+          </a:prstGeom>
+        </p:spPr>
+      </p:pic>
+      <p:sp>
+        <p:nvSpPr>
+          <p:cNvPr id="8" name="Textfeld 7"/>
+          <p:cNvSpPr txBox="1"/>
+          <p:nvPr/>
+        </p:nvSpPr>
+        <p:spPr>
+          <a:xfrm>
+            <a:off x="0" y="2582313"/>
+            <a:ext cx="9119944" cy="830997"/>
+          </a:xfrm>
+          <a:prstGeom prst="rect">
+            <a:avLst/>
+          </a:prstGeom>
+          <a:noFill/>
+        </p:spPr>
+        <p:txBody>
+          <a:bodyPr wrap="square" rtlCol="0">
+            <a:spAutoFit/>
+          </a:bodyPr>
+          <a:lstStyle/>
+          <a:p>
+            <a:pPr algn="ctr"/>
+            <a:r>
+              <a:rPr lang="de-DE" sz="4800" dirty="0"/>
+              <a:t>[…]</a:t>
+            </a:r>
+          </a:p>
+        </p:txBody>
+      </p:sp>
+      <p:pic>
+        <p:nvPicPr>
+          <p:cNvPr id="9" name="Grafik 8"/>
+          <p:cNvPicPr>
+            <a:picLocks noChangeAspect="1"/>
+          </p:cNvPicPr>
+          <p:nvPr/>
+        </p:nvPicPr>
+        <p:blipFill>
+          <a:blip r:embed="rId3" cstate="print">
+            <a:extLst>
+              <a:ext uri="{28A0092B-C50C-407E-A947-70E740481C1C}">
+                <a14:useLocalDpi xmlns:a14="http://schemas.microsoft.com/office/drawing/2010/main" val="0"/>
+              </a:ext>
+            </a:extLst>
+          </a:blip>
+          <a:stretch>
+            <a:fillRect/>
+          </a:stretch>
+        </p:blipFill>
+        <p:spPr>
+          <a:xfrm>
+            <a:off x="1286383" y="3485464"/>
+            <a:ext cx="9111916" cy="3021422"/>
+          </a:xfrm>
+          <a:prstGeom prst="rect">
+            <a:avLst/>
+          </a:prstGeom>
+        </p:spPr>
+      </p:pic>
+      <p:sp>
+        <p:nvSpPr>
+          <p:cNvPr id="10" name="Rechteck 9"/>
+          <p:cNvSpPr/>
+          <p:nvPr/>
+        </p:nvSpPr>
+        <p:spPr>
+          <a:xfrm>
+            <a:off x="4050637" y="16669"/>
+            <a:ext cx="456323" cy="147637"/>
+          </a:xfrm>
+          <a:prstGeom prst="rect">
+            <a:avLst/>
+          </a:prstGeom>
+          <a:noFill/>
+          <a:ln>
+            <a:solidFill>
+              <a:srgbClr val="FF0000"/>
+            </a:solidFill>
+          </a:ln>
+        </p:spPr>
+        <p:style>
+          <a:lnRef idx="2">
+            <a:schemeClr val="accent1">
+              <a:shade val="50000"/>
+            </a:schemeClr>
+          </a:lnRef>
+          <a:fillRef idx="1">
+            <a:schemeClr val="accent1"/>
+          </a:fillRef>
+          <a:effectRef idx="0">
+            <a:schemeClr val="accent1"/>
+          </a:effectRef>
+          <a:fontRef idx="minor">
+            <a:schemeClr val="lt1"/>
+          </a:fontRef>
+        </p:style>
+        <p:txBody>
+          <a:bodyPr rtlCol="0" anchor="ctr"/>
+          <a:lstStyle/>
+          <a:p>
+            <a:pPr algn="ctr"/>
+            <a:endParaRPr lang="de-DE" dirty="0"/>
+          </a:p>
+        </p:txBody>
+      </p:sp>
+      <p:cxnSp>
+        <p:nvCxnSpPr>
+          <p:cNvPr id="12" name="Gerade Verbindung mit Pfeil 11"/>
+          <p:cNvCxnSpPr/>
+          <p:nvPr/>
+        </p:nvCxnSpPr>
+        <p:spPr>
+          <a:xfrm flipH="1">
+            <a:off x="8543180" y="6038850"/>
+            <a:ext cx="576764" cy="0"/>
+          </a:xfrm>
+          <a:prstGeom prst="straightConnector1">
+            <a:avLst/>
+          </a:prstGeom>
+          <a:ln>
+            <a:solidFill>
+              <a:srgbClr val="FF0000"/>
+            </a:solidFill>
+            <a:tailEnd type="triangle"/>
+          </a:ln>
+        </p:spPr>
+        <p:style>
+          <a:lnRef idx="1">
+            <a:schemeClr val="accent1"/>
+          </a:lnRef>
+          <a:fillRef idx="0">
+            <a:schemeClr val="accent1"/>
+          </a:fillRef>
+          <a:effectRef idx="0">
+            <a:schemeClr val="accent1"/>
+          </a:effectRef>
+          <a:fontRef idx="minor">
+            <a:schemeClr val="tx1"/>
+          </a:fontRef>
+        </p:style>
+      </p:cxnSp>
+      <p:cxnSp>
+        <p:nvCxnSpPr>
+          <p:cNvPr id="13" name="Gerade Verbindung mit Pfeil 12"/>
+          <p:cNvCxnSpPr/>
+          <p:nvPr/>
+        </p:nvCxnSpPr>
+        <p:spPr>
+          <a:xfrm flipH="1">
+            <a:off x="8543180" y="5962644"/>
+            <a:ext cx="576764" cy="0"/>
+          </a:xfrm>
+          <a:prstGeom prst="straightConnector1">
+            <a:avLst/>
+          </a:prstGeom>
+          <a:ln>
+            <a:solidFill>
+              <a:srgbClr val="FF0000"/>
+            </a:solidFill>
+            <a:tailEnd type="triangle"/>
+          </a:ln>
+        </p:spPr>
+        <p:style>
+          <a:lnRef idx="1">
+            <a:schemeClr val="accent1"/>
+          </a:lnRef>
+          <a:fillRef idx="0">
+            <a:schemeClr val="accent1"/>
+          </a:fillRef>
+          <a:effectRef idx="0">
+            <a:schemeClr val="accent1"/>
+          </a:effectRef>
+          <a:fontRef idx="minor">
+            <a:schemeClr val="tx1"/>
+          </a:fontRef>
+        </p:style>
+      </p:cxnSp>
+      <p:cxnSp>
+        <p:nvCxnSpPr>
+          <p:cNvPr id="14" name="Gerade Verbindung mit Pfeil 13"/>
+          <p:cNvCxnSpPr/>
+          <p:nvPr/>
+        </p:nvCxnSpPr>
+        <p:spPr>
+          <a:xfrm flipH="1">
+            <a:off x="7459709" y="4086218"/>
+            <a:ext cx="576764" cy="0"/>
+          </a:xfrm>
+          <a:prstGeom prst="straightConnector1">
+            <a:avLst/>
+          </a:prstGeom>
+          <a:ln>
+            <a:solidFill>
+              <a:srgbClr val="FF0000"/>
+            </a:solidFill>
+            <a:tailEnd type="triangle"/>
+          </a:ln>
+        </p:spPr>
+        <p:style>
+          <a:lnRef idx="1">
+            <a:schemeClr val="accent1"/>
+          </a:lnRef>
+          <a:fillRef idx="0">
+            <a:schemeClr val="accent1"/>
+          </a:fillRef>
+          <a:effectRef idx="0">
+            <a:schemeClr val="accent1"/>
+          </a:effectRef>
+          <a:fontRef idx="minor">
+            <a:schemeClr val="tx1"/>
+          </a:fontRef>
+        </p:style>
+      </p:cxnSp>
+      <p:sp>
+        <p:nvSpPr>
+          <p:cNvPr id="15" name="Textfeld 14"/>
+          <p:cNvSpPr txBox="1"/>
+          <p:nvPr/>
+        </p:nvSpPr>
+        <p:spPr>
+          <a:xfrm>
+            <a:off x="8560060" y="816185"/>
+            <a:ext cx="3487554" cy="2308324"/>
+          </a:xfrm>
+          <a:prstGeom prst="rect">
+            <a:avLst/>
+          </a:prstGeom>
+          <a:noFill/>
+        </p:spPr>
+        <p:txBody>
+          <a:bodyPr wrap="square" rtlCol="0">
+            <a:spAutoFit/>
+          </a:bodyPr>
+          <a:lstStyle/>
+          <a:p>
+            <a:pPr marL="285750" indent="-285750">
+              <a:buFont typeface="Arial" panose="020B0604020202020204" pitchFamily="34" charset="0"/>
+              <a:buChar char="•"/>
+            </a:pPr>
+            <a:r>
+              <a:rPr lang="en-US" sz="2400" dirty="0"/>
+              <a:t>Phylogenetic tree of 206 modern humans and 2 </a:t>
+            </a:r>
+            <a:r>
+              <a:rPr lang="en-US" sz="2400" dirty="0" err="1"/>
+              <a:t>neanderthals</a:t>
+            </a:r>
+            <a:endParaRPr lang="en-US" sz="2400" dirty="0"/>
+          </a:p>
+          <a:p>
+            <a:pPr marL="285750" indent="-285750">
+              <a:buFont typeface="Arial" panose="020B0604020202020204" pitchFamily="34" charset="0"/>
+              <a:buChar char="•"/>
+            </a:pPr>
+            <a:r>
+              <a:rPr lang="en-US" sz="2400" dirty="0" err="1"/>
+              <a:t>neanderthals</a:t>
+            </a:r>
+            <a:r>
+              <a:rPr lang="en-US" sz="2400" dirty="0"/>
+              <a:t> are genetically distant from modern humans</a:t>
+            </a:r>
+            <a:endParaRPr lang="de-DE" sz="2400" dirty="0"/>
+          </a:p>
+        </p:txBody>
+      </p:sp>
+      <p:pic>
+        <p:nvPicPr>
+          <p:cNvPr id="16" name="Grafik 15"/>
+          <p:cNvPicPr>
+            <a:picLocks noChangeAspect="1"/>
+          </p:cNvPicPr>
+          <p:nvPr/>
+        </p:nvPicPr>
+        <p:blipFill>
+          <a:blip r:embed="rId4" cstate="print">
+            <a:extLst>
+              <a:ext uri="{28A0092B-C50C-407E-A947-70E740481C1C}">
+                <a14:useLocalDpi xmlns:a14="http://schemas.microsoft.com/office/drawing/2010/main" val="0"/>
+              </a:ext>
+            </a:extLst>
+          </a:blip>
+          <a:stretch>
+            <a:fillRect/>
+          </a:stretch>
+        </p:blipFill>
+        <p:spPr>
+          <a:xfrm>
+            <a:off x="0" y="4942726"/>
+            <a:ext cx="1664404" cy="1915274"/>
+          </a:xfrm>
+          <a:prstGeom prst="rect">
+            <a:avLst/>
+          </a:prstGeom>
+          <a:ln w="28575">
+            <a:solidFill>
+              <a:schemeClr val="tx1"/>
+            </a:solidFill>
+          </a:ln>
+        </p:spPr>
+      </p:pic>
+      <p:sp>
+        <p:nvSpPr>
+          <p:cNvPr id="17" name="Rechteck 16"/>
+          <p:cNvSpPr/>
+          <p:nvPr/>
+        </p:nvSpPr>
+        <p:spPr>
+          <a:xfrm>
+            <a:off x="-19050" y="4932885"/>
+            <a:ext cx="1700213" cy="370159"/>
+          </a:xfrm>
+          <a:prstGeom prst="rect">
+            <a:avLst/>
+          </a:prstGeom>
+          <a:noFill/>
+          <a:ln w="6350">
+            <a:solidFill>
+              <a:schemeClr val="tx1"/>
+            </a:solidFill>
+            <a:prstDash val="sysDash"/>
+          </a:ln>
+        </p:spPr>
+        <p:style>
+          <a:lnRef idx="2">
+            <a:schemeClr val="accent1">
+              <a:shade val="50000"/>
+            </a:schemeClr>
+          </a:lnRef>
+          <a:fillRef idx="1">
+            <a:schemeClr val="accent1"/>
+          </a:fillRef>
+          <a:effectRef idx="0">
+            <a:schemeClr val="accent1"/>
+          </a:effectRef>
+          <a:fontRef idx="minor">
+            <a:schemeClr val="lt1"/>
+          </a:fontRef>
+        </p:style>
+        <p:txBody>
+          <a:bodyPr rtlCol="0" anchor="ctr"/>
+          <a:lstStyle/>
+          <a:p>
+            <a:pPr algn="ctr"/>
+            <a:endParaRPr lang="de-DE"/>
+          </a:p>
+        </p:txBody>
+      </p:sp>
+      <p:sp>
+        <p:nvSpPr>
+          <p:cNvPr id="18" name="Rechteck 17"/>
+          <p:cNvSpPr/>
+          <p:nvPr/>
+        </p:nvSpPr>
+        <p:spPr>
+          <a:xfrm>
+            <a:off x="0" y="6390147"/>
+            <a:ext cx="1664404" cy="477694"/>
+          </a:xfrm>
+          <a:prstGeom prst="rect">
+            <a:avLst/>
+          </a:prstGeom>
+          <a:noFill/>
+          <a:ln w="6350">
+            <a:solidFill>
+              <a:schemeClr val="tx1"/>
+            </a:solidFill>
+            <a:prstDash val="sysDash"/>
+          </a:ln>
+        </p:spPr>
+        <p:style>
+          <a:lnRef idx="2">
+            <a:schemeClr val="accent1">
+              <a:shade val="50000"/>
+            </a:schemeClr>
+          </a:lnRef>
+          <a:fillRef idx="1">
+            <a:schemeClr val="accent1"/>
+          </a:fillRef>
+          <a:effectRef idx="0">
+            <a:schemeClr val="accent1"/>
+          </a:effectRef>
+          <a:fontRef idx="minor">
+            <a:schemeClr val="lt1"/>
+          </a:fontRef>
+        </p:style>
+        <p:txBody>
+          <a:bodyPr rtlCol="0" anchor="ctr"/>
+          <a:lstStyle/>
+          <a:p>
+            <a:pPr algn="ctr"/>
+            <a:endParaRPr lang="de-DE"/>
+          </a:p>
+        </p:txBody>
+      </p:sp>
+    </p:spTree>
+    <p:extLst>
+      <p:ext uri="{BB962C8B-B14F-4D97-AF65-F5344CB8AC3E}">
+        <p14:creationId xmlns:p14="http://schemas.microsoft.com/office/powerpoint/2010/main" val="2928616866"/>
+      </p:ext>
+    </p:extLst>
+  </p:cSld>
+  <p:clrMapOvr>
+    <a:masterClrMapping/>
+  </p:clrMapOvr>
+</p:sld>
+</file>
+
+<file path=ppt/slides/slide11.xml><?xml version="1.0" encoding="utf-8"?>
+<p:sld xmlns:a="http://schemas.openxmlformats.org/drawingml/2006/main" xmlns:r="http://schemas.openxmlformats.org/officeDocument/2006/relationships" xmlns:p="http://schemas.openxmlformats.org/presentationml/2006/main">
+  <p:cSld>
+    <p:spTree>
+      <p:nvGrpSpPr>
+        <p:cNvPr id="1" name=""/>
+        <p:cNvGrpSpPr/>
+        <p:nvPr/>
+      </p:nvGrpSpPr>
+      <p:grpSpPr>
+        <a:xfrm>
+          <a:off x="0" y="0"/>
+          <a:ext cx="0" cy="0"/>
+          <a:chOff x="0" y="0"/>
+          <a:chExt cx="0" cy="0"/>
+        </a:xfrm>
+      </p:grpSpPr>
+      <p:pic>
+        <p:nvPicPr>
+          <p:cNvPr id="4" name="Grafik 3"/>
+          <p:cNvPicPr>
+            <a:picLocks noChangeAspect="1"/>
+          </p:cNvPicPr>
+          <p:nvPr/>
+        </p:nvPicPr>
+        <p:blipFill>
+          <a:blip r:embed="rId2">
+            <a:extLst>
+              <a:ext uri="{28A0092B-C50C-407E-A947-70E740481C1C}">
+                <a14:useLocalDpi xmlns:a14="http://schemas.microsoft.com/office/drawing/2010/main" val="0"/>
+              </a:ext>
+            </a:extLst>
+          </a:blip>
+          <a:stretch>
+            <a:fillRect/>
+          </a:stretch>
+        </p:blipFill>
+        <p:spPr>
+          <a:xfrm>
+            <a:off x="944880" y="244230"/>
+            <a:ext cx="9742535" cy="6369540"/>
+          </a:xfrm>
+          <a:prstGeom prst="rect">
+            <a:avLst/>
+          </a:prstGeom>
+        </p:spPr>
+      </p:pic>
+    </p:spTree>
+    <p:extLst>
+      <p:ext uri="{BB962C8B-B14F-4D97-AF65-F5344CB8AC3E}">
+        <p14:creationId xmlns:p14="http://schemas.microsoft.com/office/powerpoint/2010/main" val="1077453744"/>
+      </p:ext>
+    </p:extLst>
+  </p:cSld>
+  <p:clrMapOvr>
+    <a:masterClrMapping/>
+  </p:clrMapOvr>
+</p:sld>
+</file>
+
+<file path=ppt/slides/slide12.xml><?xml version="1.0" encoding="utf-8"?>
+<p:sld xmlns:a="http://schemas.openxmlformats.org/drawingml/2006/main" xmlns:r="http://schemas.openxmlformats.org/officeDocument/2006/relationships" xmlns:p="http://schemas.openxmlformats.org/presentationml/2006/main">
+  <p:cSld>
+    <p:spTree>
+      <p:nvGrpSpPr>
+        <p:cNvPr id="1" name=""/>
+        <p:cNvGrpSpPr/>
+        <p:nvPr/>
+      </p:nvGrpSpPr>
+      <p:grpSpPr>
+        <a:xfrm>
+          <a:off x="0" y="0"/>
+          <a:ext cx="0" cy="0"/>
+          <a:chOff x="0" y="0"/>
+          <a:chExt cx="0" cy="0"/>
+        </a:xfrm>
+      </p:grpSpPr>
+      <p:sp>
+        <p:nvSpPr>
+          <p:cNvPr id="9" name="Textfeld 8"/>
+          <p:cNvSpPr txBox="1"/>
+          <p:nvPr/>
+        </p:nvSpPr>
+        <p:spPr>
+          <a:xfrm>
+            <a:off x="426028" y="466235"/>
+            <a:ext cx="5942386" cy="769441"/>
+          </a:xfrm>
+          <a:prstGeom prst="rect">
+            <a:avLst/>
+          </a:prstGeom>
+          <a:noFill/>
+        </p:spPr>
+        <p:txBody>
+          <a:bodyPr wrap="square" rtlCol="0">
+            <a:spAutoFit/>
+          </a:bodyPr>
+          <a:lstStyle/>
+          <a:p>
+            <a:r>
+              <a:rPr lang="de-DE" sz="4400" dirty="0"/>
+              <a:t>Conclusion</a:t>
+            </a:r>
+            <a:endParaRPr lang="de-DE" dirty="0"/>
+          </a:p>
+        </p:txBody>
+      </p:sp>
+      <p:sp>
+        <p:nvSpPr>
+          <p:cNvPr id="10" name="Rectangle 9">
+            <a:extLst>
+              <a:ext uri="{FF2B5EF4-FFF2-40B4-BE49-F238E27FC236}">
+                <a16:creationId xmlns:a16="http://schemas.microsoft.com/office/drawing/2014/main" id="{D0EACB13-BFE7-4925-B768-37FBB86B0CF1}"/>
+              </a:ext>
+            </a:extLst>
+          </p:cNvPr>
+          <p:cNvSpPr/>
+          <p:nvPr/>
+        </p:nvSpPr>
+        <p:spPr>
+          <a:xfrm>
+            <a:off x="11353800" y="0"/>
+            <a:ext cx="838200" cy="6858000"/>
+          </a:xfrm>
+          <a:prstGeom prst="rect">
+            <a:avLst/>
+          </a:prstGeom>
+          <a:solidFill>
+            <a:schemeClr val="tx1">
+              <a:lumMod val="65000"/>
+              <a:lumOff val="35000"/>
+            </a:schemeClr>
+          </a:solidFill>
+        </p:spPr>
+        <p:style>
+          <a:lnRef idx="2">
+            <a:schemeClr val="accent1">
+              <a:shade val="50000"/>
+            </a:schemeClr>
+          </a:lnRef>
+          <a:fillRef idx="1">
+            <a:schemeClr val="accent1"/>
+          </a:fillRef>
+          <a:effectRef idx="0">
+            <a:schemeClr val="accent1"/>
+          </a:effectRef>
+          <a:fontRef idx="minor">
+            <a:schemeClr val="lt1"/>
+          </a:fontRef>
+        </p:style>
+        <p:txBody>
+          <a:bodyPr rtlCol="0" anchor="ctr"/>
+          <a:lstStyle/>
+          <a:p>
+            <a:pPr algn="ctr"/>
+            <a:endParaRPr lang="en-GB"/>
+          </a:p>
+        </p:txBody>
+      </p:sp>
+      <p:cxnSp>
+        <p:nvCxnSpPr>
+          <p:cNvPr id="11" name="Straight Connector 10">
+            <a:extLst>
+              <a:ext uri="{FF2B5EF4-FFF2-40B4-BE49-F238E27FC236}">
+                <a16:creationId xmlns:a16="http://schemas.microsoft.com/office/drawing/2014/main" id="{B82834D1-437B-44D1-8CB6-E48A1012862C}"/>
+              </a:ext>
+            </a:extLst>
+          </p:cNvPr>
+          <p:cNvCxnSpPr>
+            <a:cxnSpLocks/>
+          </p:cNvCxnSpPr>
+          <p:nvPr/>
+        </p:nvCxnSpPr>
+        <p:spPr>
+          <a:xfrm>
+            <a:off x="426028" y="1235676"/>
+            <a:ext cx="4900215" cy="0"/>
+          </a:xfrm>
+          <a:prstGeom prst="line">
+            <a:avLst/>
+          </a:prstGeom>
+          <a:ln w="76200">
+            <a:solidFill>
+              <a:schemeClr val="tx1">
+                <a:lumMod val="50000"/>
+                <a:lumOff val="50000"/>
+              </a:schemeClr>
+            </a:solidFill>
+          </a:ln>
+        </p:spPr>
+        <p:style>
+          <a:lnRef idx="1">
+            <a:schemeClr val="accent1"/>
+          </a:lnRef>
+          <a:fillRef idx="0">
+            <a:schemeClr val="accent1"/>
+          </a:fillRef>
+          <a:effectRef idx="0">
+            <a:schemeClr val="accent1"/>
+          </a:effectRef>
+          <a:fontRef idx="minor">
+            <a:schemeClr val="tx1"/>
+          </a:fontRef>
+        </p:style>
+      </p:cxnSp>
+      <p:sp>
+        <p:nvSpPr>
+          <p:cNvPr id="3" name="TextBox 2">
+            <a:extLst>
+              <a:ext uri="{FF2B5EF4-FFF2-40B4-BE49-F238E27FC236}">
+                <a16:creationId xmlns:a16="http://schemas.microsoft.com/office/drawing/2014/main" id="{BC978768-2FA0-48F2-8053-D24DE0D145E1}"/>
+              </a:ext>
+            </a:extLst>
+          </p:cNvPr>
+          <p:cNvSpPr txBox="1"/>
+          <p:nvPr/>
+        </p:nvSpPr>
+        <p:spPr>
+          <a:xfrm>
+            <a:off x="609600" y="1630680"/>
+            <a:ext cx="10149840" cy="4832092"/>
+          </a:xfrm>
+          <a:prstGeom prst="rect">
+            <a:avLst/>
+          </a:prstGeom>
+          <a:noFill/>
+        </p:spPr>
+        <p:txBody>
+          <a:bodyPr wrap="square" rtlCol="0">
+            <a:spAutoFit/>
+          </a:bodyPr>
+          <a:lstStyle/>
+          <a:p>
+            <a:endParaRPr lang="en-GB" sz="2800" dirty="0"/>
+          </a:p>
+          <a:p>
+            <a:pPr marL="457200" indent="-457200">
+              <a:buFont typeface="Arial" panose="020B0604020202020204" pitchFamily="34" charset="0"/>
+              <a:buChar char="•"/>
+            </a:pPr>
+            <a:r>
+              <a:rPr lang="en-GB" sz="2800" b="1" dirty="0"/>
+              <a:t>Neanderthal</a:t>
+            </a:r>
+            <a:r>
+              <a:rPr lang="en-GB" sz="2800" dirty="0"/>
+              <a:t> closely related to </a:t>
+            </a:r>
+            <a:r>
+              <a:rPr lang="en-GB" sz="2800" b="1" dirty="0"/>
+              <a:t>modern</a:t>
+            </a:r>
+            <a:r>
+              <a:rPr lang="en-GB" sz="2800" dirty="0"/>
+              <a:t> </a:t>
+            </a:r>
+            <a:r>
+              <a:rPr lang="en-GB" sz="2800" b="1" dirty="0"/>
+              <a:t>humans</a:t>
+            </a:r>
+            <a:r>
+              <a:rPr lang="en-GB" sz="2800" dirty="0"/>
+              <a:t>, when compared to other primates</a:t>
+            </a:r>
+          </a:p>
+          <a:p>
+            <a:pPr marL="457200" indent="-457200">
+              <a:buFont typeface="Arial" panose="020B0604020202020204" pitchFamily="34" charset="0"/>
+              <a:buChar char="•"/>
+            </a:pPr>
+            <a:r>
+              <a:rPr lang="en-GB" sz="2800" dirty="0"/>
+              <a:t>The distance between </a:t>
+            </a:r>
+            <a:r>
+              <a:rPr lang="en-GB" sz="2800" b="1" dirty="0"/>
+              <a:t>Neanderthals</a:t>
+            </a:r>
+            <a:r>
+              <a:rPr lang="en-GB" sz="2800" dirty="0"/>
+              <a:t> and </a:t>
+            </a:r>
+            <a:r>
+              <a:rPr lang="en-GB" sz="2800" b="1" dirty="0"/>
+              <a:t>Humans</a:t>
+            </a:r>
+            <a:r>
+              <a:rPr lang="en-GB" sz="2800" dirty="0"/>
+              <a:t> show that they were two different species</a:t>
+            </a:r>
+          </a:p>
+          <a:p>
+            <a:pPr marL="457200" indent="-457200">
+              <a:buFont typeface="Arial" panose="020B0604020202020204" pitchFamily="34" charset="0"/>
+              <a:buChar char="•"/>
+            </a:pPr>
+            <a:r>
+              <a:rPr lang="en-GB" sz="2800" dirty="0"/>
+              <a:t>Our results don’t show weather there was a geneflow between the two species</a:t>
+            </a:r>
+          </a:p>
+          <a:p>
+            <a:pPr marL="457200" indent="-457200">
+              <a:buFont typeface="Arial" panose="020B0604020202020204" pitchFamily="34" charset="0"/>
+              <a:buChar char="•"/>
+            </a:pPr>
+            <a:r>
+              <a:rPr lang="en-GB" sz="2800" dirty="0"/>
+              <a:t>The split-off of Georgians from the other human groups, indicates that there might be inaccurate measurements. This could potentially be fixed by using different distance matrices. </a:t>
+            </a:r>
+          </a:p>
+          <a:p>
+            <a:pPr marL="457200" indent="-457200">
+              <a:buFont typeface="Arial" panose="020B0604020202020204" pitchFamily="34" charset="0"/>
+              <a:buChar char="•"/>
+            </a:pPr>
+            <a:endParaRPr lang="en-GB" sz="2800" dirty="0"/>
+          </a:p>
+        </p:txBody>
+      </p:sp>
+    </p:spTree>
+    <p:extLst>
+      <p:ext uri="{BB962C8B-B14F-4D97-AF65-F5344CB8AC3E}">
+        <p14:creationId xmlns:p14="http://schemas.microsoft.com/office/powerpoint/2010/main" val="3250084118"/>
+      </p:ext>
+    </p:extLst>
+  </p:cSld>
+  <p:clrMapOvr>
+    <a:masterClrMapping/>
+  </p:clrMapOvr>
+</p:sld>
+</file>
+
+<file path=ppt/slides/slide13.xml><?xml version="1.0" encoding="utf-8"?>
+<p:sld xmlns:a="http://schemas.openxmlformats.org/drawingml/2006/main" xmlns:r="http://schemas.openxmlformats.org/officeDocument/2006/relationships" xmlns:p="http://schemas.openxmlformats.org/presentationml/2006/main">
+  <p:cSld>
+    <p:spTree>
+      <p:nvGrpSpPr>
+        <p:cNvPr id="1" name=""/>
+        <p:cNvGrpSpPr/>
+        <p:nvPr/>
+      </p:nvGrpSpPr>
+      <p:grpSpPr>
+        <a:xfrm>
+          <a:off x="0" y="0"/>
+          <a:ext cx="0" cy="0"/>
+          <a:chOff x="0" y="0"/>
+          <a:chExt cx="0" cy="0"/>
+        </a:xfrm>
+      </p:grpSpPr>
+      <p:sp>
+        <p:nvSpPr>
+          <p:cNvPr id="2" name="Title 1">
+            <a:extLst>
+              <a:ext uri="{FF2B5EF4-FFF2-40B4-BE49-F238E27FC236}">
+                <a16:creationId xmlns:a16="http://schemas.microsoft.com/office/drawing/2014/main" id="{1DDA7427-C717-49CC-9361-8F71A094DE37}"/>
+              </a:ext>
+            </a:extLst>
+          </p:cNvPr>
+          <p:cNvSpPr>
+            <a:spLocks noGrp="1"/>
+          </p:cNvSpPr>
+          <p:nvPr>
+            <p:ph type="title"/>
+          </p:nvPr>
+        </p:nvSpPr>
+        <p:spPr/>
+        <p:txBody>
+          <a:bodyPr/>
+          <a:lstStyle/>
+          <a:p>
+            <a:r>
+              <a:rPr lang="en-GB" dirty="0"/>
+              <a:t>References</a:t>
+            </a:r>
+          </a:p>
+        </p:txBody>
+      </p:sp>
+      <p:sp>
+        <p:nvSpPr>
+          <p:cNvPr id="3" name="Content Placeholder 2">
+            <a:extLst>
+              <a:ext uri="{FF2B5EF4-FFF2-40B4-BE49-F238E27FC236}">
+                <a16:creationId xmlns:a16="http://schemas.microsoft.com/office/drawing/2014/main" id="{456D776F-585B-44A1-8F12-F437FC01319C}"/>
+              </a:ext>
+            </a:extLst>
+          </p:cNvPr>
+          <p:cNvSpPr>
+            <a:spLocks noGrp="1"/>
+          </p:cNvSpPr>
+          <p:nvPr>
+            <p:ph idx="1"/>
+          </p:nvPr>
+        </p:nvSpPr>
+        <p:spPr/>
+        <p:txBody>
+          <a:bodyPr>
+            <a:normAutofit/>
+          </a:bodyPr>
+          <a:lstStyle/>
+          <a:p>
+            <a:r>
+              <a:rPr lang="en-GB" sz="2000" dirty="0"/>
+              <a:t>Sriram </a:t>
+            </a:r>
+            <a:r>
+              <a:rPr lang="en-GB" sz="2000" dirty="0" err="1"/>
+              <a:t>Sankararaman</a:t>
+            </a:r>
+            <a:r>
+              <a:rPr lang="en-GB" sz="2000" dirty="0"/>
+              <a:t> et al.: The genomic landscape of Neanderthal ancestry in present-day humans. In: Nature. Band 507, 2014, S. 354–357, doi:10.1038/nature12961</a:t>
+            </a:r>
+          </a:p>
+          <a:p>
+            <a:r>
+              <a:rPr lang="en-GB" sz="2000" dirty="0">
+                <a:hlinkClick r:id="rId2"/>
+              </a:rPr>
+              <a:t>https://www.ncbi.nlm.nih.gov/pubmed/20448178</a:t>
+            </a:r>
+            <a:endParaRPr lang="en-GB" sz="2000" dirty="0"/>
+          </a:p>
+          <a:p>
+            <a:r>
+              <a:rPr lang="en-GB" sz="2000" dirty="0">
+                <a:hlinkClick r:id="rId3"/>
+              </a:rPr>
+              <a:t>https://www.eurekalert.org/pub_releases/2016-02/m-egf021616.php</a:t>
+            </a:r>
+            <a:endParaRPr lang="en-GB" sz="2000" dirty="0"/>
+          </a:p>
+          <a:p>
+            <a:r>
+              <a:rPr lang="en-GB" sz="2000" dirty="0"/>
+              <a:t>Richard E. Green et al.: A Complete Neandertal Mitochondrial Genome Sequence Determined by High-Throughput Sequencing</a:t>
+            </a:r>
+          </a:p>
+          <a:p>
+            <a:r>
+              <a:rPr lang="en-GB" sz="2000" dirty="0"/>
+              <a:t>https://www.theverge.com/2017/10/9/16448412/neanderthal-stone-age-human-genes-dna-schizophrenia-cholesterol-hair-skin-loneliness</a:t>
+            </a:r>
+          </a:p>
+        </p:txBody>
+      </p:sp>
+      <p:sp>
+        <p:nvSpPr>
+          <p:cNvPr id="4" name="Rectangle 3">
+            <a:extLst>
+              <a:ext uri="{FF2B5EF4-FFF2-40B4-BE49-F238E27FC236}">
+                <a16:creationId xmlns:a16="http://schemas.microsoft.com/office/drawing/2014/main" id="{4A5CAE33-1039-4E3C-A59B-F066EA3B96D4}"/>
+              </a:ext>
+            </a:extLst>
+          </p:cNvPr>
+          <p:cNvSpPr/>
+          <p:nvPr/>
+        </p:nvSpPr>
+        <p:spPr>
+          <a:xfrm>
+            <a:off x="11353800" y="0"/>
+            <a:ext cx="838200" cy="6858000"/>
+          </a:xfrm>
+          <a:prstGeom prst="rect">
+            <a:avLst/>
+          </a:prstGeom>
+          <a:solidFill>
+            <a:schemeClr val="tx1">
+              <a:lumMod val="65000"/>
+              <a:lumOff val="35000"/>
+            </a:schemeClr>
+          </a:solidFill>
+        </p:spPr>
+        <p:style>
+          <a:lnRef idx="2">
+            <a:schemeClr val="accent1">
+              <a:shade val="50000"/>
+            </a:schemeClr>
+          </a:lnRef>
+          <a:fillRef idx="1">
+            <a:schemeClr val="accent1"/>
+          </a:fillRef>
+          <a:effectRef idx="0">
+            <a:schemeClr val="accent1"/>
+          </a:effectRef>
+          <a:fontRef idx="minor">
+            <a:schemeClr val="lt1"/>
+          </a:fontRef>
+        </p:style>
+        <p:txBody>
+          <a:bodyPr rtlCol="0" anchor="ctr"/>
+          <a:lstStyle/>
+          <a:p>
+            <a:pPr algn="ctr"/>
+            <a:endParaRPr lang="en-GB"/>
+          </a:p>
+        </p:txBody>
+      </p:sp>
+      <p:cxnSp>
+        <p:nvCxnSpPr>
+          <p:cNvPr id="5" name="Straight Connector 4">
+            <a:extLst>
+              <a:ext uri="{FF2B5EF4-FFF2-40B4-BE49-F238E27FC236}">
+                <a16:creationId xmlns:a16="http://schemas.microsoft.com/office/drawing/2014/main" id="{AD66C3A4-5BB5-4A17-8C8C-3CEBEF9347CA}"/>
+              </a:ext>
+            </a:extLst>
+          </p:cNvPr>
+          <p:cNvCxnSpPr>
+            <a:cxnSpLocks/>
+          </p:cNvCxnSpPr>
+          <p:nvPr/>
+        </p:nvCxnSpPr>
+        <p:spPr>
+          <a:xfrm>
+            <a:off x="951470" y="1482811"/>
+            <a:ext cx="6969211" cy="0"/>
+          </a:xfrm>
+          <a:prstGeom prst="line">
+            <a:avLst/>
+          </a:prstGeom>
+          <a:ln w="76200">
+            <a:solidFill>
+              <a:schemeClr val="tx1">
+                <a:lumMod val="50000"/>
+                <a:lumOff val="50000"/>
+              </a:schemeClr>
+            </a:solidFill>
+          </a:ln>
+        </p:spPr>
+        <p:style>
+          <a:lnRef idx="1">
+            <a:schemeClr val="accent1"/>
+          </a:lnRef>
+          <a:fillRef idx="0">
+            <a:schemeClr val="accent1"/>
+          </a:fillRef>
+          <a:effectRef idx="0">
+            <a:schemeClr val="accent1"/>
+          </a:effectRef>
+          <a:fontRef idx="minor">
+            <a:schemeClr val="tx1"/>
+          </a:fontRef>
+        </p:style>
+      </p:cxnSp>
+    </p:spTree>
+    <p:extLst>
+      <p:ext uri="{BB962C8B-B14F-4D97-AF65-F5344CB8AC3E}">
+        <p14:creationId xmlns:p14="http://schemas.microsoft.com/office/powerpoint/2010/main" val="686032156"/>
+      </p:ext>
+    </p:extLst>
+  </p:cSld>
+  <p:clrMapOvr>
+    <a:masterClrMapping/>
+  </p:clrMapOvr>
+</p:sld>
+</file>
+
+<file path=ppt/slides/slide14.xml><?xml version="1.0" encoding="utf-8"?>
+<p:sld xmlns:a="http://schemas.openxmlformats.org/drawingml/2006/main" xmlns:r="http://schemas.openxmlformats.org/officeDocument/2006/relationships" xmlns:p="http://schemas.openxmlformats.org/presentationml/2006/main">
+  <p:cSld>
+    <p:spTree>
+      <p:nvGrpSpPr>
+        <p:cNvPr id="1" name=""/>
+        <p:cNvGrpSpPr/>
+        <p:nvPr/>
+      </p:nvGrpSpPr>
+      <p:grpSpPr>
+        <a:xfrm>
+          <a:off x="0" y="0"/>
+          <a:ext cx="0" cy="0"/>
+          <a:chOff x="0" y="0"/>
+          <a:chExt cx="0" cy="0"/>
+        </a:xfrm>
+      </p:grpSpPr>
       <p:sp>
         <p:nvSpPr>
           <p:cNvPr id="2" name="Title 1">
@@ -4610,20 +5627,7 @@
             </a:pPr>
             <a:r>
               <a:rPr lang="en-GB" dirty="0"/>
-              <a:t>Experimental procedure</a:t>
-            </a:r>
-          </a:p>
-          <a:p>
-            <a:pPr marL="514350" indent="-514350">
-              <a:lnSpc>
-                <a:spcPct val="170000"/>
-              </a:lnSpc>
-              <a:buFont typeface="+mj-lt"/>
-              <a:buAutoNum type="arabicPeriod" startAt="3"/>
-            </a:pPr>
-            <a:r>
-              <a:rPr lang="en-GB" dirty="0"/>
-              <a:t>Results</a:t>
+              <a:t>Experimental procedure and Results</a:t>
             </a:r>
           </a:p>
           <a:p>
@@ -4801,7 +5805,7 @@
         <p:spPr>
           <a:xfrm>
             <a:off x="615779" y="1732563"/>
-            <a:ext cx="6505575" cy="4351338"/>
+            <a:ext cx="6851821" cy="4351338"/>
           </a:xfrm>
         </p:spPr>
         <p:txBody>
@@ -4810,12 +5814,31 @@
           </a:bodyPr>
           <a:lstStyle/>
           <a:p>
+            <a:pPr>
+              <a:lnSpc>
+                <a:spcPct val="150000"/>
+              </a:lnSpc>
+            </a:pPr>
             <a:r>
               <a:rPr lang="en-US" dirty="0"/>
-              <a:t>Related to Humans</a:t>
-            </a:r>
-          </a:p>
-          <a:p>
+              <a:t>Lived side by side with </a:t>
+            </a:r>
+            <a:r>
+              <a:rPr lang="en-US" i="1" dirty="0"/>
+              <a:t>H. sapiens </a:t>
+            </a:r>
+            <a:r>
+              <a:rPr lang="en-US" dirty="0"/>
+              <a:t>(that’s us)</a:t>
+            </a:r>
+            <a:endParaRPr lang="en-US" i="1" dirty="0"/>
+          </a:p>
+          <a:p>
+            <a:pPr>
+              <a:lnSpc>
+                <a:spcPct val="150000"/>
+              </a:lnSpc>
+            </a:pPr>
             <a:r>
               <a:rPr lang="en-US" dirty="0"/>
               <a:t>Latest common ancestor: </a:t>
@@ -4826,15 +5849,36 @@
             </a:r>
           </a:p>
           <a:p>
+            <a:pPr>
+              <a:lnSpc>
+                <a:spcPct val="150000"/>
+              </a:lnSpc>
+            </a:pPr>
             <a:r>
               <a:rPr lang="en-US" dirty="0"/>
               <a:t>Evolved in Eurasia about 600.000 years ago</a:t>
             </a:r>
           </a:p>
           <a:p>
+            <a:pPr>
+              <a:lnSpc>
+                <a:spcPct val="150000"/>
+              </a:lnSpc>
+            </a:pPr>
             <a:r>
               <a:rPr lang="en-US" dirty="0"/>
               <a:t>Extinction: 30.000 years ago</a:t>
+            </a:r>
+          </a:p>
+          <a:p>
+            <a:pPr>
+              <a:lnSpc>
+                <a:spcPct val="150000"/>
+              </a:lnSpc>
+            </a:pPr>
+            <a:r>
+              <a:rPr lang="en-US" dirty="0"/>
+              <a:t>Related to Humans?</a:t>
             </a:r>
           </a:p>
         </p:txBody>
@@ -7147,108 +8191,145 @@
           <a:chExt cx="0" cy="0"/>
         </a:xfrm>
       </p:grpSpPr>
-      <p:sp>
-        <p:nvSpPr>
-          <p:cNvPr id="2" name="Title 1">
-            <a:extLst>
-              <a:ext uri="{FF2B5EF4-FFF2-40B4-BE49-F238E27FC236}">
-                <a16:creationId xmlns:a16="http://schemas.microsoft.com/office/drawing/2014/main" id="{1DDA7427-C717-49CC-9361-8F71A094DE37}"/>
-              </a:ext>
-            </a:extLst>
-          </p:cNvPr>
-          <p:cNvSpPr>
-            <a:spLocks noGrp="1"/>
-          </p:cNvSpPr>
-          <p:nvPr>
-            <p:ph type="title"/>
-          </p:nvPr>
-        </p:nvSpPr>
-        <p:spPr/>
-        <p:txBody>
-          <a:bodyPr/>
-          <a:lstStyle/>
-          <a:p>
-            <a:r>
-              <a:rPr lang="en-GB" dirty="0"/>
-              <a:t>References</a:t>
-            </a:r>
-          </a:p>
-        </p:txBody>
-      </p:sp>
-      <p:sp>
-        <p:nvSpPr>
-          <p:cNvPr id="3" name="Content Placeholder 2">
-            <a:extLst>
-              <a:ext uri="{FF2B5EF4-FFF2-40B4-BE49-F238E27FC236}">
-                <a16:creationId xmlns:a16="http://schemas.microsoft.com/office/drawing/2014/main" id="{456D776F-585B-44A1-8F12-F437FC01319C}"/>
-              </a:ext>
-            </a:extLst>
-          </p:cNvPr>
-          <p:cNvSpPr>
-            <a:spLocks noGrp="1"/>
-          </p:cNvSpPr>
-          <p:nvPr>
-            <p:ph idx="1"/>
-          </p:nvPr>
-        </p:nvSpPr>
-        <p:spPr/>
-        <p:txBody>
-          <a:bodyPr>
-            <a:normAutofit/>
+      <p:pic>
+        <p:nvPicPr>
+          <p:cNvPr id="5" name="Grafik 4"/>
+          <p:cNvPicPr>
+            <a:picLocks noChangeAspect="1"/>
+          </p:cNvPicPr>
+          <p:nvPr/>
+        </p:nvPicPr>
+        <p:blipFill>
+          <a:blip r:embed="rId2"/>
+          <a:stretch>
+            <a:fillRect/>
+          </a:stretch>
+        </p:blipFill>
+        <p:spPr>
+          <a:xfrm>
+            <a:off x="1790008" y="1425095"/>
+            <a:ext cx="2082726" cy="2035391"/>
+          </a:xfrm>
+          <a:prstGeom prst="rect">
+            <a:avLst/>
+          </a:prstGeom>
+        </p:spPr>
+      </p:pic>
+      <p:pic>
+        <p:nvPicPr>
+          <p:cNvPr id="6" name="Grafik 5"/>
+          <p:cNvPicPr>
+            <a:picLocks noChangeAspect="1"/>
+          </p:cNvPicPr>
+          <p:nvPr/>
+        </p:nvPicPr>
+        <p:blipFill>
+          <a:blip r:embed="rId3"/>
+          <a:stretch>
+            <a:fillRect/>
+          </a:stretch>
+        </p:blipFill>
+        <p:spPr>
+          <a:xfrm>
+            <a:off x="5134840" y="1425096"/>
+            <a:ext cx="3643399" cy="2114071"/>
+          </a:xfrm>
+          <a:prstGeom prst="rect">
+            <a:avLst/>
+          </a:prstGeom>
+        </p:spPr>
+      </p:pic>
+      <p:pic>
+        <p:nvPicPr>
+          <p:cNvPr id="7" name="Grafik 6"/>
+          <p:cNvPicPr>
+            <a:picLocks noChangeAspect="1"/>
+          </p:cNvPicPr>
+          <p:nvPr/>
+        </p:nvPicPr>
+        <p:blipFill>
+          <a:blip r:embed="rId4"/>
+          <a:stretch>
+            <a:fillRect/>
+          </a:stretch>
+        </p:blipFill>
+        <p:spPr>
+          <a:xfrm>
+            <a:off x="1790007" y="3807317"/>
+            <a:ext cx="2615738" cy="2126033"/>
+          </a:xfrm>
+          <a:prstGeom prst="rect">
+            <a:avLst/>
+          </a:prstGeom>
+        </p:spPr>
+      </p:pic>
+      <p:pic>
+        <p:nvPicPr>
+          <p:cNvPr id="8" name="Grafik 7"/>
+          <p:cNvPicPr>
+            <a:picLocks noChangeAspect="1"/>
+          </p:cNvPicPr>
+          <p:nvPr/>
+        </p:nvPicPr>
+        <p:blipFill>
+          <a:blip r:embed="rId5"/>
+          <a:stretch>
+            <a:fillRect/>
+          </a:stretch>
+        </p:blipFill>
+        <p:spPr>
+          <a:xfrm>
+            <a:off x="5134840" y="3732478"/>
+            <a:ext cx="4313267" cy="2200872"/>
+          </a:xfrm>
+          <a:prstGeom prst="rect">
+            <a:avLst/>
+          </a:prstGeom>
+        </p:spPr>
+      </p:pic>
+      <p:sp>
+        <p:nvSpPr>
+          <p:cNvPr id="9" name="Textfeld 8"/>
+          <p:cNvSpPr txBox="1"/>
+          <p:nvPr/>
+        </p:nvSpPr>
+        <p:spPr>
+          <a:xfrm>
+            <a:off x="426028" y="31455"/>
+            <a:ext cx="5942386" cy="1200329"/>
+          </a:xfrm>
+          <a:prstGeom prst="rect">
+            <a:avLst/>
+          </a:prstGeom>
+          <a:noFill/>
+        </p:spPr>
+        <p:txBody>
+          <a:bodyPr wrap="square" rtlCol="0">
+            <a:spAutoFit/>
           </a:bodyPr>
           <a:lstStyle/>
           <a:p>
             <a:r>
-              <a:rPr lang="en-GB" sz="2000" dirty="0"/>
-              <a:t>Sriram </a:t>
-            </a:r>
-            <a:r>
-              <a:rPr lang="en-GB" sz="2000" dirty="0" err="1"/>
-              <a:t>Sankararaman</a:t>
-            </a:r>
-            <a:r>
-              <a:rPr lang="en-GB" sz="2000" dirty="0"/>
-              <a:t> et al.: The genomic landscape of Neanderthal ancestry in present-day humans. In: Nature. Band 507, 2014, S. 354–357, doi:10.1038/nature12961</a:t>
-            </a:r>
-          </a:p>
-          <a:p>
-            <a:r>
-              <a:rPr lang="en-GB" sz="2000" dirty="0">
-                <a:hlinkClick r:id="rId2"/>
-              </a:rPr>
-              <a:t>https://www.ncbi.nlm.nih.gov/pubmed/20448178</a:t>
-            </a:r>
-            <a:endParaRPr lang="en-GB" sz="2000" dirty="0"/>
-          </a:p>
-          <a:p>
-            <a:r>
-              <a:rPr lang="en-GB" sz="2000" dirty="0">
-                <a:hlinkClick r:id="rId3"/>
-              </a:rPr>
-              <a:t>https://www.eurekalert.org/pub_releases/2016-02/m-egf021616.php</a:t>
-            </a:r>
-            <a:endParaRPr lang="en-GB" sz="2000" dirty="0"/>
-          </a:p>
-          <a:p>
-            <a:r>
-              <a:rPr lang="en-GB" sz="2000" dirty="0"/>
-              <a:t>Richard E. Green et al.: A Complete Neandertal Mitochondrial Genome Sequence Determined by High-Throughput Sequencing</a:t>
-            </a:r>
-          </a:p>
-          <a:p>
-            <a:r>
-              <a:rPr lang="en-GB" sz="2000" dirty="0"/>
-              <a:t>https://www.theverge.com/2017/10/9/16448412/neanderthal-stone-age-human-genes-dna-schizophrenia-cholesterol-hair-skin-loneliness</a:t>
-            </a:r>
-          </a:p>
-        </p:txBody>
-      </p:sp>
-      <p:sp>
-        <p:nvSpPr>
-          <p:cNvPr id="4" name="Rectangle 3">
-            <a:extLst>
-              <a:ext uri="{FF2B5EF4-FFF2-40B4-BE49-F238E27FC236}">
-                <a16:creationId xmlns:a16="http://schemas.microsoft.com/office/drawing/2014/main" id="{4A5CAE33-1039-4E3C-A59B-F066EA3B96D4}"/>
+              <a:rPr lang="en-GB" sz="2800" dirty="0"/>
+              <a:t>Experimental procedure</a:t>
+            </a:r>
+            <a:endParaRPr lang="de-DE" sz="2800" dirty="0"/>
+          </a:p>
+          <a:p>
+            <a:r>
+              <a:rPr lang="de-DE" sz="4400" dirty="0"/>
+              <a:t>UPGMA</a:t>
+            </a:r>
+            <a:endParaRPr lang="de-DE" dirty="0"/>
+          </a:p>
+        </p:txBody>
+      </p:sp>
+      <p:sp>
+        <p:nvSpPr>
+          <p:cNvPr id="10" name="Rectangle 9">
+            <a:extLst>
+              <a:ext uri="{FF2B5EF4-FFF2-40B4-BE49-F238E27FC236}">
+                <a16:creationId xmlns:a16="http://schemas.microsoft.com/office/drawing/2014/main" id="{D0EACB13-BFE7-4925-B768-37FBB86B0CF1}"/>
               </a:ext>
             </a:extLst>
           </p:cNvPr>
@@ -7297,10 +8378,10 @@
       </p:sp>
       <p:cxnSp>
         <p:nvCxnSpPr>
-          <p:cNvPr id="5" name="Straight Connector 4">
-            <a:extLst>
-              <a:ext uri="{FF2B5EF4-FFF2-40B4-BE49-F238E27FC236}">
-                <a16:creationId xmlns:a16="http://schemas.microsoft.com/office/drawing/2014/main" id="{AD66C3A4-5BB5-4A17-8C8C-3CEBEF9347CA}"/>
+          <p:cNvPr id="11" name="Straight Connector 10">
+            <a:extLst>
+              <a:ext uri="{FF2B5EF4-FFF2-40B4-BE49-F238E27FC236}">
+                <a16:creationId xmlns:a16="http://schemas.microsoft.com/office/drawing/2014/main" id="{B82834D1-437B-44D1-8CB6-E48A1012862C}"/>
               </a:ext>
             </a:extLst>
           </p:cNvPr>
@@ -7311,8 +8392,8 @@
         </p:nvCxnSpPr>
         <p:spPr>
           <a:xfrm>
-            <a:off x="951470" y="1482811"/>
-            <a:ext cx="6969211" cy="0"/>
+            <a:off x="426028" y="1235676"/>
+            <a:ext cx="4900215" cy="0"/>
           </a:xfrm>
           <a:prstGeom prst="line">
             <a:avLst/>
@@ -7344,7 +8425,7 @@
     </p:spTree>
     <p:extLst>
       <p:ext uri="{BB962C8B-B14F-4D97-AF65-F5344CB8AC3E}">
-        <p14:creationId xmlns:p14="http://schemas.microsoft.com/office/powerpoint/2010/main" val="686032156"/>
+        <p14:creationId xmlns:p14="http://schemas.microsoft.com/office/powerpoint/2010/main" val="1233421875"/>
       </p:ext>
     </p:extLst>
   </p:cSld>

--- a/humans_demo/Humans.pptx
+++ b/humans_demo/Humans.pptx
@@ -17,8 +17,8 @@
     <p:sldId id="265" r:id="rId8"/>
     <p:sldId id="266" r:id="rId9"/>
     <p:sldId id="267" r:id="rId10"/>
-    <p:sldId id="268" r:id="rId11"/>
-    <p:sldId id="269" r:id="rId12"/>
+    <p:sldId id="269" r:id="rId11"/>
+    <p:sldId id="268" r:id="rId12"/>
     <p:sldId id="271" r:id="rId13"/>
     <p:sldId id="260" r:id="rId14"/>
     <p:sldId id="261" r:id="rId15"/>
@@ -210,7 +210,7 @@
           <a:p>
             <a:fld id="{4337D9E4-563D-44F1-9A6E-5EC8CC1BB23C}" type="datetimeFigureOut">
               <a:rPr lang="en-GB" smtClean="0"/>
-              <a:t>28/03/2019</a:t>
+              <a:t>29/03/2019</a:t>
             </a:fld>
             <a:endParaRPr lang="en-GB"/>
           </a:p>
@@ -798,7 +798,7 @@
           <a:p>
             <a:fld id="{902EFA1F-0188-423F-90C2-2B4BB1ADFD41}" type="datetimeFigureOut">
               <a:rPr lang="en-GB" smtClean="0"/>
-              <a:t>28/03/2019</a:t>
+              <a:t>29/03/2019</a:t>
             </a:fld>
             <a:endParaRPr lang="en-GB"/>
           </a:p>
@@ -998,7 +998,7 @@
           <a:p>
             <a:fld id="{902EFA1F-0188-423F-90C2-2B4BB1ADFD41}" type="datetimeFigureOut">
               <a:rPr lang="en-GB" smtClean="0"/>
-              <a:t>28/03/2019</a:t>
+              <a:t>29/03/2019</a:t>
             </a:fld>
             <a:endParaRPr lang="en-GB"/>
           </a:p>
@@ -1208,7 +1208,7 @@
           <a:p>
             <a:fld id="{902EFA1F-0188-423F-90C2-2B4BB1ADFD41}" type="datetimeFigureOut">
               <a:rPr lang="en-GB" smtClean="0"/>
-              <a:t>28/03/2019</a:t>
+              <a:t>29/03/2019</a:t>
             </a:fld>
             <a:endParaRPr lang="en-GB"/>
           </a:p>
@@ -1408,7 +1408,7 @@
           <a:p>
             <a:fld id="{902EFA1F-0188-423F-90C2-2B4BB1ADFD41}" type="datetimeFigureOut">
               <a:rPr lang="en-GB" smtClean="0"/>
-              <a:t>28/03/2019</a:t>
+              <a:t>29/03/2019</a:t>
             </a:fld>
             <a:endParaRPr lang="en-GB"/>
           </a:p>
@@ -1684,7 +1684,7 @@
           <a:p>
             <a:fld id="{902EFA1F-0188-423F-90C2-2B4BB1ADFD41}" type="datetimeFigureOut">
               <a:rPr lang="en-GB" smtClean="0"/>
-              <a:t>28/03/2019</a:t>
+              <a:t>29/03/2019</a:t>
             </a:fld>
             <a:endParaRPr lang="en-GB"/>
           </a:p>
@@ -1952,7 +1952,7 @@
           <a:p>
             <a:fld id="{902EFA1F-0188-423F-90C2-2B4BB1ADFD41}" type="datetimeFigureOut">
               <a:rPr lang="en-GB" smtClean="0"/>
-              <a:t>28/03/2019</a:t>
+              <a:t>29/03/2019</a:t>
             </a:fld>
             <a:endParaRPr lang="en-GB"/>
           </a:p>
@@ -2367,7 +2367,7 @@
           <a:p>
             <a:fld id="{902EFA1F-0188-423F-90C2-2B4BB1ADFD41}" type="datetimeFigureOut">
               <a:rPr lang="en-GB" smtClean="0"/>
-              <a:t>28/03/2019</a:t>
+              <a:t>29/03/2019</a:t>
             </a:fld>
             <a:endParaRPr lang="en-GB"/>
           </a:p>
@@ -2509,7 +2509,7 @@
           <a:p>
             <a:fld id="{902EFA1F-0188-423F-90C2-2B4BB1ADFD41}" type="datetimeFigureOut">
               <a:rPr lang="en-GB" smtClean="0"/>
-              <a:t>28/03/2019</a:t>
+              <a:t>29/03/2019</a:t>
             </a:fld>
             <a:endParaRPr lang="en-GB"/>
           </a:p>
@@ -2622,7 +2622,7 @@
           <a:p>
             <a:fld id="{902EFA1F-0188-423F-90C2-2B4BB1ADFD41}" type="datetimeFigureOut">
               <a:rPr lang="en-GB" smtClean="0"/>
-              <a:t>28/03/2019</a:t>
+              <a:t>29/03/2019</a:t>
             </a:fld>
             <a:endParaRPr lang="en-GB"/>
           </a:p>
@@ -2935,7 +2935,7 @@
           <a:p>
             <a:fld id="{902EFA1F-0188-423F-90C2-2B4BB1ADFD41}" type="datetimeFigureOut">
               <a:rPr lang="en-GB" smtClean="0"/>
-              <a:t>28/03/2019</a:t>
+              <a:t>29/03/2019</a:t>
             </a:fld>
             <a:endParaRPr lang="en-GB"/>
           </a:p>
@@ -3224,7 +3224,7 @@
           <a:p>
             <a:fld id="{902EFA1F-0188-423F-90C2-2B4BB1ADFD41}" type="datetimeFigureOut">
               <a:rPr lang="en-GB" smtClean="0"/>
-              <a:t>28/03/2019</a:t>
+              <a:t>29/03/2019</a:t>
             </a:fld>
             <a:endParaRPr lang="en-GB"/>
           </a:p>
@@ -3470,7 +3470,7 @@
           <a:p>
             <a:fld id="{902EFA1F-0188-423F-90C2-2B4BB1ADFD41}" type="datetimeFigureOut">
               <a:rPr lang="en-GB" smtClean="0"/>
-              <a:t>28/03/2019</a:t>
+              <a:t>29/03/2019</a:t>
             </a:fld>
             <a:endParaRPr lang="en-GB"/>
           </a:p>
@@ -4264,14 +4264,14 @@
       </p:grpSpPr>
       <p:pic>
         <p:nvPicPr>
-          <p:cNvPr id="7" name="Grafik 6"/>
+          <p:cNvPr id="4" name="Grafik 3"/>
           <p:cNvPicPr>
             <a:picLocks noChangeAspect="1"/>
           </p:cNvPicPr>
           <p:nvPr/>
         </p:nvPicPr>
         <p:blipFill>
-          <a:blip r:embed="rId2" cstate="print">
+          <a:blip r:embed="rId2">
             <a:extLst>
               <a:ext uri="{28A0092B-C50C-407E-A947-70E740481C1C}">
                 <a14:useLocalDpi xmlns:a14="http://schemas.microsoft.com/office/drawing/2010/main" val="0"/>
@@ -4284,414 +4284,18 @@
         </p:blipFill>
         <p:spPr>
           <a:xfrm>
-            <a:off x="144386" y="-32085"/>
-            <a:ext cx="8975558" cy="2763527"/>
+            <a:off x="944880" y="244230"/>
+            <a:ext cx="9742535" cy="6369540"/>
           </a:xfrm>
           <a:prstGeom prst="rect">
             <a:avLst/>
           </a:prstGeom>
         </p:spPr>
       </p:pic>
-      <p:sp>
-        <p:nvSpPr>
-          <p:cNvPr id="8" name="Textfeld 7"/>
-          <p:cNvSpPr txBox="1"/>
-          <p:nvPr/>
-        </p:nvSpPr>
-        <p:spPr>
-          <a:xfrm>
-            <a:off x="0" y="2582313"/>
-            <a:ext cx="9119944" cy="830997"/>
-          </a:xfrm>
-          <a:prstGeom prst="rect">
-            <a:avLst/>
-          </a:prstGeom>
-          <a:noFill/>
-        </p:spPr>
-        <p:txBody>
-          <a:bodyPr wrap="square" rtlCol="0">
-            <a:spAutoFit/>
-          </a:bodyPr>
-          <a:lstStyle/>
-          <a:p>
-            <a:pPr algn="ctr"/>
-            <a:r>
-              <a:rPr lang="de-DE" sz="4800" dirty="0"/>
-              <a:t>[…]</a:t>
-            </a:r>
-          </a:p>
-        </p:txBody>
-      </p:sp>
-      <p:pic>
-        <p:nvPicPr>
-          <p:cNvPr id="9" name="Grafik 8"/>
-          <p:cNvPicPr>
-            <a:picLocks noChangeAspect="1"/>
-          </p:cNvPicPr>
-          <p:nvPr/>
-        </p:nvPicPr>
-        <p:blipFill>
-          <a:blip r:embed="rId3" cstate="print">
-            <a:extLst>
-              <a:ext uri="{28A0092B-C50C-407E-A947-70E740481C1C}">
-                <a14:useLocalDpi xmlns:a14="http://schemas.microsoft.com/office/drawing/2010/main" val="0"/>
-              </a:ext>
-            </a:extLst>
-          </a:blip>
-          <a:stretch>
-            <a:fillRect/>
-          </a:stretch>
-        </p:blipFill>
-        <p:spPr>
-          <a:xfrm>
-            <a:off x="1286383" y="3485464"/>
-            <a:ext cx="9111916" cy="3021422"/>
-          </a:xfrm>
-          <a:prstGeom prst="rect">
-            <a:avLst/>
-          </a:prstGeom>
-        </p:spPr>
-      </p:pic>
-      <p:sp>
-        <p:nvSpPr>
-          <p:cNvPr id="10" name="Rechteck 9"/>
-          <p:cNvSpPr/>
-          <p:nvPr/>
-        </p:nvSpPr>
-        <p:spPr>
-          <a:xfrm>
-            <a:off x="4050637" y="16669"/>
-            <a:ext cx="456323" cy="147637"/>
-          </a:xfrm>
-          <a:prstGeom prst="rect">
-            <a:avLst/>
-          </a:prstGeom>
-          <a:noFill/>
-          <a:ln>
-            <a:solidFill>
-              <a:srgbClr val="FF0000"/>
-            </a:solidFill>
-          </a:ln>
-        </p:spPr>
-        <p:style>
-          <a:lnRef idx="2">
-            <a:schemeClr val="accent1">
-              <a:shade val="50000"/>
-            </a:schemeClr>
-          </a:lnRef>
-          <a:fillRef idx="1">
-            <a:schemeClr val="accent1"/>
-          </a:fillRef>
-          <a:effectRef idx="0">
-            <a:schemeClr val="accent1"/>
-          </a:effectRef>
-          <a:fontRef idx="minor">
-            <a:schemeClr val="lt1"/>
-          </a:fontRef>
-        </p:style>
-        <p:txBody>
-          <a:bodyPr rtlCol="0" anchor="ctr"/>
-          <a:lstStyle/>
-          <a:p>
-            <a:pPr algn="ctr"/>
-            <a:endParaRPr lang="de-DE" dirty="0"/>
-          </a:p>
-        </p:txBody>
-      </p:sp>
-      <p:cxnSp>
-        <p:nvCxnSpPr>
-          <p:cNvPr id="12" name="Gerade Verbindung mit Pfeil 11"/>
-          <p:cNvCxnSpPr/>
-          <p:nvPr/>
-        </p:nvCxnSpPr>
-        <p:spPr>
-          <a:xfrm flipH="1">
-            <a:off x="8543180" y="6038850"/>
-            <a:ext cx="576764" cy="0"/>
-          </a:xfrm>
-          <a:prstGeom prst="straightConnector1">
-            <a:avLst/>
-          </a:prstGeom>
-          <a:ln>
-            <a:solidFill>
-              <a:srgbClr val="FF0000"/>
-            </a:solidFill>
-            <a:tailEnd type="triangle"/>
-          </a:ln>
-        </p:spPr>
-        <p:style>
-          <a:lnRef idx="1">
-            <a:schemeClr val="accent1"/>
-          </a:lnRef>
-          <a:fillRef idx="0">
-            <a:schemeClr val="accent1"/>
-          </a:fillRef>
-          <a:effectRef idx="0">
-            <a:schemeClr val="accent1"/>
-          </a:effectRef>
-          <a:fontRef idx="minor">
-            <a:schemeClr val="tx1"/>
-          </a:fontRef>
-        </p:style>
-      </p:cxnSp>
-      <p:cxnSp>
-        <p:nvCxnSpPr>
-          <p:cNvPr id="13" name="Gerade Verbindung mit Pfeil 12"/>
-          <p:cNvCxnSpPr/>
-          <p:nvPr/>
-        </p:nvCxnSpPr>
-        <p:spPr>
-          <a:xfrm flipH="1">
-            <a:off x="8543180" y="5962644"/>
-            <a:ext cx="576764" cy="0"/>
-          </a:xfrm>
-          <a:prstGeom prst="straightConnector1">
-            <a:avLst/>
-          </a:prstGeom>
-          <a:ln>
-            <a:solidFill>
-              <a:srgbClr val="FF0000"/>
-            </a:solidFill>
-            <a:tailEnd type="triangle"/>
-          </a:ln>
-        </p:spPr>
-        <p:style>
-          <a:lnRef idx="1">
-            <a:schemeClr val="accent1"/>
-          </a:lnRef>
-          <a:fillRef idx="0">
-            <a:schemeClr val="accent1"/>
-          </a:fillRef>
-          <a:effectRef idx="0">
-            <a:schemeClr val="accent1"/>
-          </a:effectRef>
-          <a:fontRef idx="minor">
-            <a:schemeClr val="tx1"/>
-          </a:fontRef>
-        </p:style>
-      </p:cxnSp>
-      <p:cxnSp>
-        <p:nvCxnSpPr>
-          <p:cNvPr id="14" name="Gerade Verbindung mit Pfeil 13"/>
-          <p:cNvCxnSpPr/>
-          <p:nvPr/>
-        </p:nvCxnSpPr>
-        <p:spPr>
-          <a:xfrm flipH="1">
-            <a:off x="7459709" y="4086218"/>
-            <a:ext cx="576764" cy="0"/>
-          </a:xfrm>
-          <a:prstGeom prst="straightConnector1">
-            <a:avLst/>
-          </a:prstGeom>
-          <a:ln>
-            <a:solidFill>
-              <a:srgbClr val="FF0000"/>
-            </a:solidFill>
-            <a:tailEnd type="triangle"/>
-          </a:ln>
-        </p:spPr>
-        <p:style>
-          <a:lnRef idx="1">
-            <a:schemeClr val="accent1"/>
-          </a:lnRef>
-          <a:fillRef idx="0">
-            <a:schemeClr val="accent1"/>
-          </a:fillRef>
-          <a:effectRef idx="0">
-            <a:schemeClr val="accent1"/>
-          </a:effectRef>
-          <a:fontRef idx="minor">
-            <a:schemeClr val="tx1"/>
-          </a:fontRef>
-        </p:style>
-      </p:cxnSp>
-      <p:sp>
-        <p:nvSpPr>
-          <p:cNvPr id="15" name="Textfeld 14"/>
-          <p:cNvSpPr txBox="1"/>
-          <p:nvPr/>
-        </p:nvSpPr>
-        <p:spPr>
-          <a:xfrm>
-            <a:off x="8560060" y="816185"/>
-            <a:ext cx="3487554" cy="2308324"/>
-          </a:xfrm>
-          <a:prstGeom prst="rect">
-            <a:avLst/>
-          </a:prstGeom>
-          <a:noFill/>
-        </p:spPr>
-        <p:txBody>
-          <a:bodyPr wrap="square" rtlCol="0">
-            <a:spAutoFit/>
-          </a:bodyPr>
-          <a:lstStyle/>
-          <a:p>
-            <a:pPr marL="285750" indent="-285750">
-              <a:buFont typeface="Arial" panose="020B0604020202020204" pitchFamily="34" charset="0"/>
-              <a:buChar char="•"/>
-            </a:pPr>
-            <a:r>
-              <a:rPr lang="en-US" sz="2400" dirty="0"/>
-              <a:t>Phylogenetic tree of 206 modern humans and 2 </a:t>
-            </a:r>
-            <a:r>
-              <a:rPr lang="en-US" sz="2400" dirty="0" err="1"/>
-              <a:t>neanderthals</a:t>
-            </a:r>
-            <a:endParaRPr lang="en-US" sz="2400" dirty="0"/>
-          </a:p>
-          <a:p>
-            <a:pPr marL="285750" indent="-285750">
-              <a:buFont typeface="Arial" panose="020B0604020202020204" pitchFamily="34" charset="0"/>
-              <a:buChar char="•"/>
-            </a:pPr>
-            <a:r>
-              <a:rPr lang="en-US" sz="2400" dirty="0" err="1"/>
-              <a:t>neanderthals</a:t>
-            </a:r>
-            <a:r>
-              <a:rPr lang="en-US" sz="2400" dirty="0"/>
-              <a:t> are genetically distant from modern humans</a:t>
-            </a:r>
-            <a:endParaRPr lang="de-DE" sz="2400" dirty="0"/>
-          </a:p>
-        </p:txBody>
-      </p:sp>
-      <p:pic>
-        <p:nvPicPr>
-          <p:cNvPr id="16" name="Grafik 15"/>
-          <p:cNvPicPr>
-            <a:picLocks noChangeAspect="1"/>
-          </p:cNvPicPr>
-          <p:nvPr/>
-        </p:nvPicPr>
-        <p:blipFill>
-          <a:blip r:embed="rId4" cstate="print">
-            <a:extLst>
-              <a:ext uri="{28A0092B-C50C-407E-A947-70E740481C1C}">
-                <a14:useLocalDpi xmlns:a14="http://schemas.microsoft.com/office/drawing/2010/main" val="0"/>
-              </a:ext>
-            </a:extLst>
-          </a:blip>
-          <a:stretch>
-            <a:fillRect/>
-          </a:stretch>
-        </p:blipFill>
-        <p:spPr>
-          <a:xfrm>
-            <a:off x="0" y="4942726"/>
-            <a:ext cx="1664404" cy="1915274"/>
-          </a:xfrm>
-          <a:prstGeom prst="rect">
-            <a:avLst/>
-          </a:prstGeom>
-          <a:ln w="28575">
-            <a:solidFill>
-              <a:schemeClr val="tx1"/>
-            </a:solidFill>
-          </a:ln>
-        </p:spPr>
-      </p:pic>
-      <p:sp>
-        <p:nvSpPr>
-          <p:cNvPr id="17" name="Rechteck 16"/>
-          <p:cNvSpPr/>
-          <p:nvPr/>
-        </p:nvSpPr>
-        <p:spPr>
-          <a:xfrm>
-            <a:off x="-19050" y="4932885"/>
-            <a:ext cx="1700213" cy="370159"/>
-          </a:xfrm>
-          <a:prstGeom prst="rect">
-            <a:avLst/>
-          </a:prstGeom>
-          <a:noFill/>
-          <a:ln w="6350">
-            <a:solidFill>
-              <a:schemeClr val="tx1"/>
-            </a:solidFill>
-            <a:prstDash val="sysDash"/>
-          </a:ln>
-        </p:spPr>
-        <p:style>
-          <a:lnRef idx="2">
-            <a:schemeClr val="accent1">
-              <a:shade val="50000"/>
-            </a:schemeClr>
-          </a:lnRef>
-          <a:fillRef idx="1">
-            <a:schemeClr val="accent1"/>
-          </a:fillRef>
-          <a:effectRef idx="0">
-            <a:schemeClr val="accent1"/>
-          </a:effectRef>
-          <a:fontRef idx="minor">
-            <a:schemeClr val="lt1"/>
-          </a:fontRef>
-        </p:style>
-        <p:txBody>
-          <a:bodyPr rtlCol="0" anchor="ctr"/>
-          <a:lstStyle/>
-          <a:p>
-            <a:pPr algn="ctr"/>
-            <a:endParaRPr lang="de-DE"/>
-          </a:p>
-        </p:txBody>
-      </p:sp>
-      <p:sp>
-        <p:nvSpPr>
-          <p:cNvPr id="18" name="Rechteck 17"/>
-          <p:cNvSpPr/>
-          <p:nvPr/>
-        </p:nvSpPr>
-        <p:spPr>
-          <a:xfrm>
-            <a:off x="0" y="6390147"/>
-            <a:ext cx="1664404" cy="477694"/>
-          </a:xfrm>
-          <a:prstGeom prst="rect">
-            <a:avLst/>
-          </a:prstGeom>
-          <a:noFill/>
-          <a:ln w="6350">
-            <a:solidFill>
-              <a:schemeClr val="tx1"/>
-            </a:solidFill>
-            <a:prstDash val="sysDash"/>
-          </a:ln>
-        </p:spPr>
-        <p:style>
-          <a:lnRef idx="2">
-            <a:schemeClr val="accent1">
-              <a:shade val="50000"/>
-            </a:schemeClr>
-          </a:lnRef>
-          <a:fillRef idx="1">
-            <a:schemeClr val="accent1"/>
-          </a:fillRef>
-          <a:effectRef idx="0">
-            <a:schemeClr val="accent1"/>
-          </a:effectRef>
-          <a:fontRef idx="minor">
-            <a:schemeClr val="lt1"/>
-          </a:fontRef>
-        </p:style>
-        <p:txBody>
-          <a:bodyPr rtlCol="0" anchor="ctr"/>
-          <a:lstStyle/>
-          <a:p>
-            <a:pPr algn="ctr"/>
-            <a:endParaRPr lang="de-DE"/>
-          </a:p>
-        </p:txBody>
-      </p:sp>
     </p:spTree>
     <p:extLst>
       <p:ext uri="{BB962C8B-B14F-4D97-AF65-F5344CB8AC3E}">
-        <p14:creationId xmlns:p14="http://schemas.microsoft.com/office/powerpoint/2010/main" val="2928616866"/>
+        <p14:creationId xmlns:p14="http://schemas.microsoft.com/office/powerpoint/2010/main" val="1077453744"/>
       </p:ext>
     </p:extLst>
   </p:cSld>
@@ -4720,14 +4324,14 @@
       </p:grpSpPr>
       <p:pic>
         <p:nvPicPr>
-          <p:cNvPr id="4" name="Grafik 3"/>
+          <p:cNvPr id="7" name="Grafik 6"/>
           <p:cNvPicPr>
             <a:picLocks noChangeAspect="1"/>
           </p:cNvPicPr>
           <p:nvPr/>
         </p:nvPicPr>
         <p:blipFill>
-          <a:blip r:embed="rId2">
+          <a:blip r:embed="rId2" cstate="print">
             <a:extLst>
               <a:ext uri="{28A0092B-C50C-407E-A947-70E740481C1C}">
                 <a14:useLocalDpi xmlns:a14="http://schemas.microsoft.com/office/drawing/2010/main" val="0"/>
@@ -4740,18 +4344,414 @@
         </p:blipFill>
         <p:spPr>
           <a:xfrm>
-            <a:off x="944880" y="244230"/>
-            <a:ext cx="9742535" cy="6369540"/>
+            <a:off x="144386" y="-32085"/>
+            <a:ext cx="8975558" cy="2763527"/>
           </a:xfrm>
           <a:prstGeom prst="rect">
             <a:avLst/>
           </a:prstGeom>
         </p:spPr>
       </p:pic>
+      <p:sp>
+        <p:nvSpPr>
+          <p:cNvPr id="8" name="Textfeld 7"/>
+          <p:cNvSpPr txBox="1"/>
+          <p:nvPr/>
+        </p:nvSpPr>
+        <p:spPr>
+          <a:xfrm>
+            <a:off x="0" y="2582313"/>
+            <a:ext cx="9119944" cy="830997"/>
+          </a:xfrm>
+          <a:prstGeom prst="rect">
+            <a:avLst/>
+          </a:prstGeom>
+          <a:noFill/>
+        </p:spPr>
+        <p:txBody>
+          <a:bodyPr wrap="square" rtlCol="0">
+            <a:spAutoFit/>
+          </a:bodyPr>
+          <a:lstStyle/>
+          <a:p>
+            <a:pPr algn="ctr"/>
+            <a:r>
+              <a:rPr lang="de-DE" sz="4800" dirty="0"/>
+              <a:t>[…]</a:t>
+            </a:r>
+          </a:p>
+        </p:txBody>
+      </p:sp>
+      <p:pic>
+        <p:nvPicPr>
+          <p:cNvPr id="9" name="Grafik 8"/>
+          <p:cNvPicPr>
+            <a:picLocks noChangeAspect="1"/>
+          </p:cNvPicPr>
+          <p:nvPr/>
+        </p:nvPicPr>
+        <p:blipFill>
+          <a:blip r:embed="rId3" cstate="print">
+            <a:extLst>
+              <a:ext uri="{28A0092B-C50C-407E-A947-70E740481C1C}">
+                <a14:useLocalDpi xmlns:a14="http://schemas.microsoft.com/office/drawing/2010/main" val="0"/>
+              </a:ext>
+            </a:extLst>
+          </a:blip>
+          <a:stretch>
+            <a:fillRect/>
+          </a:stretch>
+        </p:blipFill>
+        <p:spPr>
+          <a:xfrm>
+            <a:off x="1286383" y="3485464"/>
+            <a:ext cx="9111916" cy="3021422"/>
+          </a:xfrm>
+          <a:prstGeom prst="rect">
+            <a:avLst/>
+          </a:prstGeom>
+        </p:spPr>
+      </p:pic>
+      <p:sp>
+        <p:nvSpPr>
+          <p:cNvPr id="10" name="Rechteck 9"/>
+          <p:cNvSpPr/>
+          <p:nvPr/>
+        </p:nvSpPr>
+        <p:spPr>
+          <a:xfrm>
+            <a:off x="4050637" y="16669"/>
+            <a:ext cx="456323" cy="147637"/>
+          </a:xfrm>
+          <a:prstGeom prst="rect">
+            <a:avLst/>
+          </a:prstGeom>
+          <a:noFill/>
+          <a:ln>
+            <a:solidFill>
+              <a:srgbClr val="FF0000"/>
+            </a:solidFill>
+          </a:ln>
+        </p:spPr>
+        <p:style>
+          <a:lnRef idx="2">
+            <a:schemeClr val="accent1">
+              <a:shade val="50000"/>
+            </a:schemeClr>
+          </a:lnRef>
+          <a:fillRef idx="1">
+            <a:schemeClr val="accent1"/>
+          </a:fillRef>
+          <a:effectRef idx="0">
+            <a:schemeClr val="accent1"/>
+          </a:effectRef>
+          <a:fontRef idx="minor">
+            <a:schemeClr val="lt1"/>
+          </a:fontRef>
+        </p:style>
+        <p:txBody>
+          <a:bodyPr rtlCol="0" anchor="ctr"/>
+          <a:lstStyle/>
+          <a:p>
+            <a:pPr algn="ctr"/>
+            <a:endParaRPr lang="de-DE" dirty="0"/>
+          </a:p>
+        </p:txBody>
+      </p:sp>
+      <p:cxnSp>
+        <p:nvCxnSpPr>
+          <p:cNvPr id="12" name="Gerade Verbindung mit Pfeil 11"/>
+          <p:cNvCxnSpPr/>
+          <p:nvPr/>
+        </p:nvCxnSpPr>
+        <p:spPr>
+          <a:xfrm flipH="1">
+            <a:off x="8543180" y="6038850"/>
+            <a:ext cx="576764" cy="0"/>
+          </a:xfrm>
+          <a:prstGeom prst="straightConnector1">
+            <a:avLst/>
+          </a:prstGeom>
+          <a:ln>
+            <a:solidFill>
+              <a:srgbClr val="FF0000"/>
+            </a:solidFill>
+            <a:tailEnd type="triangle"/>
+          </a:ln>
+        </p:spPr>
+        <p:style>
+          <a:lnRef idx="1">
+            <a:schemeClr val="accent1"/>
+          </a:lnRef>
+          <a:fillRef idx="0">
+            <a:schemeClr val="accent1"/>
+          </a:fillRef>
+          <a:effectRef idx="0">
+            <a:schemeClr val="accent1"/>
+          </a:effectRef>
+          <a:fontRef idx="minor">
+            <a:schemeClr val="tx1"/>
+          </a:fontRef>
+        </p:style>
+      </p:cxnSp>
+      <p:cxnSp>
+        <p:nvCxnSpPr>
+          <p:cNvPr id="13" name="Gerade Verbindung mit Pfeil 12"/>
+          <p:cNvCxnSpPr/>
+          <p:nvPr/>
+        </p:nvCxnSpPr>
+        <p:spPr>
+          <a:xfrm flipH="1">
+            <a:off x="8543180" y="5962644"/>
+            <a:ext cx="576764" cy="0"/>
+          </a:xfrm>
+          <a:prstGeom prst="straightConnector1">
+            <a:avLst/>
+          </a:prstGeom>
+          <a:ln>
+            <a:solidFill>
+              <a:srgbClr val="FF0000"/>
+            </a:solidFill>
+            <a:tailEnd type="triangle"/>
+          </a:ln>
+        </p:spPr>
+        <p:style>
+          <a:lnRef idx="1">
+            <a:schemeClr val="accent1"/>
+          </a:lnRef>
+          <a:fillRef idx="0">
+            <a:schemeClr val="accent1"/>
+          </a:fillRef>
+          <a:effectRef idx="0">
+            <a:schemeClr val="accent1"/>
+          </a:effectRef>
+          <a:fontRef idx="minor">
+            <a:schemeClr val="tx1"/>
+          </a:fontRef>
+        </p:style>
+      </p:cxnSp>
+      <p:cxnSp>
+        <p:nvCxnSpPr>
+          <p:cNvPr id="14" name="Gerade Verbindung mit Pfeil 13"/>
+          <p:cNvCxnSpPr/>
+          <p:nvPr/>
+        </p:nvCxnSpPr>
+        <p:spPr>
+          <a:xfrm flipH="1">
+            <a:off x="7459709" y="4086218"/>
+            <a:ext cx="576764" cy="0"/>
+          </a:xfrm>
+          <a:prstGeom prst="straightConnector1">
+            <a:avLst/>
+          </a:prstGeom>
+          <a:ln>
+            <a:solidFill>
+              <a:srgbClr val="FF0000"/>
+            </a:solidFill>
+            <a:tailEnd type="triangle"/>
+          </a:ln>
+        </p:spPr>
+        <p:style>
+          <a:lnRef idx="1">
+            <a:schemeClr val="accent1"/>
+          </a:lnRef>
+          <a:fillRef idx="0">
+            <a:schemeClr val="accent1"/>
+          </a:fillRef>
+          <a:effectRef idx="0">
+            <a:schemeClr val="accent1"/>
+          </a:effectRef>
+          <a:fontRef idx="minor">
+            <a:schemeClr val="tx1"/>
+          </a:fontRef>
+        </p:style>
+      </p:cxnSp>
+      <p:sp>
+        <p:nvSpPr>
+          <p:cNvPr id="15" name="Textfeld 14"/>
+          <p:cNvSpPr txBox="1"/>
+          <p:nvPr/>
+        </p:nvSpPr>
+        <p:spPr>
+          <a:xfrm>
+            <a:off x="8560060" y="816185"/>
+            <a:ext cx="3487554" cy="2308324"/>
+          </a:xfrm>
+          <a:prstGeom prst="rect">
+            <a:avLst/>
+          </a:prstGeom>
+          <a:noFill/>
+        </p:spPr>
+        <p:txBody>
+          <a:bodyPr wrap="square" rtlCol="0">
+            <a:spAutoFit/>
+          </a:bodyPr>
+          <a:lstStyle/>
+          <a:p>
+            <a:pPr marL="285750" indent="-285750">
+              <a:buFont typeface="Arial" panose="020B0604020202020204" pitchFamily="34" charset="0"/>
+              <a:buChar char="•"/>
+            </a:pPr>
+            <a:r>
+              <a:rPr lang="en-US" sz="2400" dirty="0"/>
+              <a:t>Phylogenetic tree of 206 modern humans and 2 </a:t>
+            </a:r>
+            <a:r>
+              <a:rPr lang="en-US" sz="2400" dirty="0" err="1"/>
+              <a:t>neanderthals</a:t>
+            </a:r>
+            <a:endParaRPr lang="en-US" sz="2400" dirty="0"/>
+          </a:p>
+          <a:p>
+            <a:pPr marL="285750" indent="-285750">
+              <a:buFont typeface="Arial" panose="020B0604020202020204" pitchFamily="34" charset="0"/>
+              <a:buChar char="•"/>
+            </a:pPr>
+            <a:r>
+              <a:rPr lang="en-US" sz="2400" dirty="0" err="1"/>
+              <a:t>neanderthals</a:t>
+            </a:r>
+            <a:r>
+              <a:rPr lang="en-US" sz="2400" dirty="0"/>
+              <a:t> are genetically distant from modern humans</a:t>
+            </a:r>
+            <a:endParaRPr lang="de-DE" sz="2400" dirty="0"/>
+          </a:p>
+        </p:txBody>
+      </p:sp>
+      <p:pic>
+        <p:nvPicPr>
+          <p:cNvPr id="16" name="Grafik 15"/>
+          <p:cNvPicPr>
+            <a:picLocks noChangeAspect="1"/>
+          </p:cNvPicPr>
+          <p:nvPr/>
+        </p:nvPicPr>
+        <p:blipFill>
+          <a:blip r:embed="rId4" cstate="print">
+            <a:extLst>
+              <a:ext uri="{28A0092B-C50C-407E-A947-70E740481C1C}">
+                <a14:useLocalDpi xmlns:a14="http://schemas.microsoft.com/office/drawing/2010/main" val="0"/>
+              </a:ext>
+            </a:extLst>
+          </a:blip>
+          <a:stretch>
+            <a:fillRect/>
+          </a:stretch>
+        </p:blipFill>
+        <p:spPr>
+          <a:xfrm>
+            <a:off x="0" y="4942726"/>
+            <a:ext cx="1664404" cy="1915274"/>
+          </a:xfrm>
+          <a:prstGeom prst="rect">
+            <a:avLst/>
+          </a:prstGeom>
+          <a:ln w="28575">
+            <a:solidFill>
+              <a:schemeClr val="tx1"/>
+            </a:solidFill>
+          </a:ln>
+        </p:spPr>
+      </p:pic>
+      <p:sp>
+        <p:nvSpPr>
+          <p:cNvPr id="17" name="Rechteck 16"/>
+          <p:cNvSpPr/>
+          <p:nvPr/>
+        </p:nvSpPr>
+        <p:spPr>
+          <a:xfrm>
+            <a:off x="-19050" y="4932885"/>
+            <a:ext cx="1700213" cy="370159"/>
+          </a:xfrm>
+          <a:prstGeom prst="rect">
+            <a:avLst/>
+          </a:prstGeom>
+          <a:noFill/>
+          <a:ln w="6350">
+            <a:solidFill>
+              <a:schemeClr val="tx1"/>
+            </a:solidFill>
+            <a:prstDash val="sysDash"/>
+          </a:ln>
+        </p:spPr>
+        <p:style>
+          <a:lnRef idx="2">
+            <a:schemeClr val="accent1">
+              <a:shade val="50000"/>
+            </a:schemeClr>
+          </a:lnRef>
+          <a:fillRef idx="1">
+            <a:schemeClr val="accent1"/>
+          </a:fillRef>
+          <a:effectRef idx="0">
+            <a:schemeClr val="accent1"/>
+          </a:effectRef>
+          <a:fontRef idx="minor">
+            <a:schemeClr val="lt1"/>
+          </a:fontRef>
+        </p:style>
+        <p:txBody>
+          <a:bodyPr rtlCol="0" anchor="ctr"/>
+          <a:lstStyle/>
+          <a:p>
+            <a:pPr algn="ctr"/>
+            <a:endParaRPr lang="de-DE"/>
+          </a:p>
+        </p:txBody>
+      </p:sp>
+      <p:sp>
+        <p:nvSpPr>
+          <p:cNvPr id="18" name="Rechteck 17"/>
+          <p:cNvSpPr/>
+          <p:nvPr/>
+        </p:nvSpPr>
+        <p:spPr>
+          <a:xfrm>
+            <a:off x="0" y="6390147"/>
+            <a:ext cx="1664404" cy="477694"/>
+          </a:xfrm>
+          <a:prstGeom prst="rect">
+            <a:avLst/>
+          </a:prstGeom>
+          <a:noFill/>
+          <a:ln w="6350">
+            <a:solidFill>
+              <a:schemeClr val="tx1"/>
+            </a:solidFill>
+            <a:prstDash val="sysDash"/>
+          </a:ln>
+        </p:spPr>
+        <p:style>
+          <a:lnRef idx="2">
+            <a:schemeClr val="accent1">
+              <a:shade val="50000"/>
+            </a:schemeClr>
+          </a:lnRef>
+          <a:fillRef idx="1">
+            <a:schemeClr val="accent1"/>
+          </a:fillRef>
+          <a:effectRef idx="0">
+            <a:schemeClr val="accent1"/>
+          </a:effectRef>
+          <a:fontRef idx="minor">
+            <a:schemeClr val="lt1"/>
+          </a:fontRef>
+        </p:style>
+        <p:txBody>
+          <a:bodyPr rtlCol="0" anchor="ctr"/>
+          <a:lstStyle/>
+          <a:p>
+            <a:pPr algn="ctr"/>
+            <a:endParaRPr lang="de-DE"/>
+          </a:p>
+        </p:txBody>
+      </p:sp>
     </p:spTree>
     <p:extLst>
       <p:ext uri="{BB962C8B-B14F-4D97-AF65-F5344CB8AC3E}">
-        <p14:creationId xmlns:p14="http://schemas.microsoft.com/office/powerpoint/2010/main" val="1077453744"/>
+        <p14:creationId xmlns:p14="http://schemas.microsoft.com/office/powerpoint/2010/main" val="2928616866"/>
       </p:ext>
     </p:extLst>
   </p:cSld>
@@ -5393,13 +5393,13 @@
               <a:t> Picture: </a:t>
             </a:r>
             <a:r>
-              <a:rPr lang="en-GB" b="1" i="1" dirty="0">
+              <a:rPr lang="en-GB" i="1" dirty="0">
                 <a:hlinkClick r:id="rId6"/>
               </a:rPr>
               <a:t>Emmanuel </a:t>
             </a:r>
             <a:r>
-              <a:rPr lang="en-GB" b="1" i="1" dirty="0" err="1">
+              <a:rPr lang="en-GB" i="1" dirty="0" err="1">
                 <a:hlinkClick r:id="rId6"/>
               </a:rPr>
               <a:t>Douzery</a:t>
@@ -6407,7 +6407,7 @@
         <p:spPr>
           <a:xfrm>
             <a:off x="710058" y="1463675"/>
-            <a:ext cx="5945659" cy="4955203"/>
+            <a:ext cx="5945659" cy="4401205"/>
           </a:xfrm>
           <a:prstGeom prst="rect">
             <a:avLst/>
@@ -6452,31 +6452,18 @@
               </a:lnSpc>
             </a:pPr>
             <a:r>
-              <a:rPr lang="en-GB" sz="2400" dirty="0"/>
+              <a:rPr lang="en-GB" sz="2800" dirty="0"/>
               <a:t>	</a:t>
             </a:r>
             <a:r>
-              <a:rPr lang="en-GB" sz="2400" dirty="0">
+              <a:rPr lang="en-GB" sz="2800" dirty="0">
                 <a:sym typeface="Wingdings" panose="05000000000000000000" pitchFamily="2" charset="2"/>
               </a:rPr>
               <a:t> </a:t>
             </a:r>
             <a:r>
-              <a:rPr lang="en-GB" sz="2400" dirty="0"/>
+              <a:rPr lang="en-GB" sz="2800" dirty="0"/>
               <a:t>No recombination </a:t>
-            </a:r>
-          </a:p>
-          <a:p>
-            <a:pPr>
-              <a:lnSpc>
-                <a:spcPct val="150000"/>
-              </a:lnSpc>
-            </a:pPr>
-            <a:r>
-              <a:rPr lang="en-GB" sz="2400" dirty="0">
-                <a:sym typeface="Wingdings" panose="05000000000000000000" pitchFamily="2" charset="2"/>
-              </a:rPr>
-              <a:t>	 mutations only through evolution</a:t>
             </a:r>
           </a:p>
           <a:p>
@@ -7056,7 +7043,7 @@
         <p:spPr>
           <a:xfrm>
             <a:off x="8010268" y="4552109"/>
-            <a:ext cx="3190104" cy="1754326"/>
+            <a:ext cx="3190104" cy="1200329"/>
           </a:xfrm>
           <a:prstGeom prst="rect">
             <a:avLst/>
@@ -7071,7 +7058,7 @@
           <a:p>
             <a:r>
               <a:rPr lang="en-GB" sz="3600" dirty="0"/>
-              <a:t>Deduce relatedness and geneflow</a:t>
+              <a:t>Deduce relatedness</a:t>
             </a:r>
           </a:p>
         </p:txBody>
